--- a/Documents/Thesis Defense.pptx
+++ b/Documents/Thesis Defense.pptx
@@ -5,7 +5,7 @@
     <p:sldMasterId id="2147483840" r:id="rId1"/>
   </p:sldMasterIdLst>
   <p:notesMasterIdLst>
-    <p:notesMasterId r:id="rId37"/>
+    <p:notesMasterId r:id="rId38"/>
   </p:notesMasterIdLst>
   <p:sldIdLst>
     <p:sldId id="256" r:id="rId2"/>
@@ -35,14 +35,15 @@
     <p:sldId id="295" r:id="rId26"/>
     <p:sldId id="290" r:id="rId27"/>
     <p:sldId id="287" r:id="rId28"/>
-    <p:sldId id="291" r:id="rId29"/>
-    <p:sldId id="281" r:id="rId30"/>
-    <p:sldId id="261" r:id="rId31"/>
-    <p:sldId id="285" r:id="rId32"/>
-    <p:sldId id="282" r:id="rId33"/>
-    <p:sldId id="283" r:id="rId34"/>
-    <p:sldId id="284" r:id="rId35"/>
-    <p:sldId id="297" r:id="rId36"/>
+    <p:sldId id="298" r:id="rId29"/>
+    <p:sldId id="291" r:id="rId30"/>
+    <p:sldId id="281" r:id="rId31"/>
+    <p:sldId id="261" r:id="rId32"/>
+    <p:sldId id="285" r:id="rId33"/>
+    <p:sldId id="282" r:id="rId34"/>
+    <p:sldId id="283" r:id="rId35"/>
+    <p:sldId id="284" r:id="rId36"/>
+    <p:sldId id="297" r:id="rId37"/>
   </p:sldIdLst>
   <p:sldSz cx="12192000" cy="6858000"/>
   <p:notesSz cx="6858000" cy="9144000"/>
@@ -197,7 +198,6 @@
           </a:p>
         </c:rich>
       </c:tx>
-      <c:layout/>
       <c:overlay val="0"/>
     </c:title>
     <c:autoTitleDeleted val="0"/>
@@ -1141,11 +1141,11 @@
           <c:showBubbleSize val="0"/>
         </c:dLbls>
         <c:smooth val="0"/>
-        <c:axId val="-1948181072"/>
-        <c:axId val="-1948176176"/>
+        <c:axId val="-1371218704"/>
+        <c:axId val="-1371220880"/>
       </c:lineChart>
       <c:catAx>
-        <c:axId val="-1948181072"/>
+        <c:axId val="-1371218704"/>
         <c:scaling>
           <c:orientation val="minMax"/>
         </c:scaling>
@@ -1172,7 +1172,7 @@
             <a:endParaRPr lang="en-US"/>
           </a:p>
         </c:txPr>
-        <c:crossAx val="-1948176176"/>
+        <c:crossAx val="-1371220880"/>
         <c:crosses val="autoZero"/>
         <c:auto val="1"/>
         <c:lblAlgn val="ctr"/>
@@ -1180,7 +1180,7 @@
         <c:noMultiLvlLbl val="0"/>
       </c:catAx>
       <c:valAx>
-        <c:axId val="-1948176176"/>
+        <c:axId val="-1371220880"/>
         <c:scaling>
           <c:orientation val="minMax"/>
         </c:scaling>
@@ -1208,7 +1208,7 @@
             <a:endParaRPr lang="en-US"/>
           </a:p>
         </c:txPr>
-        <c:crossAx val="-1948181072"/>
+        <c:crossAx val="-1371218704"/>
         <c:crosses val="autoZero"/>
         <c:crossBetween val="between"/>
       </c:valAx>
@@ -1277,7 +1277,6 @@
           </a:p>
         </c:rich>
       </c:tx>
-      <c:layout/>
       <c:overlay val="0"/>
       <c:spPr>
         <a:noFill/>
@@ -1508,11 +1507,11 @@
         </c:dLbls>
         <c:marker val="1"/>
         <c:smooth val="0"/>
-        <c:axId val="-1807451136"/>
-        <c:axId val="-1807450048"/>
+        <c:axId val="-1371213808"/>
+        <c:axId val="-1371214896"/>
       </c:lineChart>
       <c:catAx>
-        <c:axId val="-1807451136"/>
+        <c:axId val="-1371213808"/>
         <c:scaling>
           <c:orientation val="minMax"/>
         </c:scaling>
@@ -1544,7 +1543,6 @@
               </a:p>
             </c:rich>
           </c:tx>
-          <c:layout/>
           <c:overlay val="0"/>
           <c:spPr>
             <a:noFill/>
@@ -1611,7 +1609,7 @@
             <a:endParaRPr lang="en-US"/>
           </a:p>
         </c:txPr>
-        <c:crossAx val="-1807450048"/>
+        <c:crossAx val="-1371214896"/>
         <c:crosses val="autoZero"/>
         <c:auto val="1"/>
         <c:lblAlgn val="ctr"/>
@@ -1619,7 +1617,7 @@
         <c:noMultiLvlLbl val="0"/>
       </c:catAx>
       <c:valAx>
-        <c:axId val="-1807450048"/>
+        <c:axId val="-1371214896"/>
         <c:scaling>
           <c:orientation val="minMax"/>
         </c:scaling>
@@ -1665,7 +1663,6 @@
               </a:p>
             </c:rich>
           </c:tx>
-          <c:layout/>
           <c:overlay val="0"/>
           <c:spPr>
             <a:noFill/>
@@ -1726,7 +1723,7 @@
             <a:endParaRPr lang="en-US"/>
           </a:p>
         </c:txPr>
-        <c:crossAx val="-1807451136"/>
+        <c:crossAx val="-1371213808"/>
         <c:crosses val="autoZero"/>
         <c:crossBetween val="between"/>
       </c:valAx>
@@ -1809,7 +1806,6 @@
           </a:p>
         </c:rich>
       </c:tx>
-      <c:layout/>
       <c:overlay val="0"/>
       <c:spPr>
         <a:noFill/>
@@ -2329,9 +2325,7 @@
               </c:spPr>
             </c:leaderLines>
             <c:extLst>
-              <c:ext xmlns:c15="http://schemas.microsoft.com/office/drawing/2012/chart" uri="{CE6537A1-D6FC-4f65-9D91-7224C49458BB}">
-                <c15:layout/>
-              </c:ext>
+              <c:ext xmlns:c15="http://schemas.microsoft.com/office/drawing/2012/chart" uri="{CE6537A1-D6FC-4f65-9D91-7224C49458BB}"/>
             </c:extLst>
           </c:dLbls>
           <c:cat>
@@ -2404,7 +2398,6 @@
     </c:plotArea>
     <c:legend>
       <c:legendPos val="r"/>
-      <c:layout/>
       <c:overlay val="0"/>
       <c:spPr>
         <a:noFill/>
@@ -2509,7 +2502,6 @@
           </a:p>
         </c:rich>
       </c:tx>
-      <c:layout/>
       <c:overlay val="0"/>
       <c:spPr>
         <a:noFill/>
@@ -2665,9 +2657,7 @@
               </c:spPr>
             </c:leaderLines>
             <c:extLst>
-              <c:ext xmlns:c15="http://schemas.microsoft.com/office/drawing/2012/chart" uri="{CE6537A1-D6FC-4f65-9D91-7224C49458BB}">
-                <c15:layout/>
-              </c:ext>
+              <c:ext xmlns:c15="http://schemas.microsoft.com/office/drawing/2012/chart" uri="{CE6537A1-D6FC-4f65-9D91-7224C49458BB}"/>
             </c:extLst>
           </c:dLbls>
           <c:cat>
@@ -2740,7 +2730,6 @@
     </c:plotArea>
     <c:legend>
       <c:legendPos val="r"/>
-      <c:layout/>
       <c:overlay val="0"/>
       <c:spPr>
         <a:noFill/>
@@ -2837,7 +2826,6 @@
           </a:p>
         </c:rich>
       </c:tx>
-      <c:layout/>
       <c:overlay val="0"/>
       <c:spPr>
         <a:noFill/>
@@ -2993,9 +2981,7 @@
               </c:spPr>
             </c:leaderLines>
             <c:extLst>
-              <c:ext xmlns:c15="http://schemas.microsoft.com/office/drawing/2012/chart" uri="{CE6537A1-D6FC-4f65-9D91-7224C49458BB}">
-                <c15:layout/>
-              </c:ext>
+              <c:ext xmlns:c15="http://schemas.microsoft.com/office/drawing/2012/chart" uri="{CE6537A1-D6FC-4f65-9D91-7224C49458BB}"/>
             </c:extLst>
           </c:dLbls>
           <c:cat>
@@ -3068,7 +3054,6 @@
     </c:plotArea>
     <c:legend>
       <c:legendPos val="r"/>
-      <c:layout/>
       <c:overlay val="0"/>
       <c:spPr>
         <a:noFill/>
@@ -3160,12 +3145,11 @@
             </a:pPr>
             <a:r>
               <a:rPr lang="en-US"/>
-              <a:t>How quickly do you think are ambulances capable of responding to emergency calls?</a:t>
+              <a:t>How useful do you think this app would be if it were linked to emergency response teams?</a:t>
             </a:r>
           </a:p>
         </c:rich>
       </c:tx>
-      <c:layout/>
       <c:overlay val="0"/>
       <c:spPr>
         <a:noFill/>
@@ -3255,7 +3239,6 @@
             <c:showLeaderLines val="0"/>
             <c:extLst>
               <c:ext xmlns:c15="http://schemas.microsoft.com/office/drawing/2012/chart" uri="{CE6537A1-D6FC-4f65-9D91-7224C49458BB}">
-                <c15:layout/>
                 <c15:showLeaderLines val="1"/>
                 <c15:leaderLines>
                   <c:spPr>
@@ -3274,50 +3257,26 @@
               </c:ext>
             </c:extLst>
           </c:dLbls>
-          <c:cat>
+          <c:val>
             <c:numRef>
-              <c:f>'10_HowQuicklyRespondCalls'!$E$3:$E$7</c:f>
+              <c:f>'13_HowUsefulLinkedToERT'!$E$3:$E$7</c:f>
               <c:numCache>
                 <c:formatCode>General</c:formatCode>
                 <c:ptCount val="5"/>
                 <c:pt idx="0">
+                  <c:v>0</c:v>
+                </c:pt>
+                <c:pt idx="1">
                   <c:v>1</c:v>
                 </c:pt>
-                <c:pt idx="1">
-                  <c:v>2</c:v>
-                </c:pt>
                 <c:pt idx="2">
-                  <c:v>3</c:v>
+                  <c:v>7</c:v>
                 </c:pt>
                 <c:pt idx="3">
-                  <c:v>4</c:v>
+                  <c:v>12</c:v>
                 </c:pt>
                 <c:pt idx="4">
-                  <c:v>5</c:v>
-                </c:pt>
-              </c:numCache>
-            </c:numRef>
-          </c:cat>
-          <c:val>
-            <c:numRef>
-              <c:f>'10_HowQuicklyRespondCalls'!$F$3:$F$7</c:f>
-              <c:numCache>
-                <c:formatCode>General</c:formatCode>
-                <c:ptCount val="5"/>
-                <c:pt idx="0">
-                  <c:v>5</c:v>
-                </c:pt>
-                <c:pt idx="1">
-                  <c:v>15</c:v>
-                </c:pt>
-                <c:pt idx="2">
-                  <c:v>25</c:v>
-                </c:pt>
-                <c:pt idx="3">
-                  <c:v>3</c:v>
-                </c:pt>
-                <c:pt idx="4">
-                  <c:v>1</c:v>
+                  <c:v>29</c:v>
                 </c:pt>
               </c:numCache>
             </c:numRef>
@@ -3334,11 +3293,11 @@
         </c:dLbls>
         <c:gapWidth val="219"/>
         <c:overlap val="-27"/>
-        <c:axId val="-1948176720"/>
-        <c:axId val="-1948182160"/>
+        <c:axId val="-1371211632"/>
+        <c:axId val="-1371211088"/>
       </c:barChart>
       <c:catAx>
-        <c:axId val="-1948176720"/>
+        <c:axId val="-1371211632"/>
         <c:scaling>
           <c:orientation val="minMax"/>
         </c:scaling>
@@ -3370,7 +3329,6 @@
               </a:p>
             </c:rich>
           </c:tx>
-          <c:layout/>
           <c:overlay val="0"/>
           <c:spPr>
             <a:noFill/>
@@ -3437,7 +3395,7 @@
             <a:endParaRPr lang="en-US"/>
           </a:p>
         </c:txPr>
-        <c:crossAx val="-1948182160"/>
+        <c:crossAx val="-1371211088"/>
         <c:crosses val="autoZero"/>
         <c:auto val="1"/>
         <c:lblAlgn val="ctr"/>
@@ -3445,7 +3403,7 @@
         <c:noMultiLvlLbl val="0"/>
       </c:catAx>
       <c:valAx>
-        <c:axId val="-1948182160"/>
+        <c:axId val="-1371211088"/>
         <c:scaling>
           <c:orientation val="minMax"/>
         </c:scaling>
@@ -3491,7 +3449,6 @@
               </a:p>
             </c:rich>
           </c:tx>
-          <c:layout/>
           <c:overlay val="0"/>
           <c:spPr>
             <a:noFill/>
@@ -3552,7 +3509,7 @@
             <a:endParaRPr lang="en-US"/>
           </a:p>
         </c:txPr>
-        <c:crossAx val="-1948176720"/>
+        <c:crossAx val="-1371211632"/>
         <c:crosses val="autoZero"/>
         <c:crossBetween val="between"/>
       </c:valAx>
@@ -3604,6 +3561,10 @@
       <c:style val="2"/>
     </mc:Fallback>
   </mc:AlternateContent>
+  <c:pivotSource>
+    <c:name>[Motorcycle Accident Detection Smartphone Application (Responses).xlsx]14_MoreLessLikelyLinkedToERT!PivotTable61</c:name>
+    <c:fmtId val="8"/>
+  </c:pivotSource>
   <c:chart>
     <c:title>
       <c:tx>
@@ -3626,12 +3587,652 @@
             </a:pPr>
             <a:r>
               <a:rPr lang="en-US"/>
-              <a:t>How quickly do you think are ambulances capable of arriving at the location of an accident?</a:t>
+              <a:t>Are you more likely or less likely to spend money on this app if it were linked to emergency response teams?</a:t>
             </a:r>
           </a:p>
         </c:rich>
       </c:tx>
+      <c:overlay val="0"/>
+      <c:spPr>
+        <a:noFill/>
+        <a:ln>
+          <a:noFill/>
+        </a:ln>
+        <a:effectLst/>
+      </c:spPr>
+      <c:txPr>
+        <a:bodyPr rot="0" spcFirstLastPara="1" vertOverflow="ellipsis" vert="horz" wrap="square" anchor="ctr" anchorCtr="1"/>
+        <a:lstStyle/>
+        <a:p>
+          <a:pPr>
+            <a:defRPr sz="1400" b="0" i="0" u="none" strike="noStrike" kern="1200" spc="0" baseline="0">
+              <a:solidFill>
+                <a:schemeClr val="tx1">
+                  <a:lumMod val="65000"/>
+                  <a:lumOff val="35000"/>
+                </a:schemeClr>
+              </a:solidFill>
+              <a:latin typeface="+mn-lt"/>
+              <a:ea typeface="+mn-ea"/>
+              <a:cs typeface="+mn-cs"/>
+            </a:defRPr>
+          </a:pPr>
+          <a:endParaRPr lang="en-US"/>
+        </a:p>
+      </c:txPr>
+    </c:title>
+    <c:autoTitleDeleted val="0"/>
+    <c:pivotFmts>
+      <c:pivotFmt>
+        <c:idx val="0"/>
+        <c:spPr>
+          <a:solidFill>
+            <a:schemeClr val="accent1"/>
+          </a:solidFill>
+          <a:ln>
+            <a:noFill/>
+          </a:ln>
+          <a:effectLst/>
+        </c:spPr>
+        <c:marker>
+          <c:symbol val="none"/>
+        </c:marker>
+        <c:dLbl>
+          <c:idx val="0"/>
+          <c:spPr>
+            <a:noFill/>
+            <a:ln>
+              <a:noFill/>
+            </a:ln>
+            <a:effectLst/>
+          </c:spPr>
+          <c:txPr>
+            <a:bodyPr rot="0" spcFirstLastPara="1" vertOverflow="ellipsis" vert="horz" wrap="square" lIns="38100" tIns="19050" rIns="38100" bIns="19050" anchor="ctr" anchorCtr="1">
+              <a:spAutoFit/>
+            </a:bodyPr>
+            <a:lstStyle/>
+            <a:p>
+              <a:pPr>
+                <a:defRPr sz="900" b="0" i="0" u="none" strike="noStrike" kern="1200" baseline="0">
+                  <a:solidFill>
+                    <a:schemeClr val="tx1">
+                      <a:lumMod val="75000"/>
+                      <a:lumOff val="25000"/>
+                    </a:schemeClr>
+                  </a:solidFill>
+                  <a:latin typeface="+mn-lt"/>
+                  <a:ea typeface="+mn-ea"/>
+                  <a:cs typeface="+mn-cs"/>
+                </a:defRPr>
+              </a:pPr>
+              <a:endParaRPr lang="en-US"/>
+            </a:p>
+          </c:txPr>
+          <c:dLblPos val="outEnd"/>
+          <c:showLegendKey val="0"/>
+          <c:showVal val="1"/>
+          <c:showCatName val="0"/>
+          <c:showSerName val="0"/>
+          <c:showPercent val="0"/>
+          <c:showBubbleSize val="0"/>
+          <c:extLst>
+            <c:ext xmlns:c15="http://schemas.microsoft.com/office/drawing/2012/chart" uri="{CE6537A1-D6FC-4f65-9D91-7224C49458BB}"/>
+          </c:extLst>
+        </c:dLbl>
+      </c:pivotFmt>
+      <c:pivotFmt>
+        <c:idx val="1"/>
+        <c:spPr>
+          <a:solidFill>
+            <a:schemeClr val="accent1"/>
+          </a:solidFill>
+          <a:ln>
+            <a:noFill/>
+          </a:ln>
+          <a:effectLst/>
+        </c:spPr>
+        <c:marker>
+          <c:symbol val="none"/>
+        </c:marker>
+        <c:dLbl>
+          <c:idx val="0"/>
+          <c:spPr>
+            <a:noFill/>
+            <a:ln>
+              <a:noFill/>
+            </a:ln>
+            <a:effectLst/>
+          </c:spPr>
+          <c:txPr>
+            <a:bodyPr rot="0" spcFirstLastPara="1" vertOverflow="ellipsis" vert="horz" wrap="square" lIns="38100" tIns="19050" rIns="38100" bIns="19050" anchor="ctr" anchorCtr="1">
+              <a:spAutoFit/>
+            </a:bodyPr>
+            <a:lstStyle/>
+            <a:p>
+              <a:pPr>
+                <a:defRPr sz="900" b="0" i="0" u="none" strike="noStrike" kern="1200" baseline="0">
+                  <a:solidFill>
+                    <a:schemeClr val="tx1">
+                      <a:lumMod val="75000"/>
+                      <a:lumOff val="25000"/>
+                    </a:schemeClr>
+                  </a:solidFill>
+                  <a:latin typeface="+mn-lt"/>
+                  <a:ea typeface="+mn-ea"/>
+                  <a:cs typeface="+mn-cs"/>
+                </a:defRPr>
+              </a:pPr>
+              <a:endParaRPr lang="en-US"/>
+            </a:p>
+          </c:txPr>
+          <c:dLblPos val="outEnd"/>
+          <c:showLegendKey val="0"/>
+          <c:showVal val="1"/>
+          <c:showCatName val="0"/>
+          <c:showSerName val="0"/>
+          <c:showPercent val="0"/>
+          <c:showBubbleSize val="0"/>
+          <c:extLst>
+            <c:ext xmlns:c15="http://schemas.microsoft.com/office/drawing/2012/chart" uri="{CE6537A1-D6FC-4f65-9D91-7224C49458BB}"/>
+          </c:extLst>
+        </c:dLbl>
+      </c:pivotFmt>
+      <c:pivotFmt>
+        <c:idx val="2"/>
+        <c:spPr>
+          <a:solidFill>
+            <a:schemeClr val="accent1"/>
+          </a:solidFill>
+          <a:ln>
+            <a:noFill/>
+          </a:ln>
+          <a:effectLst/>
+        </c:spPr>
+        <c:marker>
+          <c:symbol val="none"/>
+        </c:marker>
+        <c:dLbl>
+          <c:idx val="0"/>
+          <c:spPr>
+            <a:noFill/>
+            <a:ln>
+              <a:noFill/>
+            </a:ln>
+            <a:effectLst/>
+          </c:spPr>
+          <c:txPr>
+            <a:bodyPr rot="0" spcFirstLastPara="1" vertOverflow="ellipsis" vert="horz" wrap="square" lIns="38100" tIns="19050" rIns="38100" bIns="19050" anchor="ctr" anchorCtr="1">
+              <a:spAutoFit/>
+            </a:bodyPr>
+            <a:lstStyle/>
+            <a:p>
+              <a:pPr>
+                <a:defRPr sz="900" b="0" i="0" u="none" strike="noStrike" kern="1200" baseline="0">
+                  <a:solidFill>
+                    <a:schemeClr val="tx1">
+                      <a:lumMod val="75000"/>
+                      <a:lumOff val="25000"/>
+                    </a:schemeClr>
+                  </a:solidFill>
+                  <a:latin typeface="+mn-lt"/>
+                  <a:ea typeface="+mn-ea"/>
+                  <a:cs typeface="+mn-cs"/>
+                </a:defRPr>
+              </a:pPr>
+              <a:endParaRPr lang="en-US"/>
+            </a:p>
+          </c:txPr>
+          <c:dLblPos val="outEnd"/>
+          <c:showLegendKey val="0"/>
+          <c:showVal val="1"/>
+          <c:showCatName val="0"/>
+          <c:showSerName val="0"/>
+          <c:showPercent val="0"/>
+          <c:showBubbleSize val="0"/>
+          <c:extLst>
+            <c:ext xmlns:c15="http://schemas.microsoft.com/office/drawing/2012/chart" uri="{CE6537A1-D6FC-4f65-9D91-7224C49458BB}"/>
+          </c:extLst>
+        </c:dLbl>
+      </c:pivotFmt>
+    </c:pivotFmts>
+    <c:plotArea>
       <c:layout/>
+      <c:barChart>
+        <c:barDir val="col"/>
+        <c:grouping val="clustered"/>
+        <c:varyColors val="0"/>
+        <c:ser>
+          <c:idx val="0"/>
+          <c:order val="0"/>
+          <c:tx>
+            <c:strRef>
+              <c:f>'14_MoreLessLikelyLinkedToERT'!$B$3</c:f>
+              <c:strCache>
+                <c:ptCount val="1"/>
+                <c:pt idx="0">
+                  <c:v>Total</c:v>
+                </c:pt>
+              </c:strCache>
+            </c:strRef>
+          </c:tx>
+          <c:spPr>
+            <a:solidFill>
+              <a:schemeClr val="accent1"/>
+            </a:solidFill>
+            <a:ln>
+              <a:noFill/>
+            </a:ln>
+            <a:effectLst/>
+          </c:spPr>
+          <c:invertIfNegative val="0"/>
+          <c:dLbls>
+            <c:spPr>
+              <a:noFill/>
+              <a:ln>
+                <a:noFill/>
+              </a:ln>
+              <a:effectLst/>
+            </c:spPr>
+            <c:txPr>
+              <a:bodyPr rot="0" spcFirstLastPara="1" vertOverflow="ellipsis" vert="horz" wrap="square" lIns="38100" tIns="19050" rIns="38100" bIns="19050" anchor="ctr" anchorCtr="1">
+                <a:spAutoFit/>
+              </a:bodyPr>
+              <a:lstStyle/>
+              <a:p>
+                <a:pPr>
+                  <a:defRPr sz="900" b="0" i="0" u="none" strike="noStrike" kern="1200" baseline="0">
+                    <a:solidFill>
+                      <a:schemeClr val="tx1">
+                        <a:lumMod val="75000"/>
+                        <a:lumOff val="25000"/>
+                      </a:schemeClr>
+                    </a:solidFill>
+                    <a:latin typeface="+mn-lt"/>
+                    <a:ea typeface="+mn-ea"/>
+                    <a:cs typeface="+mn-cs"/>
+                  </a:defRPr>
+                </a:pPr>
+                <a:endParaRPr lang="en-US"/>
+              </a:p>
+            </c:txPr>
+            <c:dLblPos val="outEnd"/>
+            <c:showLegendKey val="0"/>
+            <c:showVal val="1"/>
+            <c:showCatName val="0"/>
+            <c:showSerName val="0"/>
+            <c:showPercent val="0"/>
+            <c:showBubbleSize val="0"/>
+            <c:showLeaderLines val="0"/>
+            <c:extLst>
+              <c:ext xmlns:c15="http://schemas.microsoft.com/office/drawing/2012/chart" uri="{CE6537A1-D6FC-4f65-9D91-7224C49458BB}">
+                <c15:showLeaderLines val="1"/>
+                <c15:leaderLines>
+                  <c:spPr>
+                    <a:ln w="9525" cap="flat" cmpd="sng" algn="ctr">
+                      <a:solidFill>
+                        <a:schemeClr val="tx1">
+                          <a:lumMod val="35000"/>
+                          <a:lumOff val="65000"/>
+                        </a:schemeClr>
+                      </a:solidFill>
+                      <a:round/>
+                    </a:ln>
+                    <a:effectLst/>
+                  </c:spPr>
+                </c15:leaderLines>
+              </c:ext>
+            </c:extLst>
+          </c:dLbls>
+          <c:cat>
+            <c:strRef>
+              <c:f>'14_MoreLessLikelyLinkedToERT'!$A$4:$A$6</c:f>
+              <c:strCache>
+                <c:ptCount val="3"/>
+                <c:pt idx="0">
+                  <c:v>Less Likely</c:v>
+                </c:pt>
+                <c:pt idx="1">
+                  <c:v>More Likely</c:v>
+                </c:pt>
+                <c:pt idx="2">
+                  <c:v>No Difference</c:v>
+                </c:pt>
+              </c:strCache>
+            </c:strRef>
+          </c:cat>
+          <c:val>
+            <c:numRef>
+              <c:f>'14_MoreLessLikelyLinkedToERT'!$B$4:$B$6</c:f>
+              <c:numCache>
+                <c:formatCode>General</c:formatCode>
+                <c:ptCount val="3"/>
+                <c:pt idx="0">
+                  <c:v>7</c:v>
+                </c:pt>
+                <c:pt idx="1">
+                  <c:v>29</c:v>
+                </c:pt>
+                <c:pt idx="2">
+                  <c:v>13</c:v>
+                </c:pt>
+              </c:numCache>
+            </c:numRef>
+          </c:val>
+        </c:ser>
+        <c:dLbls>
+          <c:dLblPos val="outEnd"/>
+          <c:showLegendKey val="0"/>
+          <c:showVal val="1"/>
+          <c:showCatName val="0"/>
+          <c:showSerName val="0"/>
+          <c:showPercent val="0"/>
+          <c:showBubbleSize val="0"/>
+        </c:dLbls>
+        <c:gapWidth val="219"/>
+        <c:overlap val="-27"/>
+        <c:axId val="-1334504528"/>
+        <c:axId val="-1334502352"/>
+      </c:barChart>
+      <c:catAx>
+        <c:axId val="-1334504528"/>
+        <c:scaling>
+          <c:orientation val="minMax"/>
+        </c:scaling>
+        <c:delete val="0"/>
+        <c:axPos val="b"/>
+        <c:title>
+          <c:tx>
+            <c:rich>
+              <a:bodyPr rot="0" spcFirstLastPara="1" vertOverflow="ellipsis" vert="horz" wrap="square" anchor="ctr" anchorCtr="1"/>
+              <a:lstStyle/>
+              <a:p>
+                <a:pPr>
+                  <a:defRPr sz="1000" b="0" i="0" u="none" strike="noStrike" kern="1200" baseline="0">
+                    <a:solidFill>
+                      <a:schemeClr val="tx1">
+                        <a:lumMod val="65000"/>
+                        <a:lumOff val="35000"/>
+                      </a:schemeClr>
+                    </a:solidFill>
+                    <a:latin typeface="+mn-lt"/>
+                    <a:ea typeface="+mn-ea"/>
+                    <a:cs typeface="+mn-cs"/>
+                  </a:defRPr>
+                </a:pPr>
+                <a:r>
+                  <a:rPr lang="en-US"/>
+                  <a:t>Response</a:t>
+                </a:r>
+              </a:p>
+            </c:rich>
+          </c:tx>
+          <c:overlay val="0"/>
+          <c:spPr>
+            <a:noFill/>
+            <a:ln>
+              <a:noFill/>
+            </a:ln>
+            <a:effectLst/>
+          </c:spPr>
+          <c:txPr>
+            <a:bodyPr rot="0" spcFirstLastPara="1" vertOverflow="ellipsis" vert="horz" wrap="square" anchor="ctr" anchorCtr="1"/>
+            <a:lstStyle/>
+            <a:p>
+              <a:pPr>
+                <a:defRPr sz="1000" b="0" i="0" u="none" strike="noStrike" kern="1200" baseline="0">
+                  <a:solidFill>
+                    <a:schemeClr val="tx1">
+                      <a:lumMod val="65000"/>
+                      <a:lumOff val="35000"/>
+                    </a:schemeClr>
+                  </a:solidFill>
+                  <a:latin typeface="+mn-lt"/>
+                  <a:ea typeface="+mn-ea"/>
+                  <a:cs typeface="+mn-cs"/>
+                </a:defRPr>
+              </a:pPr>
+              <a:endParaRPr lang="en-US"/>
+            </a:p>
+          </c:txPr>
+        </c:title>
+        <c:numFmt formatCode="General" sourceLinked="1"/>
+        <c:majorTickMark val="none"/>
+        <c:minorTickMark val="none"/>
+        <c:tickLblPos val="nextTo"/>
+        <c:spPr>
+          <a:noFill/>
+          <a:ln w="9525" cap="flat" cmpd="sng" algn="ctr">
+            <a:solidFill>
+              <a:schemeClr val="tx1">
+                <a:lumMod val="15000"/>
+                <a:lumOff val="85000"/>
+              </a:schemeClr>
+            </a:solidFill>
+            <a:round/>
+          </a:ln>
+          <a:effectLst/>
+        </c:spPr>
+        <c:txPr>
+          <a:bodyPr rot="-60000000" spcFirstLastPara="1" vertOverflow="ellipsis" vert="horz" wrap="square" anchor="ctr" anchorCtr="1"/>
+          <a:lstStyle/>
+          <a:p>
+            <a:pPr>
+              <a:defRPr sz="900" b="0" i="0" u="none" strike="noStrike" kern="1200" baseline="0">
+                <a:solidFill>
+                  <a:schemeClr val="tx1">
+                    <a:lumMod val="65000"/>
+                    <a:lumOff val="35000"/>
+                  </a:schemeClr>
+                </a:solidFill>
+                <a:latin typeface="+mn-lt"/>
+                <a:ea typeface="+mn-ea"/>
+                <a:cs typeface="+mn-cs"/>
+              </a:defRPr>
+            </a:pPr>
+            <a:endParaRPr lang="en-US"/>
+          </a:p>
+        </c:txPr>
+        <c:crossAx val="-1334502352"/>
+        <c:crosses val="autoZero"/>
+        <c:auto val="1"/>
+        <c:lblAlgn val="ctr"/>
+        <c:lblOffset val="100"/>
+        <c:noMultiLvlLbl val="0"/>
+      </c:catAx>
+      <c:valAx>
+        <c:axId val="-1334502352"/>
+        <c:scaling>
+          <c:orientation val="minMax"/>
+        </c:scaling>
+        <c:delete val="0"/>
+        <c:axPos val="l"/>
+        <c:majorGridlines>
+          <c:spPr>
+            <a:ln w="9525" cap="flat" cmpd="sng" algn="ctr">
+              <a:solidFill>
+                <a:schemeClr val="tx1">
+                  <a:lumMod val="15000"/>
+                  <a:lumOff val="85000"/>
+                </a:schemeClr>
+              </a:solidFill>
+              <a:round/>
+            </a:ln>
+            <a:effectLst/>
+          </c:spPr>
+        </c:majorGridlines>
+        <c:title>
+          <c:tx>
+            <c:rich>
+              <a:bodyPr rot="-5400000" spcFirstLastPara="1" vertOverflow="ellipsis" vert="horz" wrap="square" anchor="ctr" anchorCtr="1"/>
+              <a:lstStyle/>
+              <a:p>
+                <a:pPr>
+                  <a:defRPr sz="1000" b="0" i="0" u="none" strike="noStrike" kern="1200" baseline="0">
+                    <a:solidFill>
+                      <a:schemeClr val="tx1">
+                        <a:lumMod val="65000"/>
+                        <a:lumOff val="35000"/>
+                      </a:schemeClr>
+                    </a:solidFill>
+                    <a:latin typeface="+mn-lt"/>
+                    <a:ea typeface="+mn-ea"/>
+                    <a:cs typeface="+mn-cs"/>
+                  </a:defRPr>
+                </a:pPr>
+                <a:r>
+                  <a:rPr lang="en-US"/>
+                  <a:t>Count</a:t>
+                </a:r>
+              </a:p>
+            </c:rich>
+          </c:tx>
+          <c:overlay val="0"/>
+          <c:spPr>
+            <a:noFill/>
+            <a:ln>
+              <a:noFill/>
+            </a:ln>
+            <a:effectLst/>
+          </c:spPr>
+          <c:txPr>
+            <a:bodyPr rot="-5400000" spcFirstLastPara="1" vertOverflow="ellipsis" vert="horz" wrap="square" anchor="ctr" anchorCtr="1"/>
+            <a:lstStyle/>
+            <a:p>
+              <a:pPr>
+                <a:defRPr sz="1000" b="0" i="0" u="none" strike="noStrike" kern="1200" baseline="0">
+                  <a:solidFill>
+                    <a:schemeClr val="tx1">
+                      <a:lumMod val="65000"/>
+                      <a:lumOff val="35000"/>
+                    </a:schemeClr>
+                  </a:solidFill>
+                  <a:latin typeface="+mn-lt"/>
+                  <a:ea typeface="+mn-ea"/>
+                  <a:cs typeface="+mn-cs"/>
+                </a:defRPr>
+              </a:pPr>
+              <a:endParaRPr lang="en-US"/>
+            </a:p>
+          </c:txPr>
+        </c:title>
+        <c:numFmt formatCode="General" sourceLinked="1"/>
+        <c:majorTickMark val="none"/>
+        <c:minorTickMark val="none"/>
+        <c:tickLblPos val="nextTo"/>
+        <c:spPr>
+          <a:noFill/>
+          <a:ln>
+            <a:noFill/>
+          </a:ln>
+          <a:effectLst/>
+        </c:spPr>
+        <c:txPr>
+          <a:bodyPr rot="-60000000" spcFirstLastPara="1" vertOverflow="ellipsis" vert="horz" wrap="square" anchor="ctr" anchorCtr="1"/>
+          <a:lstStyle/>
+          <a:p>
+            <a:pPr>
+              <a:defRPr sz="900" b="0" i="0" u="none" strike="noStrike" kern="1200" baseline="0">
+                <a:solidFill>
+                  <a:schemeClr val="tx1">
+                    <a:lumMod val="65000"/>
+                    <a:lumOff val="35000"/>
+                  </a:schemeClr>
+                </a:solidFill>
+                <a:latin typeface="+mn-lt"/>
+                <a:ea typeface="+mn-ea"/>
+                <a:cs typeface="+mn-cs"/>
+              </a:defRPr>
+            </a:pPr>
+            <a:endParaRPr lang="en-US"/>
+          </a:p>
+        </c:txPr>
+        <c:crossAx val="-1334504528"/>
+        <c:crosses val="autoZero"/>
+        <c:crossBetween val="between"/>
+      </c:valAx>
+      <c:spPr>
+        <a:noFill/>
+        <a:ln>
+          <a:noFill/>
+        </a:ln>
+        <a:effectLst/>
+      </c:spPr>
+    </c:plotArea>
+    <c:plotVisOnly val="1"/>
+    <c:dispBlanksAs val="gap"/>
+    <c:showDLblsOverMax val="0"/>
+  </c:chart>
+  <c:spPr>
+    <a:noFill/>
+    <a:ln>
+      <a:noFill/>
+    </a:ln>
+    <a:effectLst/>
+  </c:spPr>
+  <c:txPr>
+    <a:bodyPr/>
+    <a:lstStyle/>
+    <a:p>
+      <a:pPr>
+        <a:defRPr/>
+      </a:pPr>
+      <a:endParaRPr lang="en-US"/>
+    </a:p>
+  </c:txPr>
+  <c:externalData r:id="rId3">
+    <c:autoUpdate val="0"/>
+  </c:externalData>
+  <c:extLst>
+    <c:ext xmlns:c14="http://schemas.microsoft.com/office/drawing/2007/8/2/chart" uri="{781A3756-C4B2-4CAC-9D66-4F8BD8637D16}">
+      <c14:pivotOptions>
+        <c14:dropZoneFilter val="1"/>
+        <c14:dropZonesVisible val="1"/>
+      </c14:pivotOptions>
+    </c:ext>
+  </c:extLst>
+</c:chartSpace>
+</file>
+
+<file path=ppt/charts/chart8.xml><?xml version="1.0" encoding="utf-8"?>
+<c:chartSpace xmlns:c="http://schemas.openxmlformats.org/drawingml/2006/chart" xmlns:a="http://schemas.openxmlformats.org/drawingml/2006/main" xmlns:r="http://schemas.openxmlformats.org/officeDocument/2006/relationships">
+  <c:date1904 val="0"/>
+  <c:lang val="en-US"/>
+  <c:roundedCorners val="0"/>
+  <mc:AlternateContent xmlns:mc="http://schemas.openxmlformats.org/markup-compatibility/2006">
+    <mc:Choice xmlns:c14="http://schemas.microsoft.com/office/drawing/2007/8/2/chart" Requires="c14">
+      <c14:style val="102"/>
+    </mc:Choice>
+    <mc:Fallback>
+      <c:style val="2"/>
+    </mc:Fallback>
+  </mc:AlternateContent>
+  <c:chart>
+    <c:title>
+      <c:tx>
+        <c:rich>
+          <a:bodyPr rot="0" spcFirstLastPara="1" vertOverflow="ellipsis" vert="horz" wrap="square" anchor="ctr" anchorCtr="1"/>
+          <a:lstStyle/>
+          <a:p>
+            <a:pPr>
+              <a:defRPr sz="1400" b="0" i="0" u="none" strike="noStrike" kern="1200" spc="0" baseline="0">
+                <a:solidFill>
+                  <a:schemeClr val="tx1">
+                    <a:lumMod val="65000"/>
+                    <a:lumOff val="35000"/>
+                  </a:schemeClr>
+                </a:solidFill>
+                <a:latin typeface="+mn-lt"/>
+                <a:ea typeface="+mn-ea"/>
+                <a:cs typeface="+mn-cs"/>
+              </a:defRPr>
+            </a:pPr>
+            <a:r>
+              <a:rPr lang="en-US"/>
+              <a:t>How quickly do you think are ambulances capable of responding to emergency calls?</a:t>
+            </a:r>
+          </a:p>
+        </c:rich>
+      </c:tx>
       <c:overlay val="0"/>
       <c:spPr>
         <a:noFill/>
@@ -3721,7 +4322,6 @@
             <c:showLeaderLines val="0"/>
             <c:extLst>
               <c:ext xmlns:c15="http://schemas.microsoft.com/office/drawing/2012/chart" uri="{CE6537A1-D6FC-4f65-9D91-7224C49458BB}">
-                <c15:layout/>
                 <c15:showLeaderLines val="1"/>
                 <c15:leaderLines>
                   <c:spPr>
@@ -3742,7 +4342,7 @@
           </c:dLbls>
           <c:cat>
             <c:numRef>
-              <c:f>'11_HowQuicklyArrive'!$D$3:$D$7</c:f>
+              <c:f>'10_HowQuicklyRespondCalls'!$E$3:$E$7</c:f>
               <c:numCache>
                 <c:formatCode>General</c:formatCode>
                 <c:ptCount val="5"/>
@@ -3766,24 +4366,24 @@
           </c:cat>
           <c:val>
             <c:numRef>
-              <c:f>'11_HowQuicklyArrive'!$E$3:$E$7</c:f>
+              <c:f>'10_HowQuicklyRespondCalls'!$F$3:$F$7</c:f>
               <c:numCache>
                 <c:formatCode>General</c:formatCode>
                 <c:ptCount val="5"/>
                 <c:pt idx="0">
-                  <c:v>7</c:v>
+                  <c:v>5</c:v>
                 </c:pt>
                 <c:pt idx="1">
-                  <c:v>14</c:v>
+                  <c:v>15</c:v>
                 </c:pt>
                 <c:pt idx="2">
-                  <c:v>23</c:v>
+                  <c:v>25</c:v>
                 </c:pt>
                 <c:pt idx="3">
                   <c:v>3</c:v>
                 </c:pt>
                 <c:pt idx="4">
-                  <c:v>2</c:v>
+                  <c:v>1</c:v>
                 </c:pt>
               </c:numCache>
             </c:numRef>
@@ -3800,11 +4400,11 @@
         </c:dLbls>
         <c:gapWidth val="219"/>
         <c:overlap val="-27"/>
-        <c:axId val="-1984302368"/>
-        <c:axId val="-1984301280"/>
+        <c:axId val="-1334492560"/>
+        <c:axId val="-1334492016"/>
       </c:barChart>
       <c:catAx>
-        <c:axId val="-1984302368"/>
+        <c:axId val="-1334492560"/>
         <c:scaling>
           <c:orientation val="minMax"/>
         </c:scaling>
@@ -3836,7 +4436,6 @@
               </a:p>
             </c:rich>
           </c:tx>
-          <c:layout/>
           <c:overlay val="0"/>
           <c:spPr>
             <a:noFill/>
@@ -3903,7 +4502,7 @@
             <a:endParaRPr lang="en-US"/>
           </a:p>
         </c:txPr>
-        <c:crossAx val="-1984301280"/>
+        <c:crossAx val="-1334492016"/>
         <c:crosses val="autoZero"/>
         <c:auto val="1"/>
         <c:lblAlgn val="ctr"/>
@@ -3911,7 +4510,7 @@
         <c:noMultiLvlLbl val="0"/>
       </c:catAx>
       <c:valAx>
-        <c:axId val="-1984301280"/>
+        <c:axId val="-1334492016"/>
         <c:scaling>
           <c:orientation val="minMax"/>
         </c:scaling>
@@ -3957,7 +4556,6 @@
               </a:p>
             </c:rich>
           </c:tx>
-          <c:layout/>
           <c:overlay val="0"/>
           <c:spPr>
             <a:noFill/>
@@ -4018,7 +4616,469 @@
             <a:endParaRPr lang="en-US"/>
           </a:p>
         </c:txPr>
-        <c:crossAx val="-1984302368"/>
+        <c:crossAx val="-1334492560"/>
+        <c:crosses val="autoZero"/>
+        <c:crossBetween val="between"/>
+      </c:valAx>
+      <c:spPr>
+        <a:noFill/>
+        <a:ln>
+          <a:noFill/>
+        </a:ln>
+        <a:effectLst/>
+      </c:spPr>
+    </c:plotArea>
+    <c:plotVisOnly val="1"/>
+    <c:dispBlanksAs val="gap"/>
+    <c:showDLblsOverMax val="0"/>
+  </c:chart>
+  <c:spPr>
+    <a:noFill/>
+    <a:ln>
+      <a:noFill/>
+    </a:ln>
+    <a:effectLst/>
+  </c:spPr>
+  <c:txPr>
+    <a:bodyPr/>
+    <a:lstStyle/>
+    <a:p>
+      <a:pPr>
+        <a:defRPr/>
+      </a:pPr>
+      <a:endParaRPr lang="en-US"/>
+    </a:p>
+  </c:txPr>
+  <c:externalData r:id="rId3">
+    <c:autoUpdate val="0"/>
+  </c:externalData>
+</c:chartSpace>
+</file>
+
+<file path=ppt/charts/chart9.xml><?xml version="1.0" encoding="utf-8"?>
+<c:chartSpace xmlns:c="http://schemas.openxmlformats.org/drawingml/2006/chart" xmlns:a="http://schemas.openxmlformats.org/drawingml/2006/main" xmlns:r="http://schemas.openxmlformats.org/officeDocument/2006/relationships">
+  <c:date1904 val="0"/>
+  <c:lang val="en-US"/>
+  <c:roundedCorners val="0"/>
+  <mc:AlternateContent xmlns:mc="http://schemas.openxmlformats.org/markup-compatibility/2006">
+    <mc:Choice xmlns:c14="http://schemas.microsoft.com/office/drawing/2007/8/2/chart" Requires="c14">
+      <c14:style val="102"/>
+    </mc:Choice>
+    <mc:Fallback>
+      <c:style val="2"/>
+    </mc:Fallback>
+  </mc:AlternateContent>
+  <c:chart>
+    <c:title>
+      <c:tx>
+        <c:rich>
+          <a:bodyPr rot="0" spcFirstLastPara="1" vertOverflow="ellipsis" vert="horz" wrap="square" anchor="ctr" anchorCtr="1"/>
+          <a:lstStyle/>
+          <a:p>
+            <a:pPr>
+              <a:defRPr sz="1400" b="0" i="0" u="none" strike="noStrike" kern="1200" spc="0" baseline="0">
+                <a:solidFill>
+                  <a:schemeClr val="tx1">
+                    <a:lumMod val="65000"/>
+                    <a:lumOff val="35000"/>
+                  </a:schemeClr>
+                </a:solidFill>
+                <a:latin typeface="+mn-lt"/>
+                <a:ea typeface="+mn-ea"/>
+                <a:cs typeface="+mn-cs"/>
+              </a:defRPr>
+            </a:pPr>
+            <a:r>
+              <a:rPr lang="en-US"/>
+              <a:t>How quickly do you think are ambulances capable of arriving at the location of an accident?</a:t>
+            </a:r>
+          </a:p>
+        </c:rich>
+      </c:tx>
+      <c:overlay val="0"/>
+      <c:spPr>
+        <a:noFill/>
+        <a:ln>
+          <a:noFill/>
+        </a:ln>
+        <a:effectLst/>
+      </c:spPr>
+      <c:txPr>
+        <a:bodyPr rot="0" spcFirstLastPara="1" vertOverflow="ellipsis" vert="horz" wrap="square" anchor="ctr" anchorCtr="1"/>
+        <a:lstStyle/>
+        <a:p>
+          <a:pPr>
+            <a:defRPr sz="1400" b="0" i="0" u="none" strike="noStrike" kern="1200" spc="0" baseline="0">
+              <a:solidFill>
+                <a:schemeClr val="tx1">
+                  <a:lumMod val="65000"/>
+                  <a:lumOff val="35000"/>
+                </a:schemeClr>
+              </a:solidFill>
+              <a:latin typeface="+mn-lt"/>
+              <a:ea typeface="+mn-ea"/>
+              <a:cs typeface="+mn-cs"/>
+            </a:defRPr>
+          </a:pPr>
+          <a:endParaRPr lang="en-US"/>
+        </a:p>
+      </c:txPr>
+    </c:title>
+    <c:autoTitleDeleted val="0"/>
+    <c:plotArea>
+      <c:layout/>
+      <c:barChart>
+        <c:barDir val="col"/>
+        <c:grouping val="clustered"/>
+        <c:varyColors val="0"/>
+        <c:ser>
+          <c:idx val="0"/>
+          <c:order val="0"/>
+          <c:spPr>
+            <a:solidFill>
+              <a:schemeClr val="accent1"/>
+            </a:solidFill>
+            <a:ln>
+              <a:noFill/>
+            </a:ln>
+            <a:effectLst/>
+          </c:spPr>
+          <c:invertIfNegative val="0"/>
+          <c:dLbls>
+            <c:spPr>
+              <a:noFill/>
+              <a:ln>
+                <a:noFill/>
+              </a:ln>
+              <a:effectLst/>
+            </c:spPr>
+            <c:txPr>
+              <a:bodyPr rot="0" spcFirstLastPara="1" vertOverflow="ellipsis" vert="horz" wrap="square" lIns="38100" tIns="19050" rIns="38100" bIns="19050" anchor="ctr" anchorCtr="1">
+                <a:spAutoFit/>
+              </a:bodyPr>
+              <a:lstStyle/>
+              <a:p>
+                <a:pPr>
+                  <a:defRPr sz="900" b="0" i="0" u="none" strike="noStrike" kern="1200" baseline="0">
+                    <a:solidFill>
+                      <a:schemeClr val="tx1">
+                        <a:lumMod val="75000"/>
+                        <a:lumOff val="25000"/>
+                      </a:schemeClr>
+                    </a:solidFill>
+                    <a:latin typeface="+mn-lt"/>
+                    <a:ea typeface="+mn-ea"/>
+                    <a:cs typeface="+mn-cs"/>
+                  </a:defRPr>
+                </a:pPr>
+                <a:endParaRPr lang="en-US"/>
+              </a:p>
+            </c:txPr>
+            <c:dLblPos val="outEnd"/>
+            <c:showLegendKey val="0"/>
+            <c:showVal val="1"/>
+            <c:showCatName val="0"/>
+            <c:showSerName val="0"/>
+            <c:showPercent val="0"/>
+            <c:showBubbleSize val="0"/>
+            <c:showLeaderLines val="0"/>
+            <c:extLst>
+              <c:ext xmlns:c15="http://schemas.microsoft.com/office/drawing/2012/chart" uri="{CE6537A1-D6FC-4f65-9D91-7224C49458BB}">
+                <c15:showLeaderLines val="1"/>
+                <c15:leaderLines>
+                  <c:spPr>
+                    <a:ln w="9525" cap="flat" cmpd="sng" algn="ctr">
+                      <a:solidFill>
+                        <a:schemeClr val="tx1">
+                          <a:lumMod val="35000"/>
+                          <a:lumOff val="65000"/>
+                        </a:schemeClr>
+                      </a:solidFill>
+                      <a:round/>
+                    </a:ln>
+                    <a:effectLst/>
+                  </c:spPr>
+                </c15:leaderLines>
+              </c:ext>
+            </c:extLst>
+          </c:dLbls>
+          <c:cat>
+            <c:numRef>
+              <c:f>'11_HowQuicklyArrive'!$D$3:$D$7</c:f>
+              <c:numCache>
+                <c:formatCode>General</c:formatCode>
+                <c:ptCount val="5"/>
+                <c:pt idx="0">
+                  <c:v>1</c:v>
+                </c:pt>
+                <c:pt idx="1">
+                  <c:v>2</c:v>
+                </c:pt>
+                <c:pt idx="2">
+                  <c:v>3</c:v>
+                </c:pt>
+                <c:pt idx="3">
+                  <c:v>4</c:v>
+                </c:pt>
+                <c:pt idx="4">
+                  <c:v>5</c:v>
+                </c:pt>
+              </c:numCache>
+            </c:numRef>
+          </c:cat>
+          <c:val>
+            <c:numRef>
+              <c:f>'11_HowQuicklyArrive'!$E$3:$E$7</c:f>
+              <c:numCache>
+                <c:formatCode>General</c:formatCode>
+                <c:ptCount val="5"/>
+                <c:pt idx="0">
+                  <c:v>7</c:v>
+                </c:pt>
+                <c:pt idx="1">
+                  <c:v>14</c:v>
+                </c:pt>
+                <c:pt idx="2">
+                  <c:v>23</c:v>
+                </c:pt>
+                <c:pt idx="3">
+                  <c:v>3</c:v>
+                </c:pt>
+                <c:pt idx="4">
+                  <c:v>2</c:v>
+                </c:pt>
+              </c:numCache>
+            </c:numRef>
+          </c:val>
+        </c:ser>
+        <c:dLbls>
+          <c:dLblPos val="outEnd"/>
+          <c:showLegendKey val="0"/>
+          <c:showVal val="1"/>
+          <c:showCatName val="0"/>
+          <c:showSerName val="0"/>
+          <c:showPercent val="0"/>
+          <c:showBubbleSize val="0"/>
+        </c:dLbls>
+        <c:gapWidth val="219"/>
+        <c:overlap val="-27"/>
+        <c:axId val="-1334495280"/>
+        <c:axId val="-1334503984"/>
+      </c:barChart>
+      <c:catAx>
+        <c:axId val="-1334495280"/>
+        <c:scaling>
+          <c:orientation val="minMax"/>
+        </c:scaling>
+        <c:delete val="0"/>
+        <c:axPos val="b"/>
+        <c:title>
+          <c:tx>
+            <c:rich>
+              <a:bodyPr rot="0" spcFirstLastPara="1" vertOverflow="ellipsis" vert="horz" wrap="square" anchor="ctr" anchorCtr="1"/>
+              <a:lstStyle/>
+              <a:p>
+                <a:pPr>
+                  <a:defRPr sz="1000" b="0" i="0" u="none" strike="noStrike" kern="1200" baseline="0">
+                    <a:solidFill>
+                      <a:schemeClr val="tx1">
+                        <a:lumMod val="65000"/>
+                        <a:lumOff val="35000"/>
+                      </a:schemeClr>
+                    </a:solidFill>
+                    <a:latin typeface="+mn-lt"/>
+                    <a:ea typeface="+mn-ea"/>
+                    <a:cs typeface="+mn-cs"/>
+                  </a:defRPr>
+                </a:pPr>
+                <a:r>
+                  <a:rPr lang="en-US"/>
+                  <a:t>Response</a:t>
+                </a:r>
+              </a:p>
+            </c:rich>
+          </c:tx>
+          <c:overlay val="0"/>
+          <c:spPr>
+            <a:noFill/>
+            <a:ln>
+              <a:noFill/>
+            </a:ln>
+            <a:effectLst/>
+          </c:spPr>
+          <c:txPr>
+            <a:bodyPr rot="0" spcFirstLastPara="1" vertOverflow="ellipsis" vert="horz" wrap="square" anchor="ctr" anchorCtr="1"/>
+            <a:lstStyle/>
+            <a:p>
+              <a:pPr>
+                <a:defRPr sz="1000" b="0" i="0" u="none" strike="noStrike" kern="1200" baseline="0">
+                  <a:solidFill>
+                    <a:schemeClr val="tx1">
+                      <a:lumMod val="65000"/>
+                      <a:lumOff val="35000"/>
+                    </a:schemeClr>
+                  </a:solidFill>
+                  <a:latin typeface="+mn-lt"/>
+                  <a:ea typeface="+mn-ea"/>
+                  <a:cs typeface="+mn-cs"/>
+                </a:defRPr>
+              </a:pPr>
+              <a:endParaRPr lang="en-US"/>
+            </a:p>
+          </c:txPr>
+        </c:title>
+        <c:numFmt formatCode="General" sourceLinked="1"/>
+        <c:majorTickMark val="none"/>
+        <c:minorTickMark val="none"/>
+        <c:tickLblPos val="nextTo"/>
+        <c:spPr>
+          <a:noFill/>
+          <a:ln w="9525" cap="flat" cmpd="sng" algn="ctr">
+            <a:solidFill>
+              <a:schemeClr val="tx1">
+                <a:lumMod val="15000"/>
+                <a:lumOff val="85000"/>
+              </a:schemeClr>
+            </a:solidFill>
+            <a:round/>
+          </a:ln>
+          <a:effectLst/>
+        </c:spPr>
+        <c:txPr>
+          <a:bodyPr rot="-60000000" spcFirstLastPara="1" vertOverflow="ellipsis" vert="horz" wrap="square" anchor="ctr" anchorCtr="1"/>
+          <a:lstStyle/>
+          <a:p>
+            <a:pPr>
+              <a:defRPr sz="900" b="0" i="0" u="none" strike="noStrike" kern="1200" baseline="0">
+                <a:solidFill>
+                  <a:schemeClr val="tx1">
+                    <a:lumMod val="65000"/>
+                    <a:lumOff val="35000"/>
+                  </a:schemeClr>
+                </a:solidFill>
+                <a:latin typeface="+mn-lt"/>
+                <a:ea typeface="+mn-ea"/>
+                <a:cs typeface="+mn-cs"/>
+              </a:defRPr>
+            </a:pPr>
+            <a:endParaRPr lang="en-US"/>
+          </a:p>
+        </c:txPr>
+        <c:crossAx val="-1334503984"/>
+        <c:crosses val="autoZero"/>
+        <c:auto val="1"/>
+        <c:lblAlgn val="ctr"/>
+        <c:lblOffset val="100"/>
+        <c:noMultiLvlLbl val="0"/>
+      </c:catAx>
+      <c:valAx>
+        <c:axId val="-1334503984"/>
+        <c:scaling>
+          <c:orientation val="minMax"/>
+        </c:scaling>
+        <c:delete val="0"/>
+        <c:axPos val="l"/>
+        <c:majorGridlines>
+          <c:spPr>
+            <a:ln w="9525" cap="flat" cmpd="sng" algn="ctr">
+              <a:solidFill>
+                <a:schemeClr val="tx1">
+                  <a:lumMod val="15000"/>
+                  <a:lumOff val="85000"/>
+                </a:schemeClr>
+              </a:solidFill>
+              <a:round/>
+            </a:ln>
+            <a:effectLst/>
+          </c:spPr>
+        </c:majorGridlines>
+        <c:title>
+          <c:tx>
+            <c:rich>
+              <a:bodyPr rot="-5400000" spcFirstLastPara="1" vertOverflow="ellipsis" vert="horz" wrap="square" anchor="ctr" anchorCtr="1"/>
+              <a:lstStyle/>
+              <a:p>
+                <a:pPr>
+                  <a:defRPr sz="1000" b="0" i="0" u="none" strike="noStrike" kern="1200" baseline="0">
+                    <a:solidFill>
+                      <a:schemeClr val="tx1">
+                        <a:lumMod val="65000"/>
+                        <a:lumOff val="35000"/>
+                      </a:schemeClr>
+                    </a:solidFill>
+                    <a:latin typeface="+mn-lt"/>
+                    <a:ea typeface="+mn-ea"/>
+                    <a:cs typeface="+mn-cs"/>
+                  </a:defRPr>
+                </a:pPr>
+                <a:r>
+                  <a:rPr lang="en-US"/>
+                  <a:t>Count</a:t>
+                </a:r>
+              </a:p>
+            </c:rich>
+          </c:tx>
+          <c:overlay val="0"/>
+          <c:spPr>
+            <a:noFill/>
+            <a:ln>
+              <a:noFill/>
+            </a:ln>
+            <a:effectLst/>
+          </c:spPr>
+          <c:txPr>
+            <a:bodyPr rot="-5400000" spcFirstLastPara="1" vertOverflow="ellipsis" vert="horz" wrap="square" anchor="ctr" anchorCtr="1"/>
+            <a:lstStyle/>
+            <a:p>
+              <a:pPr>
+                <a:defRPr sz="1000" b="0" i="0" u="none" strike="noStrike" kern="1200" baseline="0">
+                  <a:solidFill>
+                    <a:schemeClr val="tx1">
+                      <a:lumMod val="65000"/>
+                      <a:lumOff val="35000"/>
+                    </a:schemeClr>
+                  </a:solidFill>
+                  <a:latin typeface="+mn-lt"/>
+                  <a:ea typeface="+mn-ea"/>
+                  <a:cs typeface="+mn-cs"/>
+                </a:defRPr>
+              </a:pPr>
+              <a:endParaRPr lang="en-US"/>
+            </a:p>
+          </c:txPr>
+        </c:title>
+        <c:numFmt formatCode="General" sourceLinked="1"/>
+        <c:majorTickMark val="none"/>
+        <c:minorTickMark val="none"/>
+        <c:tickLblPos val="nextTo"/>
+        <c:spPr>
+          <a:noFill/>
+          <a:ln>
+            <a:noFill/>
+          </a:ln>
+          <a:effectLst/>
+        </c:spPr>
+        <c:txPr>
+          <a:bodyPr rot="-60000000" spcFirstLastPara="1" vertOverflow="ellipsis" vert="horz" wrap="square" anchor="ctr" anchorCtr="1"/>
+          <a:lstStyle/>
+          <a:p>
+            <a:pPr>
+              <a:defRPr sz="900" b="0" i="0" u="none" strike="noStrike" kern="1200" baseline="0">
+                <a:solidFill>
+                  <a:schemeClr val="tx1">
+                    <a:lumMod val="65000"/>
+                    <a:lumOff val="35000"/>
+                  </a:schemeClr>
+                </a:solidFill>
+                <a:latin typeface="+mn-lt"/>
+                <a:ea typeface="+mn-ea"/>
+                <a:cs typeface="+mn-cs"/>
+              </a:defRPr>
+            </a:pPr>
+            <a:endParaRPr lang="en-US"/>
+          </a:p>
+        </c:txPr>
+        <c:crossAx val="-1334495280"/>
         <c:crosses val="autoZero"/>
         <c:crossBetween val="between"/>
       </c:valAx>
@@ -4258,6 +5318,86 @@
 </file>
 
 <file path=ppt/charts/colors6.xml><?xml version="1.0" encoding="utf-8"?>
+<cs:colorStyle xmlns:cs="http://schemas.microsoft.com/office/drawing/2012/chartStyle" xmlns:a="http://schemas.openxmlformats.org/drawingml/2006/main" meth="cycle" id="10">
+  <a:schemeClr val="accent1"/>
+  <a:schemeClr val="accent2"/>
+  <a:schemeClr val="accent3"/>
+  <a:schemeClr val="accent4"/>
+  <a:schemeClr val="accent5"/>
+  <a:schemeClr val="accent6"/>
+  <cs:variation/>
+  <cs:variation>
+    <a:lumMod val="60000"/>
+  </cs:variation>
+  <cs:variation>
+    <a:lumMod val="80000"/>
+    <a:lumOff val="20000"/>
+  </cs:variation>
+  <cs:variation>
+    <a:lumMod val="80000"/>
+  </cs:variation>
+  <cs:variation>
+    <a:lumMod val="60000"/>
+    <a:lumOff val="40000"/>
+  </cs:variation>
+  <cs:variation>
+    <a:lumMod val="50000"/>
+  </cs:variation>
+  <cs:variation>
+    <a:lumMod val="70000"/>
+    <a:lumOff val="30000"/>
+  </cs:variation>
+  <cs:variation>
+    <a:lumMod val="70000"/>
+  </cs:variation>
+  <cs:variation>
+    <a:lumMod val="50000"/>
+    <a:lumOff val="50000"/>
+  </cs:variation>
+</cs:colorStyle>
+</file>
+
+<file path=ppt/charts/colors7.xml><?xml version="1.0" encoding="utf-8"?>
+<cs:colorStyle xmlns:cs="http://schemas.microsoft.com/office/drawing/2012/chartStyle" xmlns:a="http://schemas.openxmlformats.org/drawingml/2006/main" meth="cycle" id="10">
+  <a:schemeClr val="accent1"/>
+  <a:schemeClr val="accent2"/>
+  <a:schemeClr val="accent3"/>
+  <a:schemeClr val="accent4"/>
+  <a:schemeClr val="accent5"/>
+  <a:schemeClr val="accent6"/>
+  <cs:variation/>
+  <cs:variation>
+    <a:lumMod val="60000"/>
+  </cs:variation>
+  <cs:variation>
+    <a:lumMod val="80000"/>
+    <a:lumOff val="20000"/>
+  </cs:variation>
+  <cs:variation>
+    <a:lumMod val="80000"/>
+  </cs:variation>
+  <cs:variation>
+    <a:lumMod val="60000"/>
+    <a:lumOff val="40000"/>
+  </cs:variation>
+  <cs:variation>
+    <a:lumMod val="50000"/>
+  </cs:variation>
+  <cs:variation>
+    <a:lumMod val="70000"/>
+    <a:lumOff val="30000"/>
+  </cs:variation>
+  <cs:variation>
+    <a:lumMod val="70000"/>
+  </cs:variation>
+  <cs:variation>
+    <a:lumMod val="50000"/>
+    <a:lumOff val="50000"/>
+  </cs:variation>
+</cs:colorStyle>
+</file>
+
+<file path=ppt/charts/colors8.xml><?xml version="1.0" encoding="utf-8"?>
 <cs:colorStyle xmlns:cs="http://schemas.microsoft.com/office/drawing/2012/chartStyle" xmlns:a="http://schemas.openxmlformats.org/drawingml/2006/main" meth="cycle" id="10">
   <a:schemeClr val="accent1"/>
   <a:schemeClr val="accent2"/>
@@ -7328,6 +8468,1012 @@
 </cs:chartStyle>
 </file>
 
+<file path=ppt/charts/style7.xml><?xml version="1.0" encoding="utf-8"?>
+<cs:chartStyle xmlns:cs="http://schemas.microsoft.com/office/drawing/2012/chartStyle" xmlns:a="http://schemas.openxmlformats.org/drawingml/2006/main" id="201">
+  <cs:axisTitle>
+    <cs:lnRef idx="0"/>
+    <cs:fillRef idx="0"/>
+    <cs:effectRef idx="0"/>
+    <cs:fontRef idx="minor">
+      <a:schemeClr val="tx1">
+        <a:lumMod val="65000"/>
+        <a:lumOff val="35000"/>
+      </a:schemeClr>
+    </cs:fontRef>
+    <cs:defRPr sz="1000" kern="1200"/>
+  </cs:axisTitle>
+  <cs:categoryAxis>
+    <cs:lnRef idx="0"/>
+    <cs:fillRef idx="0"/>
+    <cs:effectRef idx="0"/>
+    <cs:fontRef idx="minor">
+      <a:schemeClr val="tx1">
+        <a:lumMod val="65000"/>
+        <a:lumOff val="35000"/>
+      </a:schemeClr>
+    </cs:fontRef>
+    <cs:spPr>
+      <a:ln w="9525" cap="flat" cmpd="sng" algn="ctr">
+        <a:solidFill>
+          <a:schemeClr val="tx1">
+            <a:lumMod val="15000"/>
+            <a:lumOff val="85000"/>
+          </a:schemeClr>
+        </a:solidFill>
+        <a:round/>
+      </a:ln>
+    </cs:spPr>
+    <cs:defRPr sz="900" kern="1200"/>
+  </cs:categoryAxis>
+  <cs:chartArea mods="allowNoFillOverride allowNoLineOverride">
+    <cs:lnRef idx="0"/>
+    <cs:fillRef idx="0"/>
+    <cs:effectRef idx="0"/>
+    <cs:fontRef idx="minor">
+      <a:schemeClr val="tx1"/>
+    </cs:fontRef>
+    <cs:spPr>
+      <a:solidFill>
+        <a:schemeClr val="bg1"/>
+      </a:solidFill>
+      <a:ln w="9525" cap="flat" cmpd="sng" algn="ctr">
+        <a:solidFill>
+          <a:schemeClr val="tx1">
+            <a:lumMod val="15000"/>
+            <a:lumOff val="85000"/>
+          </a:schemeClr>
+        </a:solidFill>
+        <a:round/>
+      </a:ln>
+    </cs:spPr>
+    <cs:defRPr sz="1000" kern="1200"/>
+  </cs:chartArea>
+  <cs:dataLabel>
+    <cs:lnRef idx="0"/>
+    <cs:fillRef idx="0"/>
+    <cs:effectRef idx="0"/>
+    <cs:fontRef idx="minor">
+      <a:schemeClr val="tx1">
+        <a:lumMod val="75000"/>
+        <a:lumOff val="25000"/>
+      </a:schemeClr>
+    </cs:fontRef>
+    <cs:defRPr sz="900" kern="1200"/>
+  </cs:dataLabel>
+  <cs:dataLabelCallout>
+    <cs:lnRef idx="0"/>
+    <cs:fillRef idx="0"/>
+    <cs:effectRef idx="0"/>
+    <cs:fontRef idx="minor">
+      <a:schemeClr val="dk1">
+        <a:lumMod val="65000"/>
+        <a:lumOff val="35000"/>
+      </a:schemeClr>
+    </cs:fontRef>
+    <cs:spPr>
+      <a:solidFill>
+        <a:schemeClr val="lt1"/>
+      </a:solidFill>
+      <a:ln>
+        <a:solidFill>
+          <a:schemeClr val="dk1">
+            <a:lumMod val="25000"/>
+            <a:lumOff val="75000"/>
+          </a:schemeClr>
+        </a:solidFill>
+      </a:ln>
+    </cs:spPr>
+    <cs:defRPr sz="900" kern="1200"/>
+    <cs:bodyPr rot="0" spcFirstLastPara="1" vertOverflow="clip" horzOverflow="clip" vert="horz" wrap="square" lIns="36576" tIns="18288" rIns="36576" bIns="18288" anchor="ctr" anchorCtr="1">
+      <a:spAutoFit/>
+    </cs:bodyPr>
+  </cs:dataLabelCallout>
+  <cs:dataPoint>
+    <cs:lnRef idx="0"/>
+    <cs:fillRef idx="1">
+      <cs:styleClr val="auto"/>
+    </cs:fillRef>
+    <cs:effectRef idx="0"/>
+    <cs:fontRef idx="minor">
+      <a:schemeClr val="tx1"/>
+    </cs:fontRef>
+  </cs:dataPoint>
+  <cs:dataPoint3D>
+    <cs:lnRef idx="0"/>
+    <cs:fillRef idx="1">
+      <cs:styleClr val="auto"/>
+    </cs:fillRef>
+    <cs:effectRef idx="0"/>
+    <cs:fontRef idx="minor">
+      <a:schemeClr val="tx1"/>
+    </cs:fontRef>
+  </cs:dataPoint3D>
+  <cs:dataPointLine>
+    <cs:lnRef idx="0">
+      <cs:styleClr val="auto"/>
+    </cs:lnRef>
+    <cs:fillRef idx="1"/>
+    <cs:effectRef idx="0"/>
+    <cs:fontRef idx="minor">
+      <a:schemeClr val="tx1"/>
+    </cs:fontRef>
+    <cs:spPr>
+      <a:ln w="28575" cap="rnd">
+        <a:solidFill>
+          <a:schemeClr val="phClr"/>
+        </a:solidFill>
+        <a:round/>
+      </a:ln>
+    </cs:spPr>
+  </cs:dataPointLine>
+  <cs:dataPointMarker>
+    <cs:lnRef idx="0">
+      <cs:styleClr val="auto"/>
+    </cs:lnRef>
+    <cs:fillRef idx="1">
+      <cs:styleClr val="auto"/>
+    </cs:fillRef>
+    <cs:effectRef idx="0"/>
+    <cs:fontRef idx="minor">
+      <a:schemeClr val="tx1"/>
+    </cs:fontRef>
+    <cs:spPr>
+      <a:ln w="9525">
+        <a:solidFill>
+          <a:schemeClr val="phClr"/>
+        </a:solidFill>
+      </a:ln>
+    </cs:spPr>
+  </cs:dataPointMarker>
+  <cs:dataPointMarkerLayout symbol="circle" size="5"/>
+  <cs:dataPointWireframe>
+    <cs:lnRef idx="0">
+      <cs:styleClr val="auto"/>
+    </cs:lnRef>
+    <cs:fillRef idx="1"/>
+    <cs:effectRef idx="0"/>
+    <cs:fontRef idx="minor">
+      <a:schemeClr val="tx1"/>
+    </cs:fontRef>
+    <cs:spPr>
+      <a:ln w="9525" cap="rnd">
+        <a:solidFill>
+          <a:schemeClr val="phClr"/>
+        </a:solidFill>
+        <a:round/>
+      </a:ln>
+    </cs:spPr>
+  </cs:dataPointWireframe>
+  <cs:dataTable>
+    <cs:lnRef idx="0"/>
+    <cs:fillRef idx="0"/>
+    <cs:effectRef idx="0"/>
+    <cs:fontRef idx="minor">
+      <a:schemeClr val="tx1">
+        <a:lumMod val="65000"/>
+        <a:lumOff val="35000"/>
+      </a:schemeClr>
+    </cs:fontRef>
+    <cs:spPr>
+      <a:noFill/>
+      <a:ln w="9525" cap="flat" cmpd="sng" algn="ctr">
+        <a:solidFill>
+          <a:schemeClr val="tx1">
+            <a:lumMod val="15000"/>
+            <a:lumOff val="85000"/>
+          </a:schemeClr>
+        </a:solidFill>
+        <a:round/>
+      </a:ln>
+    </cs:spPr>
+    <cs:defRPr sz="900" kern="1200"/>
+  </cs:dataTable>
+  <cs:downBar>
+    <cs:lnRef idx="0"/>
+    <cs:fillRef idx="0"/>
+    <cs:effectRef idx="0"/>
+    <cs:fontRef idx="minor">
+      <a:schemeClr val="dk1"/>
+    </cs:fontRef>
+    <cs:spPr>
+      <a:solidFill>
+        <a:schemeClr val="dk1">
+          <a:lumMod val="65000"/>
+          <a:lumOff val="35000"/>
+        </a:schemeClr>
+      </a:solidFill>
+      <a:ln w="9525">
+        <a:solidFill>
+          <a:schemeClr val="tx1">
+            <a:lumMod val="65000"/>
+            <a:lumOff val="35000"/>
+          </a:schemeClr>
+        </a:solidFill>
+      </a:ln>
+    </cs:spPr>
+  </cs:downBar>
+  <cs:dropLine>
+    <cs:lnRef idx="0"/>
+    <cs:fillRef idx="0"/>
+    <cs:effectRef idx="0"/>
+    <cs:fontRef idx="minor">
+      <a:schemeClr val="tx1"/>
+    </cs:fontRef>
+    <cs:spPr>
+      <a:ln w="9525" cap="flat" cmpd="sng" algn="ctr">
+        <a:solidFill>
+          <a:schemeClr val="tx1">
+            <a:lumMod val="35000"/>
+            <a:lumOff val="65000"/>
+          </a:schemeClr>
+        </a:solidFill>
+        <a:round/>
+      </a:ln>
+    </cs:spPr>
+  </cs:dropLine>
+  <cs:errorBar>
+    <cs:lnRef idx="0"/>
+    <cs:fillRef idx="0"/>
+    <cs:effectRef idx="0"/>
+    <cs:fontRef idx="minor">
+      <a:schemeClr val="tx1"/>
+    </cs:fontRef>
+    <cs:spPr>
+      <a:ln w="9525" cap="flat" cmpd="sng" algn="ctr">
+        <a:solidFill>
+          <a:schemeClr val="tx1">
+            <a:lumMod val="65000"/>
+            <a:lumOff val="35000"/>
+          </a:schemeClr>
+        </a:solidFill>
+        <a:round/>
+      </a:ln>
+    </cs:spPr>
+  </cs:errorBar>
+  <cs:floor>
+    <cs:lnRef idx="0"/>
+    <cs:fillRef idx="0"/>
+    <cs:effectRef idx="0"/>
+    <cs:fontRef idx="minor">
+      <a:schemeClr val="tx1"/>
+    </cs:fontRef>
+    <cs:spPr>
+      <a:noFill/>
+      <a:ln>
+        <a:noFill/>
+      </a:ln>
+    </cs:spPr>
+  </cs:floor>
+  <cs:gridlineMajor>
+    <cs:lnRef idx="0"/>
+    <cs:fillRef idx="0"/>
+    <cs:effectRef idx="0"/>
+    <cs:fontRef idx="minor">
+      <a:schemeClr val="tx1"/>
+    </cs:fontRef>
+    <cs:spPr>
+      <a:ln w="9525" cap="flat" cmpd="sng" algn="ctr">
+        <a:solidFill>
+          <a:schemeClr val="tx1">
+            <a:lumMod val="15000"/>
+            <a:lumOff val="85000"/>
+          </a:schemeClr>
+        </a:solidFill>
+        <a:round/>
+      </a:ln>
+    </cs:spPr>
+  </cs:gridlineMajor>
+  <cs:gridlineMinor>
+    <cs:lnRef idx="0"/>
+    <cs:fillRef idx="0"/>
+    <cs:effectRef idx="0"/>
+    <cs:fontRef idx="minor">
+      <a:schemeClr val="tx1"/>
+    </cs:fontRef>
+    <cs:spPr>
+      <a:ln w="9525" cap="flat" cmpd="sng" algn="ctr">
+        <a:solidFill>
+          <a:schemeClr val="tx1">
+            <a:lumMod val="5000"/>
+            <a:lumOff val="95000"/>
+          </a:schemeClr>
+        </a:solidFill>
+        <a:round/>
+      </a:ln>
+    </cs:spPr>
+  </cs:gridlineMinor>
+  <cs:hiLoLine>
+    <cs:lnRef idx="0"/>
+    <cs:fillRef idx="0"/>
+    <cs:effectRef idx="0"/>
+    <cs:fontRef idx="minor">
+      <a:schemeClr val="tx1"/>
+    </cs:fontRef>
+    <cs:spPr>
+      <a:ln w="9525" cap="flat" cmpd="sng" algn="ctr">
+        <a:solidFill>
+          <a:schemeClr val="tx1">
+            <a:lumMod val="75000"/>
+            <a:lumOff val="25000"/>
+          </a:schemeClr>
+        </a:solidFill>
+        <a:round/>
+      </a:ln>
+    </cs:spPr>
+  </cs:hiLoLine>
+  <cs:leaderLine>
+    <cs:lnRef idx="0"/>
+    <cs:fillRef idx="0"/>
+    <cs:effectRef idx="0"/>
+    <cs:fontRef idx="minor">
+      <a:schemeClr val="tx1"/>
+    </cs:fontRef>
+    <cs:spPr>
+      <a:ln w="9525" cap="flat" cmpd="sng" algn="ctr">
+        <a:solidFill>
+          <a:schemeClr val="tx1">
+            <a:lumMod val="35000"/>
+            <a:lumOff val="65000"/>
+          </a:schemeClr>
+        </a:solidFill>
+        <a:round/>
+      </a:ln>
+    </cs:spPr>
+  </cs:leaderLine>
+  <cs:legend>
+    <cs:lnRef idx="0"/>
+    <cs:fillRef idx="0"/>
+    <cs:effectRef idx="0"/>
+    <cs:fontRef idx="minor">
+      <a:schemeClr val="tx1">
+        <a:lumMod val="65000"/>
+        <a:lumOff val="35000"/>
+      </a:schemeClr>
+    </cs:fontRef>
+    <cs:defRPr sz="900" kern="1200"/>
+  </cs:legend>
+  <cs:plotArea mods="allowNoFillOverride allowNoLineOverride">
+    <cs:lnRef idx="0"/>
+    <cs:fillRef idx="0"/>
+    <cs:effectRef idx="0"/>
+    <cs:fontRef idx="minor">
+      <a:schemeClr val="tx1"/>
+    </cs:fontRef>
+  </cs:plotArea>
+  <cs:plotArea3D mods="allowNoFillOverride allowNoLineOverride">
+    <cs:lnRef idx="0"/>
+    <cs:fillRef idx="0"/>
+    <cs:effectRef idx="0"/>
+    <cs:fontRef idx="minor">
+      <a:schemeClr val="tx1"/>
+    </cs:fontRef>
+  </cs:plotArea3D>
+  <cs:seriesAxis>
+    <cs:lnRef idx="0"/>
+    <cs:fillRef idx="0"/>
+    <cs:effectRef idx="0"/>
+    <cs:fontRef idx="minor">
+      <a:schemeClr val="tx1">
+        <a:lumMod val="65000"/>
+        <a:lumOff val="35000"/>
+      </a:schemeClr>
+    </cs:fontRef>
+    <cs:defRPr sz="900" kern="1200"/>
+  </cs:seriesAxis>
+  <cs:seriesLine>
+    <cs:lnRef idx="0"/>
+    <cs:fillRef idx="0"/>
+    <cs:effectRef idx="0"/>
+    <cs:fontRef idx="minor">
+      <a:schemeClr val="tx1"/>
+    </cs:fontRef>
+    <cs:spPr>
+      <a:ln w="9525" cap="flat" cmpd="sng" algn="ctr">
+        <a:solidFill>
+          <a:schemeClr val="tx1">
+            <a:lumMod val="35000"/>
+            <a:lumOff val="65000"/>
+          </a:schemeClr>
+        </a:solidFill>
+        <a:round/>
+      </a:ln>
+    </cs:spPr>
+  </cs:seriesLine>
+  <cs:title>
+    <cs:lnRef idx="0"/>
+    <cs:fillRef idx="0"/>
+    <cs:effectRef idx="0"/>
+    <cs:fontRef idx="minor">
+      <a:schemeClr val="tx1">
+        <a:lumMod val="65000"/>
+        <a:lumOff val="35000"/>
+      </a:schemeClr>
+    </cs:fontRef>
+    <cs:defRPr sz="1400" b="0" kern="1200" spc="0" baseline="0"/>
+  </cs:title>
+  <cs:trendline>
+    <cs:lnRef idx="0">
+      <cs:styleClr val="auto"/>
+    </cs:lnRef>
+    <cs:fillRef idx="0"/>
+    <cs:effectRef idx="0"/>
+    <cs:fontRef idx="minor">
+      <a:schemeClr val="tx1"/>
+    </cs:fontRef>
+    <cs:spPr>
+      <a:ln w="19050" cap="rnd">
+        <a:solidFill>
+          <a:schemeClr val="phClr"/>
+        </a:solidFill>
+        <a:prstDash val="sysDot"/>
+      </a:ln>
+    </cs:spPr>
+  </cs:trendline>
+  <cs:trendlineLabel>
+    <cs:lnRef idx="0"/>
+    <cs:fillRef idx="0"/>
+    <cs:effectRef idx="0"/>
+    <cs:fontRef idx="minor">
+      <a:schemeClr val="tx1">
+        <a:lumMod val="65000"/>
+        <a:lumOff val="35000"/>
+      </a:schemeClr>
+    </cs:fontRef>
+    <cs:defRPr sz="900" kern="1200"/>
+  </cs:trendlineLabel>
+  <cs:upBar>
+    <cs:lnRef idx="0"/>
+    <cs:fillRef idx="0"/>
+    <cs:effectRef idx="0"/>
+    <cs:fontRef idx="minor">
+      <a:schemeClr val="dk1"/>
+    </cs:fontRef>
+    <cs:spPr>
+      <a:solidFill>
+        <a:schemeClr val="lt1"/>
+      </a:solidFill>
+      <a:ln w="9525">
+        <a:solidFill>
+          <a:schemeClr val="tx1">
+            <a:lumMod val="15000"/>
+            <a:lumOff val="85000"/>
+          </a:schemeClr>
+        </a:solidFill>
+      </a:ln>
+    </cs:spPr>
+  </cs:upBar>
+  <cs:valueAxis>
+    <cs:lnRef idx="0"/>
+    <cs:fillRef idx="0"/>
+    <cs:effectRef idx="0"/>
+    <cs:fontRef idx="minor">
+      <a:schemeClr val="tx1">
+        <a:lumMod val="65000"/>
+        <a:lumOff val="35000"/>
+      </a:schemeClr>
+    </cs:fontRef>
+    <cs:defRPr sz="900" kern="1200"/>
+  </cs:valueAxis>
+  <cs:wall>
+    <cs:lnRef idx="0"/>
+    <cs:fillRef idx="0"/>
+    <cs:effectRef idx="0"/>
+    <cs:fontRef idx="minor">
+      <a:schemeClr val="tx1"/>
+    </cs:fontRef>
+    <cs:spPr>
+      <a:noFill/>
+      <a:ln>
+        <a:noFill/>
+      </a:ln>
+    </cs:spPr>
+  </cs:wall>
+</cs:chartStyle>
+</file>
+
+<file path=ppt/charts/style8.xml><?xml version="1.0" encoding="utf-8"?>
+<cs:chartStyle xmlns:cs="http://schemas.microsoft.com/office/drawing/2012/chartStyle" xmlns:a="http://schemas.openxmlformats.org/drawingml/2006/main" id="201">
+  <cs:axisTitle>
+    <cs:lnRef idx="0"/>
+    <cs:fillRef idx="0"/>
+    <cs:effectRef idx="0"/>
+    <cs:fontRef idx="minor">
+      <a:schemeClr val="tx1">
+        <a:lumMod val="65000"/>
+        <a:lumOff val="35000"/>
+      </a:schemeClr>
+    </cs:fontRef>
+    <cs:defRPr sz="1000" kern="1200"/>
+  </cs:axisTitle>
+  <cs:categoryAxis>
+    <cs:lnRef idx="0"/>
+    <cs:fillRef idx="0"/>
+    <cs:effectRef idx="0"/>
+    <cs:fontRef idx="minor">
+      <a:schemeClr val="tx1">
+        <a:lumMod val="65000"/>
+        <a:lumOff val="35000"/>
+      </a:schemeClr>
+    </cs:fontRef>
+    <cs:spPr>
+      <a:ln w="9525" cap="flat" cmpd="sng" algn="ctr">
+        <a:solidFill>
+          <a:schemeClr val="tx1">
+            <a:lumMod val="15000"/>
+            <a:lumOff val="85000"/>
+          </a:schemeClr>
+        </a:solidFill>
+        <a:round/>
+      </a:ln>
+    </cs:spPr>
+    <cs:defRPr sz="900" kern="1200"/>
+  </cs:categoryAxis>
+  <cs:chartArea mods="allowNoFillOverride allowNoLineOverride">
+    <cs:lnRef idx="0"/>
+    <cs:fillRef idx="0"/>
+    <cs:effectRef idx="0"/>
+    <cs:fontRef idx="minor">
+      <a:schemeClr val="tx1"/>
+    </cs:fontRef>
+    <cs:spPr>
+      <a:solidFill>
+        <a:schemeClr val="bg1"/>
+      </a:solidFill>
+      <a:ln w="9525" cap="flat" cmpd="sng" algn="ctr">
+        <a:solidFill>
+          <a:schemeClr val="tx1">
+            <a:lumMod val="15000"/>
+            <a:lumOff val="85000"/>
+          </a:schemeClr>
+        </a:solidFill>
+        <a:round/>
+      </a:ln>
+    </cs:spPr>
+    <cs:defRPr sz="1000" kern="1200"/>
+  </cs:chartArea>
+  <cs:dataLabel>
+    <cs:lnRef idx="0"/>
+    <cs:fillRef idx="0"/>
+    <cs:effectRef idx="0"/>
+    <cs:fontRef idx="minor">
+      <a:schemeClr val="tx1">
+        <a:lumMod val="75000"/>
+        <a:lumOff val="25000"/>
+      </a:schemeClr>
+    </cs:fontRef>
+    <cs:defRPr sz="900" kern="1200"/>
+  </cs:dataLabel>
+  <cs:dataLabelCallout>
+    <cs:lnRef idx="0"/>
+    <cs:fillRef idx="0"/>
+    <cs:effectRef idx="0"/>
+    <cs:fontRef idx="minor">
+      <a:schemeClr val="dk1">
+        <a:lumMod val="65000"/>
+        <a:lumOff val="35000"/>
+      </a:schemeClr>
+    </cs:fontRef>
+    <cs:spPr>
+      <a:solidFill>
+        <a:schemeClr val="lt1"/>
+      </a:solidFill>
+      <a:ln>
+        <a:solidFill>
+          <a:schemeClr val="dk1">
+            <a:lumMod val="25000"/>
+            <a:lumOff val="75000"/>
+          </a:schemeClr>
+        </a:solidFill>
+      </a:ln>
+    </cs:spPr>
+    <cs:defRPr sz="900" kern="1200"/>
+    <cs:bodyPr rot="0" spcFirstLastPara="1" vertOverflow="clip" horzOverflow="clip" vert="horz" wrap="square" lIns="36576" tIns="18288" rIns="36576" bIns="18288" anchor="ctr" anchorCtr="1">
+      <a:spAutoFit/>
+    </cs:bodyPr>
+  </cs:dataLabelCallout>
+  <cs:dataPoint>
+    <cs:lnRef idx="0"/>
+    <cs:fillRef idx="1">
+      <cs:styleClr val="auto"/>
+    </cs:fillRef>
+    <cs:effectRef idx="0"/>
+    <cs:fontRef idx="minor">
+      <a:schemeClr val="tx1"/>
+    </cs:fontRef>
+  </cs:dataPoint>
+  <cs:dataPoint3D>
+    <cs:lnRef idx="0"/>
+    <cs:fillRef idx="1">
+      <cs:styleClr val="auto"/>
+    </cs:fillRef>
+    <cs:effectRef idx="0"/>
+    <cs:fontRef idx="minor">
+      <a:schemeClr val="tx1"/>
+    </cs:fontRef>
+  </cs:dataPoint3D>
+  <cs:dataPointLine>
+    <cs:lnRef idx="0">
+      <cs:styleClr val="auto"/>
+    </cs:lnRef>
+    <cs:fillRef idx="1"/>
+    <cs:effectRef idx="0"/>
+    <cs:fontRef idx="minor">
+      <a:schemeClr val="tx1"/>
+    </cs:fontRef>
+    <cs:spPr>
+      <a:ln w="28575" cap="rnd">
+        <a:solidFill>
+          <a:schemeClr val="phClr"/>
+        </a:solidFill>
+        <a:round/>
+      </a:ln>
+    </cs:spPr>
+  </cs:dataPointLine>
+  <cs:dataPointMarker>
+    <cs:lnRef idx="0">
+      <cs:styleClr val="auto"/>
+    </cs:lnRef>
+    <cs:fillRef idx="1">
+      <cs:styleClr val="auto"/>
+    </cs:fillRef>
+    <cs:effectRef idx="0"/>
+    <cs:fontRef idx="minor">
+      <a:schemeClr val="tx1"/>
+    </cs:fontRef>
+    <cs:spPr>
+      <a:ln w="9525">
+        <a:solidFill>
+          <a:schemeClr val="phClr"/>
+        </a:solidFill>
+      </a:ln>
+    </cs:spPr>
+  </cs:dataPointMarker>
+  <cs:dataPointMarkerLayout symbol="circle" size="5"/>
+  <cs:dataPointWireframe>
+    <cs:lnRef idx="0">
+      <cs:styleClr val="auto"/>
+    </cs:lnRef>
+    <cs:fillRef idx="1"/>
+    <cs:effectRef idx="0"/>
+    <cs:fontRef idx="minor">
+      <a:schemeClr val="tx1"/>
+    </cs:fontRef>
+    <cs:spPr>
+      <a:ln w="9525" cap="rnd">
+        <a:solidFill>
+          <a:schemeClr val="phClr"/>
+        </a:solidFill>
+        <a:round/>
+      </a:ln>
+    </cs:spPr>
+  </cs:dataPointWireframe>
+  <cs:dataTable>
+    <cs:lnRef idx="0"/>
+    <cs:fillRef idx="0"/>
+    <cs:effectRef idx="0"/>
+    <cs:fontRef idx="minor">
+      <a:schemeClr val="tx1">
+        <a:lumMod val="65000"/>
+        <a:lumOff val="35000"/>
+      </a:schemeClr>
+    </cs:fontRef>
+    <cs:spPr>
+      <a:noFill/>
+      <a:ln w="9525" cap="flat" cmpd="sng" algn="ctr">
+        <a:solidFill>
+          <a:schemeClr val="tx1">
+            <a:lumMod val="15000"/>
+            <a:lumOff val="85000"/>
+          </a:schemeClr>
+        </a:solidFill>
+        <a:round/>
+      </a:ln>
+    </cs:spPr>
+    <cs:defRPr sz="900" kern="1200"/>
+  </cs:dataTable>
+  <cs:downBar>
+    <cs:lnRef idx="0"/>
+    <cs:fillRef idx="0"/>
+    <cs:effectRef idx="0"/>
+    <cs:fontRef idx="minor">
+      <a:schemeClr val="dk1"/>
+    </cs:fontRef>
+    <cs:spPr>
+      <a:solidFill>
+        <a:schemeClr val="dk1">
+          <a:lumMod val="65000"/>
+          <a:lumOff val="35000"/>
+        </a:schemeClr>
+      </a:solidFill>
+      <a:ln w="9525">
+        <a:solidFill>
+          <a:schemeClr val="tx1">
+            <a:lumMod val="65000"/>
+            <a:lumOff val="35000"/>
+          </a:schemeClr>
+        </a:solidFill>
+      </a:ln>
+    </cs:spPr>
+  </cs:downBar>
+  <cs:dropLine>
+    <cs:lnRef idx="0"/>
+    <cs:fillRef idx="0"/>
+    <cs:effectRef idx="0"/>
+    <cs:fontRef idx="minor">
+      <a:schemeClr val="tx1"/>
+    </cs:fontRef>
+    <cs:spPr>
+      <a:ln w="9525" cap="flat" cmpd="sng" algn="ctr">
+        <a:solidFill>
+          <a:schemeClr val="tx1">
+            <a:lumMod val="35000"/>
+            <a:lumOff val="65000"/>
+          </a:schemeClr>
+        </a:solidFill>
+        <a:round/>
+      </a:ln>
+    </cs:spPr>
+  </cs:dropLine>
+  <cs:errorBar>
+    <cs:lnRef idx="0"/>
+    <cs:fillRef idx="0"/>
+    <cs:effectRef idx="0"/>
+    <cs:fontRef idx="minor">
+      <a:schemeClr val="tx1"/>
+    </cs:fontRef>
+    <cs:spPr>
+      <a:ln w="9525" cap="flat" cmpd="sng" algn="ctr">
+        <a:solidFill>
+          <a:schemeClr val="tx1">
+            <a:lumMod val="65000"/>
+            <a:lumOff val="35000"/>
+          </a:schemeClr>
+        </a:solidFill>
+        <a:round/>
+      </a:ln>
+    </cs:spPr>
+  </cs:errorBar>
+  <cs:floor>
+    <cs:lnRef idx="0"/>
+    <cs:fillRef idx="0"/>
+    <cs:effectRef idx="0"/>
+    <cs:fontRef idx="minor">
+      <a:schemeClr val="tx1"/>
+    </cs:fontRef>
+    <cs:spPr>
+      <a:noFill/>
+      <a:ln>
+        <a:noFill/>
+      </a:ln>
+    </cs:spPr>
+  </cs:floor>
+  <cs:gridlineMajor>
+    <cs:lnRef idx="0"/>
+    <cs:fillRef idx="0"/>
+    <cs:effectRef idx="0"/>
+    <cs:fontRef idx="minor">
+      <a:schemeClr val="tx1"/>
+    </cs:fontRef>
+    <cs:spPr>
+      <a:ln w="9525" cap="flat" cmpd="sng" algn="ctr">
+        <a:solidFill>
+          <a:schemeClr val="tx1">
+            <a:lumMod val="15000"/>
+            <a:lumOff val="85000"/>
+          </a:schemeClr>
+        </a:solidFill>
+        <a:round/>
+      </a:ln>
+    </cs:spPr>
+  </cs:gridlineMajor>
+  <cs:gridlineMinor>
+    <cs:lnRef idx="0"/>
+    <cs:fillRef idx="0"/>
+    <cs:effectRef idx="0"/>
+    <cs:fontRef idx="minor">
+      <a:schemeClr val="tx1"/>
+    </cs:fontRef>
+    <cs:spPr>
+      <a:ln w="9525" cap="flat" cmpd="sng" algn="ctr">
+        <a:solidFill>
+          <a:schemeClr val="tx1">
+            <a:lumMod val="5000"/>
+            <a:lumOff val="95000"/>
+          </a:schemeClr>
+        </a:solidFill>
+        <a:round/>
+      </a:ln>
+    </cs:spPr>
+  </cs:gridlineMinor>
+  <cs:hiLoLine>
+    <cs:lnRef idx="0"/>
+    <cs:fillRef idx="0"/>
+    <cs:effectRef idx="0"/>
+    <cs:fontRef idx="minor">
+      <a:schemeClr val="tx1"/>
+    </cs:fontRef>
+    <cs:spPr>
+      <a:ln w="9525" cap="flat" cmpd="sng" algn="ctr">
+        <a:solidFill>
+          <a:schemeClr val="tx1">
+            <a:lumMod val="75000"/>
+            <a:lumOff val="25000"/>
+          </a:schemeClr>
+        </a:solidFill>
+        <a:round/>
+      </a:ln>
+    </cs:spPr>
+  </cs:hiLoLine>
+  <cs:leaderLine>
+    <cs:lnRef idx="0"/>
+    <cs:fillRef idx="0"/>
+    <cs:effectRef idx="0"/>
+    <cs:fontRef idx="minor">
+      <a:schemeClr val="tx1"/>
+    </cs:fontRef>
+    <cs:spPr>
+      <a:ln w="9525" cap="flat" cmpd="sng" algn="ctr">
+        <a:solidFill>
+          <a:schemeClr val="tx1">
+            <a:lumMod val="35000"/>
+            <a:lumOff val="65000"/>
+          </a:schemeClr>
+        </a:solidFill>
+        <a:round/>
+      </a:ln>
+    </cs:spPr>
+  </cs:leaderLine>
+  <cs:legend>
+    <cs:lnRef idx="0"/>
+    <cs:fillRef idx="0"/>
+    <cs:effectRef idx="0"/>
+    <cs:fontRef idx="minor">
+      <a:schemeClr val="tx1">
+        <a:lumMod val="65000"/>
+        <a:lumOff val="35000"/>
+      </a:schemeClr>
+    </cs:fontRef>
+    <cs:defRPr sz="900" kern="1200"/>
+  </cs:legend>
+  <cs:plotArea mods="allowNoFillOverride allowNoLineOverride">
+    <cs:lnRef idx="0"/>
+    <cs:fillRef idx="0"/>
+    <cs:effectRef idx="0"/>
+    <cs:fontRef idx="minor">
+      <a:schemeClr val="tx1"/>
+    </cs:fontRef>
+  </cs:plotArea>
+  <cs:plotArea3D mods="allowNoFillOverride allowNoLineOverride">
+    <cs:lnRef idx="0"/>
+    <cs:fillRef idx="0"/>
+    <cs:effectRef idx="0"/>
+    <cs:fontRef idx="minor">
+      <a:schemeClr val="tx1"/>
+    </cs:fontRef>
+  </cs:plotArea3D>
+  <cs:seriesAxis>
+    <cs:lnRef idx="0"/>
+    <cs:fillRef idx="0"/>
+    <cs:effectRef idx="0"/>
+    <cs:fontRef idx="minor">
+      <a:schemeClr val="tx1">
+        <a:lumMod val="65000"/>
+        <a:lumOff val="35000"/>
+      </a:schemeClr>
+    </cs:fontRef>
+    <cs:defRPr sz="900" kern="1200"/>
+  </cs:seriesAxis>
+  <cs:seriesLine>
+    <cs:lnRef idx="0"/>
+    <cs:fillRef idx="0"/>
+    <cs:effectRef idx="0"/>
+    <cs:fontRef idx="minor">
+      <a:schemeClr val="tx1"/>
+    </cs:fontRef>
+    <cs:spPr>
+      <a:ln w="9525" cap="flat" cmpd="sng" algn="ctr">
+        <a:solidFill>
+          <a:schemeClr val="tx1">
+            <a:lumMod val="35000"/>
+            <a:lumOff val="65000"/>
+          </a:schemeClr>
+        </a:solidFill>
+        <a:round/>
+      </a:ln>
+    </cs:spPr>
+  </cs:seriesLine>
+  <cs:title>
+    <cs:lnRef idx="0"/>
+    <cs:fillRef idx="0"/>
+    <cs:effectRef idx="0"/>
+    <cs:fontRef idx="minor">
+      <a:schemeClr val="tx1">
+        <a:lumMod val="65000"/>
+        <a:lumOff val="35000"/>
+      </a:schemeClr>
+    </cs:fontRef>
+    <cs:defRPr sz="1400" b="0" kern="1200" spc="0" baseline="0"/>
+  </cs:title>
+  <cs:trendline>
+    <cs:lnRef idx="0">
+      <cs:styleClr val="auto"/>
+    </cs:lnRef>
+    <cs:fillRef idx="0"/>
+    <cs:effectRef idx="0"/>
+    <cs:fontRef idx="minor">
+      <a:schemeClr val="tx1"/>
+    </cs:fontRef>
+    <cs:spPr>
+      <a:ln w="19050" cap="rnd">
+        <a:solidFill>
+          <a:schemeClr val="phClr"/>
+        </a:solidFill>
+        <a:prstDash val="sysDot"/>
+      </a:ln>
+    </cs:spPr>
+  </cs:trendline>
+  <cs:trendlineLabel>
+    <cs:lnRef idx="0"/>
+    <cs:fillRef idx="0"/>
+    <cs:effectRef idx="0"/>
+    <cs:fontRef idx="minor">
+      <a:schemeClr val="tx1">
+        <a:lumMod val="65000"/>
+        <a:lumOff val="35000"/>
+      </a:schemeClr>
+    </cs:fontRef>
+    <cs:defRPr sz="900" kern="1200"/>
+  </cs:trendlineLabel>
+  <cs:upBar>
+    <cs:lnRef idx="0"/>
+    <cs:fillRef idx="0"/>
+    <cs:effectRef idx="0"/>
+    <cs:fontRef idx="minor">
+      <a:schemeClr val="dk1"/>
+    </cs:fontRef>
+    <cs:spPr>
+      <a:solidFill>
+        <a:schemeClr val="lt1"/>
+      </a:solidFill>
+      <a:ln w="9525">
+        <a:solidFill>
+          <a:schemeClr val="tx1">
+            <a:lumMod val="15000"/>
+            <a:lumOff val="85000"/>
+          </a:schemeClr>
+        </a:solidFill>
+      </a:ln>
+    </cs:spPr>
+  </cs:upBar>
+  <cs:valueAxis>
+    <cs:lnRef idx="0"/>
+    <cs:fillRef idx="0"/>
+    <cs:effectRef idx="0"/>
+    <cs:fontRef idx="minor">
+      <a:schemeClr val="tx1">
+        <a:lumMod val="65000"/>
+        <a:lumOff val="35000"/>
+      </a:schemeClr>
+    </cs:fontRef>
+    <cs:defRPr sz="900" kern="1200"/>
+  </cs:valueAxis>
+  <cs:wall>
+    <cs:lnRef idx="0"/>
+    <cs:fillRef idx="0"/>
+    <cs:effectRef idx="0"/>
+    <cs:fontRef idx="minor">
+      <a:schemeClr val="tx1"/>
+    </cs:fontRef>
+    <cs:spPr>
+      <a:noFill/>
+      <a:ln>
+        <a:noFill/>
+      </a:ln>
+    </cs:spPr>
+  </cs:wall>
+</cs:chartStyle>
+</file>
+
 <file path=ppt/notesMasters/notesMaster1.xml><?xml version="1.0" encoding="utf-8"?>
 <p:notesMaster xmlns:a="http://schemas.openxmlformats.org/drawingml/2006/main" xmlns:r="http://schemas.openxmlformats.org/officeDocument/2006/relationships" xmlns:p="http://schemas.openxmlformats.org/presentationml/2006/main">
   <p:cSld>
@@ -7410,7 +9556,7 @@
           <a:p>
             <a:fld id="{F30E5FB3-527B-4E5B-8063-515E907BA66F}" type="datetimeFigureOut">
               <a:rPr lang="en-US" smtClean="0"/>
-              <a:t>10/4/2015</a:t>
+              <a:t>10/6/2015</a:t>
             </a:fld>
             <a:endParaRPr lang="en-US"/>
           </a:p>
@@ -7724,55 +9870,43 @@
           <a:p>
             <a:r>
               <a:rPr lang="en-US" dirty="0" smtClean="0"/>
-              <a:t>Objective 1</a:t>
-            </a:r>
-          </a:p>
-          <a:p>
+              <a:t>Rationale</a:t>
+            </a:r>
+            <a:r>
+              <a:rPr lang="en-US" baseline="0" dirty="0" smtClean="0"/>
+              <a:t> of the Study</a:t>
+            </a:r>
+          </a:p>
+          <a:p>
+            <a:r>
+              <a:rPr lang="en-US" baseline="0" dirty="0" smtClean="0"/>
+              <a:t>Statement of the Problem</a:t>
+            </a:r>
+          </a:p>
+          <a:p>
+            <a:r>
+              <a:rPr lang="en-US" baseline="0" dirty="0" smtClean="0"/>
+              <a:t>Significance of the Study</a:t>
+            </a:r>
+          </a:p>
+          <a:p>
+            <a:r>
+              <a:rPr lang="en-US" baseline="0" dirty="0" smtClean="0"/>
+              <a:t>Scope &amp; Limitation</a:t>
+            </a:r>
             <a:endParaRPr lang="en-US" dirty="0" smtClean="0"/>
           </a:p>
           <a:p>
+            <a:endParaRPr lang="en-US" dirty="0" smtClean="0"/>
+          </a:p>
+          <a:p>
+            <a:endParaRPr lang="en-US" dirty="0" smtClean="0"/>
+          </a:p>
+          <a:p>
             <a:r>
               <a:rPr lang="en-US" dirty="0" smtClean="0"/>
-              <a:t>1. None</a:t>
-            </a:r>
-          </a:p>
-          <a:p>
-            <a:endParaRPr lang="en-US" dirty="0" smtClean="0"/>
-          </a:p>
-          <a:p>
-            <a:r>
-              <a:rPr lang="en-US" dirty="0" smtClean="0"/>
-              <a:t>2. Fail to see narrow profile of motorcycle</a:t>
-            </a:r>
-          </a:p>
-          <a:p>
-            <a:r>
-              <a:rPr lang="en-US" baseline="0" dirty="0" smtClean="0"/>
-              <a:t>    </a:t>
-            </a:r>
-            <a:r>
-              <a:rPr lang="en-US" dirty="0" smtClean="0"/>
-              <a:t>Motorcycle going at top speeds</a:t>
-            </a:r>
-          </a:p>
-          <a:p>
-            <a:endParaRPr lang="en-US" dirty="0" smtClean="0"/>
-          </a:p>
-          <a:p>
-            <a:r>
-              <a:rPr lang="en-US" dirty="0" smtClean="0"/>
-              <a:t>3. Motorcycle less maneuverable</a:t>
-            </a:r>
-          </a:p>
-          <a:p>
-            <a:endParaRPr lang="en-US" dirty="0" smtClean="0"/>
-          </a:p>
-          <a:p>
-            <a:r>
-              <a:rPr lang="en-US" dirty="0" smtClean="0"/>
-              <a:t>4. Rain, leaves, gravel</a:t>
-            </a:r>
-            <a:endParaRPr lang="en-US" dirty="0"/>
+              <a:t>C</a:t>
+            </a:r>
           </a:p>
         </p:txBody>
       </p:sp>
@@ -7793,7 +9927,7 @@
           <a:p>
             <a:fld id="{247906D0-6B40-4E59-8413-F5DCB6176D6F}" type="slidenum">
               <a:rPr lang="en-US" smtClean="0"/>
-              <a:t>12</a:t>
+              <a:t>1</a:t>
             </a:fld>
             <a:endParaRPr lang="en-US"/>
           </a:p>
@@ -7802,7 +9936,7 @@
     </p:spTree>
     <p:extLst>
       <p:ext uri="{BB962C8B-B14F-4D97-AF65-F5344CB8AC3E}">
-        <p14:creationId xmlns:p14="http://schemas.microsoft.com/office/powerpoint/2010/main" val="986311700"/>
+        <p14:creationId xmlns:p14="http://schemas.microsoft.com/office/powerpoint/2010/main" val="3746840536"/>
       </p:ext>
     </p:extLst>
   </p:cSld>
@@ -7857,8 +9991,64 @@
           <a:lstStyle/>
           <a:p>
             <a:r>
+              <a:rPr lang="en-US" smtClean="0"/>
+              <a:t>Objective 1</a:t>
+            </a:r>
+            <a:endParaRPr lang="en-US" dirty="0" smtClean="0"/>
+          </a:p>
+          <a:p>
+            <a:endParaRPr lang="en-US" dirty="0" smtClean="0"/>
+          </a:p>
+          <a:p>
+            <a:r>
               <a:rPr lang="en-US" dirty="0" smtClean="0"/>
-              <a:t>Objective 4</a:t>
+              <a:t>1. None</a:t>
+            </a:r>
+          </a:p>
+          <a:p>
+            <a:endParaRPr lang="en-US" dirty="0" smtClean="0"/>
+          </a:p>
+          <a:p>
+            <a:r>
+              <a:rPr lang="en-US" dirty="0" smtClean="0"/>
+              <a:t>2. Fail to see narrow profile of motorcycle</a:t>
+            </a:r>
+          </a:p>
+          <a:p>
+            <a:r>
+              <a:rPr lang="en-US" baseline="0" dirty="0" smtClean="0"/>
+              <a:t>    </a:t>
+            </a:r>
+            <a:r>
+              <a:rPr lang="en-US" dirty="0" smtClean="0"/>
+              <a:t>Motorcycle going at top speeds</a:t>
+            </a:r>
+          </a:p>
+          <a:p>
+            <a:endParaRPr lang="en-US" dirty="0" smtClean="0"/>
+          </a:p>
+          <a:p>
+            <a:r>
+              <a:rPr lang="en-US" dirty="0" smtClean="0"/>
+              <a:t>3. Motorcycle less maneuverable</a:t>
+            </a:r>
+          </a:p>
+          <a:p>
+            <a:endParaRPr lang="en-US" dirty="0" smtClean="0"/>
+          </a:p>
+          <a:p>
+            <a:r>
+              <a:rPr lang="en-US" dirty="0" smtClean="0"/>
+              <a:t>4. Rain, leaves, gravel</a:t>
+            </a:r>
+          </a:p>
+          <a:p>
+            <a:endParaRPr lang="en-US" dirty="0" smtClean="0"/>
+          </a:p>
+          <a:p>
+            <a:r>
+              <a:rPr lang="en-US" dirty="0" smtClean="0"/>
+              <a:t>5. None</a:t>
             </a:r>
             <a:endParaRPr lang="en-US" dirty="0"/>
           </a:p>
@@ -7881,8 +10071,7 @@
           <a:p>
             <a:fld id="{247906D0-6B40-4E59-8413-F5DCB6176D6F}" type="slidenum">
               <a:rPr lang="en-US" smtClean="0"/>
-              <a:pPr/>
-              <a:t>24</a:t>
+              <a:t>12</a:t>
             </a:fld>
             <a:endParaRPr lang="en-US"/>
           </a:p>
@@ -7891,7 +10080,7 @@
     </p:spTree>
     <p:extLst>
       <p:ext uri="{BB962C8B-B14F-4D97-AF65-F5344CB8AC3E}">
-        <p14:creationId xmlns:p14="http://schemas.microsoft.com/office/powerpoint/2010/main" val="3644702361"/>
+        <p14:creationId xmlns:p14="http://schemas.microsoft.com/office/powerpoint/2010/main" val="986311700"/>
       </p:ext>
     </p:extLst>
   </p:cSld>
@@ -7946,33 +10135,17 @@
           <a:lstStyle/>
           <a:p>
             <a:r>
-              <a:rPr lang="en-US" dirty="0" err="1" smtClean="0"/>
-              <a:t>SensorManager</a:t>
-            </a:r>
+              <a:rPr lang="en-US" dirty="0" smtClean="0"/>
+              <a:t>Objective 2</a:t>
+            </a:r>
+          </a:p>
+          <a:p>
             <a:endParaRPr lang="en-US" dirty="0" smtClean="0"/>
           </a:p>
           <a:p>
             <a:r>
               <a:rPr lang="en-US" dirty="0" smtClean="0"/>
-              <a:t>Google </a:t>
-            </a:r>
-            <a:r>
-              <a:rPr lang="en-US" dirty="0" err="1" smtClean="0"/>
-              <a:t>Api</a:t>
-            </a:r>
-            <a:r>
-              <a:rPr lang="en-US" dirty="0" smtClean="0"/>
-              <a:t> Client</a:t>
-            </a:r>
-          </a:p>
-          <a:p>
-            <a:r>
-              <a:rPr lang="en-US" dirty="0" smtClean="0"/>
-              <a:t>Google</a:t>
-            </a:r>
-            <a:r>
-              <a:rPr lang="en-US" baseline="0" dirty="0" smtClean="0"/>
-              <a:t> Play Location Services</a:t>
+              <a:t>“Implementation and pseudocode will be discussed during the next objective”</a:t>
             </a:r>
             <a:endParaRPr lang="en-US" dirty="0"/>
           </a:p>
@@ -7995,7 +10168,7 @@
           <a:p>
             <a:fld id="{247906D0-6B40-4E59-8413-F5DCB6176D6F}" type="slidenum">
               <a:rPr lang="en-US" smtClean="0"/>
-              <a:t>32</a:t>
+              <a:t>13</a:t>
             </a:fld>
             <a:endParaRPr lang="en-US"/>
           </a:p>
@@ -8004,7 +10177,7 @@
     </p:spTree>
     <p:extLst>
       <p:ext uri="{BB962C8B-B14F-4D97-AF65-F5344CB8AC3E}">
-        <p14:creationId xmlns:p14="http://schemas.microsoft.com/office/powerpoint/2010/main" val="2769558252"/>
+        <p14:creationId xmlns:p14="http://schemas.microsoft.com/office/powerpoint/2010/main" val="937936376"/>
       </p:ext>
     </p:extLst>
   </p:cSld>
@@ -8060,11 +10233,7 @@
           <a:p>
             <a:r>
               <a:rPr lang="en-US" dirty="0" smtClean="0"/>
-              <a:t>Multipart</a:t>
-            </a:r>
-            <a:r>
-              <a:rPr lang="en-US" baseline="0" dirty="0" smtClean="0"/>
-              <a:t> text messages would consume the same amount of currency</a:t>
+              <a:t>Objective 3</a:t>
             </a:r>
             <a:endParaRPr lang="en-US" dirty="0"/>
           </a:p>
@@ -8087,7 +10256,7 @@
           <a:p>
             <a:fld id="{247906D0-6B40-4E59-8413-F5DCB6176D6F}" type="slidenum">
               <a:rPr lang="en-US" smtClean="0"/>
-              <a:t>34</a:t>
+              <a:t>14</a:t>
             </a:fld>
             <a:endParaRPr lang="en-US"/>
           </a:p>
@@ -8096,7 +10265,771 @@
     </p:spTree>
     <p:extLst>
       <p:ext uri="{BB962C8B-B14F-4D97-AF65-F5344CB8AC3E}">
-        <p14:creationId xmlns:p14="http://schemas.microsoft.com/office/powerpoint/2010/main" val="3130101093"/>
+        <p14:creationId xmlns:p14="http://schemas.microsoft.com/office/powerpoint/2010/main" val="3741017987"/>
+      </p:ext>
+    </p:extLst>
+  </p:cSld>
+  <p:clrMapOvr>
+    <a:masterClrMapping/>
+  </p:clrMapOvr>
+</p:notes>
+</file>
+
+<file path=ppt/notesSlides/notesSlide13.xml><?xml version="1.0" encoding="utf-8"?>
+<p:notes xmlns:a="http://schemas.openxmlformats.org/drawingml/2006/main" xmlns:r="http://schemas.openxmlformats.org/officeDocument/2006/relationships" xmlns:p="http://schemas.openxmlformats.org/presentationml/2006/main">
+  <p:cSld>
+    <p:spTree>
+      <p:nvGrpSpPr>
+        <p:cNvPr id="1" name=""/>
+        <p:cNvGrpSpPr/>
+        <p:nvPr/>
+      </p:nvGrpSpPr>
+      <p:grpSpPr>
+        <a:xfrm>
+          <a:off x="0" y="0"/>
+          <a:ext cx="0" cy="0"/>
+          <a:chOff x="0" y="0"/>
+          <a:chExt cx="0" cy="0"/>
+        </a:xfrm>
+      </p:grpSpPr>
+      <p:sp>
+        <p:nvSpPr>
+          <p:cNvPr id="2" name="Slide Image Placeholder 1"/>
+          <p:cNvSpPr>
+            <a:spLocks noGrp="1" noRot="1" noChangeAspect="1"/>
+          </p:cNvSpPr>
+          <p:nvPr>
+            <p:ph type="sldImg"/>
+          </p:nvPr>
+        </p:nvSpPr>
+        <p:spPr/>
+      </p:sp>
+      <p:sp>
+        <p:nvSpPr>
+          <p:cNvPr id="3" name="Notes Placeholder 2"/>
+          <p:cNvSpPr>
+            <a:spLocks noGrp="1"/>
+          </p:cNvSpPr>
+          <p:nvPr>
+            <p:ph type="body" idx="1"/>
+          </p:nvPr>
+        </p:nvSpPr>
+        <p:spPr/>
+        <p:txBody>
+          <a:bodyPr/>
+          <a:lstStyle/>
+          <a:p>
+            <a:r>
+              <a:rPr lang="en-US" dirty="0" smtClean="0"/>
+              <a:t>“We will briefly</a:t>
+            </a:r>
+            <a:r>
+              <a:rPr lang="en-US" baseline="0" dirty="0" smtClean="0"/>
+              <a:t> discuss each of the four modules and show pseudocode samples</a:t>
+            </a:r>
+            <a:r>
+              <a:rPr lang="en-US" dirty="0" smtClean="0"/>
+              <a:t>”</a:t>
+            </a:r>
+          </a:p>
+          <a:p>
+            <a:endParaRPr lang="en-US" dirty="0" smtClean="0"/>
+          </a:p>
+          <a:p>
+            <a:r>
+              <a:rPr lang="en-US" dirty="0" smtClean="0"/>
+              <a:t>C</a:t>
+            </a:r>
+          </a:p>
+          <a:p>
+            <a:endParaRPr lang="en-US" dirty="0"/>
+          </a:p>
+        </p:txBody>
+      </p:sp>
+      <p:sp>
+        <p:nvSpPr>
+          <p:cNvPr id="4" name="Slide Number Placeholder 3"/>
+          <p:cNvSpPr>
+            <a:spLocks noGrp="1"/>
+          </p:cNvSpPr>
+          <p:nvPr>
+            <p:ph type="sldNum" sz="quarter" idx="10"/>
+          </p:nvPr>
+        </p:nvSpPr>
+        <p:spPr/>
+        <p:txBody>
+          <a:bodyPr/>
+          <a:lstStyle/>
+          <a:p>
+            <a:fld id="{247906D0-6B40-4E59-8413-F5DCB6176D6F}" type="slidenum">
+              <a:rPr lang="en-US" smtClean="0"/>
+              <a:t>15</a:t>
+            </a:fld>
+            <a:endParaRPr lang="en-US"/>
+          </a:p>
+        </p:txBody>
+      </p:sp>
+    </p:spTree>
+    <p:extLst>
+      <p:ext uri="{BB962C8B-B14F-4D97-AF65-F5344CB8AC3E}">
+        <p14:creationId xmlns:p14="http://schemas.microsoft.com/office/powerpoint/2010/main" val="2676664737"/>
+      </p:ext>
+    </p:extLst>
+  </p:cSld>
+  <p:clrMapOvr>
+    <a:masterClrMapping/>
+  </p:clrMapOvr>
+</p:notes>
+</file>
+
+<file path=ppt/notesSlides/notesSlide14.xml><?xml version="1.0" encoding="utf-8"?>
+<p:notes xmlns:a="http://schemas.openxmlformats.org/drawingml/2006/main" xmlns:r="http://schemas.openxmlformats.org/officeDocument/2006/relationships" xmlns:p="http://schemas.openxmlformats.org/presentationml/2006/main">
+  <p:cSld>
+    <p:spTree>
+      <p:nvGrpSpPr>
+        <p:cNvPr id="1" name=""/>
+        <p:cNvGrpSpPr/>
+        <p:nvPr/>
+      </p:nvGrpSpPr>
+      <p:grpSpPr>
+        <a:xfrm>
+          <a:off x="0" y="0"/>
+          <a:ext cx="0" cy="0"/>
+          <a:chOff x="0" y="0"/>
+          <a:chExt cx="0" cy="0"/>
+        </a:xfrm>
+      </p:grpSpPr>
+      <p:sp>
+        <p:nvSpPr>
+          <p:cNvPr id="2" name="Slide Image Placeholder 1"/>
+          <p:cNvSpPr>
+            <a:spLocks noGrp="1" noRot="1" noChangeAspect="1"/>
+          </p:cNvSpPr>
+          <p:nvPr>
+            <p:ph type="sldImg"/>
+          </p:nvPr>
+        </p:nvSpPr>
+        <p:spPr/>
+      </p:sp>
+      <p:sp>
+        <p:nvSpPr>
+          <p:cNvPr id="3" name="Notes Placeholder 2"/>
+          <p:cNvSpPr>
+            <a:spLocks noGrp="1"/>
+          </p:cNvSpPr>
+          <p:nvPr>
+            <p:ph type="body" idx="1"/>
+          </p:nvPr>
+        </p:nvSpPr>
+        <p:spPr/>
+        <p:txBody>
+          <a:bodyPr/>
+          <a:lstStyle/>
+          <a:p>
+            <a:pPr marL="0" indent="0">
+              <a:buFont typeface="Arial" panose="020B0604020202020204" pitchFamily="34" charset="0"/>
+              <a:buNone/>
+            </a:pPr>
+            <a:r>
+              <a:rPr lang="en-US" dirty="0" smtClean="0"/>
+              <a:t>Blood</a:t>
+            </a:r>
+            <a:r>
+              <a:rPr lang="en-US" baseline="0" dirty="0" smtClean="0"/>
+              <a:t> type – required</a:t>
+            </a:r>
+          </a:p>
+          <a:p>
+            <a:pPr marL="0" indent="0">
+              <a:buFont typeface="Arial" panose="020B0604020202020204" pitchFamily="34" charset="0"/>
+              <a:buNone/>
+            </a:pPr>
+            <a:r>
+              <a:rPr lang="en-US" baseline="0" dirty="0" smtClean="0"/>
+              <a:t>Medications, Conditions, Allergies default to “None”</a:t>
+            </a:r>
+          </a:p>
+          <a:p>
+            <a:pPr marL="0" indent="0">
+              <a:buFont typeface="Arial" panose="020B0604020202020204" pitchFamily="34" charset="0"/>
+              <a:buNone/>
+            </a:pPr>
+            <a:endParaRPr lang="en-US" baseline="0" dirty="0" smtClean="0"/>
+          </a:p>
+          <a:p>
+            <a:pPr marL="0" indent="0">
+              <a:buFont typeface="Arial" panose="020B0604020202020204" pitchFamily="34" charset="0"/>
+              <a:buNone/>
+            </a:pPr>
+            <a:r>
+              <a:rPr lang="en-US" baseline="0" dirty="0" smtClean="0"/>
+              <a:t>Number defaults to “Select a number”</a:t>
+            </a:r>
+          </a:p>
+          <a:p>
+            <a:pPr marL="0" indent="0">
+              <a:buFont typeface="Arial" panose="020B0604020202020204" pitchFamily="34" charset="0"/>
+              <a:buNone/>
+            </a:pPr>
+            <a:endParaRPr lang="en-US" baseline="0" dirty="0" smtClean="0"/>
+          </a:p>
+          <a:p>
+            <a:pPr marL="0" indent="0">
+              <a:buFont typeface="Arial" panose="020B0604020202020204" pitchFamily="34" charset="0"/>
+              <a:buNone/>
+            </a:pPr>
+            <a:r>
+              <a:rPr lang="en-US" baseline="0" dirty="0" smtClean="0"/>
+              <a:t>Personal Message defaults to generic message</a:t>
+            </a:r>
+          </a:p>
+          <a:p>
+            <a:pPr marL="0" indent="0">
+              <a:buFont typeface="Arial" panose="020B0604020202020204" pitchFamily="34" charset="0"/>
+              <a:buNone/>
+            </a:pPr>
+            <a:endParaRPr lang="en-US" baseline="0" dirty="0" smtClean="0"/>
+          </a:p>
+          <a:p>
+            <a:pPr marL="0" indent="0">
+              <a:buFont typeface="Arial" panose="020B0604020202020204" pitchFamily="34" charset="0"/>
+              <a:buNone/>
+            </a:pPr>
+            <a:r>
+              <a:rPr lang="en-US" baseline="0" dirty="0" smtClean="0"/>
+              <a:t>PERSISTENT</a:t>
+            </a:r>
+            <a:endParaRPr lang="en-US" dirty="0" smtClean="0"/>
+          </a:p>
+        </p:txBody>
+      </p:sp>
+      <p:sp>
+        <p:nvSpPr>
+          <p:cNvPr id="4" name="Slide Number Placeholder 3"/>
+          <p:cNvSpPr>
+            <a:spLocks noGrp="1"/>
+          </p:cNvSpPr>
+          <p:nvPr>
+            <p:ph type="sldNum" sz="quarter" idx="10"/>
+          </p:nvPr>
+        </p:nvSpPr>
+        <p:spPr/>
+        <p:txBody>
+          <a:bodyPr/>
+          <a:lstStyle/>
+          <a:p>
+            <a:fld id="{247906D0-6B40-4E59-8413-F5DCB6176D6F}" type="slidenum">
+              <a:rPr lang="en-US" smtClean="0"/>
+              <a:t>16</a:t>
+            </a:fld>
+            <a:endParaRPr lang="en-US"/>
+          </a:p>
+        </p:txBody>
+      </p:sp>
+    </p:spTree>
+    <p:extLst>
+      <p:ext uri="{BB962C8B-B14F-4D97-AF65-F5344CB8AC3E}">
+        <p14:creationId xmlns:p14="http://schemas.microsoft.com/office/powerpoint/2010/main" val="2215694689"/>
+      </p:ext>
+    </p:extLst>
+  </p:cSld>
+  <p:clrMapOvr>
+    <a:masterClrMapping/>
+  </p:clrMapOvr>
+</p:notes>
+</file>
+
+<file path=ppt/notesSlides/notesSlide15.xml><?xml version="1.0" encoding="utf-8"?>
+<p:notes xmlns:a="http://schemas.openxmlformats.org/drawingml/2006/main" xmlns:r="http://schemas.openxmlformats.org/officeDocument/2006/relationships" xmlns:p="http://schemas.openxmlformats.org/presentationml/2006/main">
+  <p:cSld>
+    <p:spTree>
+      <p:nvGrpSpPr>
+        <p:cNvPr id="1" name=""/>
+        <p:cNvGrpSpPr/>
+        <p:nvPr/>
+      </p:nvGrpSpPr>
+      <p:grpSpPr>
+        <a:xfrm>
+          <a:off x="0" y="0"/>
+          <a:ext cx="0" cy="0"/>
+          <a:chOff x="0" y="0"/>
+          <a:chExt cx="0" cy="0"/>
+        </a:xfrm>
+      </p:grpSpPr>
+      <p:sp>
+        <p:nvSpPr>
+          <p:cNvPr id="2" name="Slide Image Placeholder 1"/>
+          <p:cNvSpPr>
+            <a:spLocks noGrp="1" noRot="1" noChangeAspect="1"/>
+          </p:cNvSpPr>
+          <p:nvPr>
+            <p:ph type="sldImg"/>
+          </p:nvPr>
+        </p:nvSpPr>
+        <p:spPr/>
+      </p:sp>
+      <p:sp>
+        <p:nvSpPr>
+          <p:cNvPr id="3" name="Notes Placeholder 2"/>
+          <p:cNvSpPr>
+            <a:spLocks noGrp="1"/>
+          </p:cNvSpPr>
+          <p:nvPr>
+            <p:ph type="body" idx="1"/>
+          </p:nvPr>
+        </p:nvSpPr>
+        <p:spPr/>
+        <p:txBody>
+          <a:bodyPr/>
+          <a:lstStyle/>
+          <a:p>
+            <a:r>
+              <a:rPr lang="en-US" dirty="0" smtClean="0"/>
+              <a:t>R</a:t>
+            </a:r>
+            <a:endParaRPr lang="en-US" dirty="0"/>
+          </a:p>
+        </p:txBody>
+      </p:sp>
+      <p:sp>
+        <p:nvSpPr>
+          <p:cNvPr id="4" name="Slide Number Placeholder 3"/>
+          <p:cNvSpPr>
+            <a:spLocks noGrp="1"/>
+          </p:cNvSpPr>
+          <p:nvPr>
+            <p:ph type="sldNum" sz="quarter" idx="10"/>
+          </p:nvPr>
+        </p:nvSpPr>
+        <p:spPr/>
+        <p:txBody>
+          <a:bodyPr/>
+          <a:lstStyle/>
+          <a:p>
+            <a:fld id="{247906D0-6B40-4E59-8413-F5DCB6176D6F}" type="slidenum">
+              <a:rPr lang="en-US" smtClean="0"/>
+              <a:t>17</a:t>
+            </a:fld>
+            <a:endParaRPr lang="en-US"/>
+          </a:p>
+        </p:txBody>
+      </p:sp>
+    </p:spTree>
+    <p:extLst>
+      <p:ext uri="{BB962C8B-B14F-4D97-AF65-F5344CB8AC3E}">
+        <p14:creationId xmlns:p14="http://schemas.microsoft.com/office/powerpoint/2010/main" val="4022481999"/>
+      </p:ext>
+    </p:extLst>
+  </p:cSld>
+  <p:clrMapOvr>
+    <a:masterClrMapping/>
+  </p:clrMapOvr>
+</p:notes>
+</file>
+
+<file path=ppt/notesSlides/notesSlide16.xml><?xml version="1.0" encoding="utf-8"?>
+<p:notes xmlns:a="http://schemas.openxmlformats.org/drawingml/2006/main" xmlns:r="http://schemas.openxmlformats.org/officeDocument/2006/relationships" xmlns:p="http://schemas.openxmlformats.org/presentationml/2006/main">
+  <p:cSld>
+    <p:spTree>
+      <p:nvGrpSpPr>
+        <p:cNvPr id="1" name=""/>
+        <p:cNvGrpSpPr/>
+        <p:nvPr/>
+      </p:nvGrpSpPr>
+      <p:grpSpPr>
+        <a:xfrm>
+          <a:off x="0" y="0"/>
+          <a:ext cx="0" cy="0"/>
+          <a:chOff x="0" y="0"/>
+          <a:chExt cx="0" cy="0"/>
+        </a:xfrm>
+      </p:grpSpPr>
+      <p:sp>
+        <p:nvSpPr>
+          <p:cNvPr id="2" name="Slide Image Placeholder 1"/>
+          <p:cNvSpPr>
+            <a:spLocks noGrp="1" noRot="1" noChangeAspect="1"/>
+          </p:cNvSpPr>
+          <p:nvPr>
+            <p:ph type="sldImg"/>
+          </p:nvPr>
+        </p:nvSpPr>
+        <p:spPr/>
+      </p:sp>
+      <p:sp>
+        <p:nvSpPr>
+          <p:cNvPr id="3" name="Notes Placeholder 2"/>
+          <p:cNvSpPr>
+            <a:spLocks noGrp="1"/>
+          </p:cNvSpPr>
+          <p:nvPr>
+            <p:ph type="body" idx="1"/>
+          </p:nvPr>
+        </p:nvSpPr>
+        <p:spPr/>
+        <p:txBody>
+          <a:bodyPr/>
+          <a:lstStyle/>
+          <a:p>
+            <a:endParaRPr lang="en-US" dirty="0"/>
+          </a:p>
+        </p:txBody>
+      </p:sp>
+      <p:sp>
+        <p:nvSpPr>
+          <p:cNvPr id="4" name="Slide Number Placeholder 3"/>
+          <p:cNvSpPr>
+            <a:spLocks noGrp="1"/>
+          </p:cNvSpPr>
+          <p:nvPr>
+            <p:ph type="sldNum" sz="quarter" idx="10"/>
+          </p:nvPr>
+        </p:nvSpPr>
+        <p:spPr/>
+        <p:txBody>
+          <a:bodyPr/>
+          <a:lstStyle/>
+          <a:p>
+            <a:fld id="{247906D0-6B40-4E59-8413-F5DCB6176D6F}" type="slidenum">
+              <a:rPr lang="en-US" smtClean="0"/>
+              <a:t>18</a:t>
+            </a:fld>
+            <a:endParaRPr lang="en-US"/>
+          </a:p>
+        </p:txBody>
+      </p:sp>
+    </p:spTree>
+    <p:extLst>
+      <p:ext uri="{BB962C8B-B14F-4D97-AF65-F5344CB8AC3E}">
+        <p14:creationId xmlns:p14="http://schemas.microsoft.com/office/powerpoint/2010/main" val="546884224"/>
+      </p:ext>
+    </p:extLst>
+  </p:cSld>
+  <p:clrMapOvr>
+    <a:masterClrMapping/>
+  </p:clrMapOvr>
+</p:notes>
+</file>
+
+<file path=ppt/notesSlides/notesSlide17.xml><?xml version="1.0" encoding="utf-8"?>
+<p:notes xmlns:a="http://schemas.openxmlformats.org/drawingml/2006/main" xmlns:r="http://schemas.openxmlformats.org/officeDocument/2006/relationships" xmlns:p="http://schemas.openxmlformats.org/presentationml/2006/main">
+  <p:cSld>
+    <p:spTree>
+      <p:nvGrpSpPr>
+        <p:cNvPr id="1" name=""/>
+        <p:cNvGrpSpPr/>
+        <p:nvPr/>
+      </p:nvGrpSpPr>
+      <p:grpSpPr>
+        <a:xfrm>
+          <a:off x="0" y="0"/>
+          <a:ext cx="0" cy="0"/>
+          <a:chOff x="0" y="0"/>
+          <a:chExt cx="0" cy="0"/>
+        </a:xfrm>
+      </p:grpSpPr>
+      <p:sp>
+        <p:nvSpPr>
+          <p:cNvPr id="2" name="Slide Image Placeholder 1"/>
+          <p:cNvSpPr>
+            <a:spLocks noGrp="1" noRot="1" noChangeAspect="1"/>
+          </p:cNvSpPr>
+          <p:nvPr>
+            <p:ph type="sldImg"/>
+          </p:nvPr>
+        </p:nvSpPr>
+        <p:spPr/>
+      </p:sp>
+      <p:sp>
+        <p:nvSpPr>
+          <p:cNvPr id="3" name="Notes Placeholder 2"/>
+          <p:cNvSpPr>
+            <a:spLocks noGrp="1"/>
+          </p:cNvSpPr>
+          <p:nvPr>
+            <p:ph type="body" idx="1"/>
+          </p:nvPr>
+        </p:nvSpPr>
+        <p:spPr/>
+        <p:txBody>
+          <a:bodyPr/>
+          <a:lstStyle/>
+          <a:p>
+            <a:r>
+              <a:rPr lang="en-US" dirty="0" smtClean="0"/>
+              <a:t>C</a:t>
+            </a:r>
+            <a:endParaRPr lang="en-US" dirty="0"/>
+          </a:p>
+        </p:txBody>
+      </p:sp>
+      <p:sp>
+        <p:nvSpPr>
+          <p:cNvPr id="4" name="Slide Number Placeholder 3"/>
+          <p:cNvSpPr>
+            <a:spLocks noGrp="1"/>
+          </p:cNvSpPr>
+          <p:nvPr>
+            <p:ph type="sldNum" sz="quarter" idx="10"/>
+          </p:nvPr>
+        </p:nvSpPr>
+        <p:spPr/>
+        <p:txBody>
+          <a:bodyPr/>
+          <a:lstStyle/>
+          <a:p>
+            <a:fld id="{247906D0-6B40-4E59-8413-F5DCB6176D6F}" type="slidenum">
+              <a:rPr lang="en-US" smtClean="0"/>
+              <a:t>19</a:t>
+            </a:fld>
+            <a:endParaRPr lang="en-US"/>
+          </a:p>
+        </p:txBody>
+      </p:sp>
+    </p:spTree>
+    <p:extLst>
+      <p:ext uri="{BB962C8B-B14F-4D97-AF65-F5344CB8AC3E}">
+        <p14:creationId xmlns:p14="http://schemas.microsoft.com/office/powerpoint/2010/main" val="2125119530"/>
+      </p:ext>
+    </p:extLst>
+  </p:cSld>
+  <p:clrMapOvr>
+    <a:masterClrMapping/>
+  </p:clrMapOvr>
+</p:notes>
+</file>
+
+<file path=ppt/notesSlides/notesSlide18.xml><?xml version="1.0" encoding="utf-8"?>
+<p:notes xmlns:a="http://schemas.openxmlformats.org/drawingml/2006/main" xmlns:r="http://schemas.openxmlformats.org/officeDocument/2006/relationships" xmlns:p="http://schemas.openxmlformats.org/presentationml/2006/main">
+  <p:cSld>
+    <p:spTree>
+      <p:nvGrpSpPr>
+        <p:cNvPr id="1" name=""/>
+        <p:cNvGrpSpPr/>
+        <p:nvPr/>
+      </p:nvGrpSpPr>
+      <p:grpSpPr>
+        <a:xfrm>
+          <a:off x="0" y="0"/>
+          <a:ext cx="0" cy="0"/>
+          <a:chOff x="0" y="0"/>
+          <a:chExt cx="0" cy="0"/>
+        </a:xfrm>
+      </p:grpSpPr>
+      <p:sp>
+        <p:nvSpPr>
+          <p:cNvPr id="2" name="Slide Image Placeholder 1"/>
+          <p:cNvSpPr>
+            <a:spLocks noGrp="1" noRot="1" noChangeAspect="1"/>
+          </p:cNvSpPr>
+          <p:nvPr>
+            <p:ph type="sldImg"/>
+          </p:nvPr>
+        </p:nvSpPr>
+        <p:spPr/>
+      </p:sp>
+      <p:sp>
+        <p:nvSpPr>
+          <p:cNvPr id="3" name="Notes Placeholder 2"/>
+          <p:cNvSpPr>
+            <a:spLocks noGrp="1"/>
+          </p:cNvSpPr>
+          <p:nvPr>
+            <p:ph type="body" idx="1"/>
+          </p:nvPr>
+        </p:nvSpPr>
+        <p:spPr/>
+        <p:txBody>
+          <a:bodyPr/>
+          <a:lstStyle/>
+          <a:p>
+            <a:endParaRPr lang="en-US" dirty="0"/>
+          </a:p>
+        </p:txBody>
+      </p:sp>
+      <p:sp>
+        <p:nvSpPr>
+          <p:cNvPr id="4" name="Slide Number Placeholder 3"/>
+          <p:cNvSpPr>
+            <a:spLocks noGrp="1"/>
+          </p:cNvSpPr>
+          <p:nvPr>
+            <p:ph type="sldNum" sz="quarter" idx="10"/>
+          </p:nvPr>
+        </p:nvSpPr>
+        <p:spPr/>
+        <p:txBody>
+          <a:bodyPr/>
+          <a:lstStyle/>
+          <a:p>
+            <a:fld id="{247906D0-6B40-4E59-8413-F5DCB6176D6F}" type="slidenum">
+              <a:rPr lang="en-US" smtClean="0"/>
+              <a:t>20</a:t>
+            </a:fld>
+            <a:endParaRPr lang="en-US"/>
+          </a:p>
+        </p:txBody>
+      </p:sp>
+    </p:spTree>
+    <p:extLst>
+      <p:ext uri="{BB962C8B-B14F-4D97-AF65-F5344CB8AC3E}">
+        <p14:creationId xmlns:p14="http://schemas.microsoft.com/office/powerpoint/2010/main" val="1695746861"/>
+      </p:ext>
+    </p:extLst>
+  </p:cSld>
+  <p:clrMapOvr>
+    <a:masterClrMapping/>
+  </p:clrMapOvr>
+</p:notes>
+</file>
+
+<file path=ppt/notesSlides/notesSlide19.xml><?xml version="1.0" encoding="utf-8"?>
+<p:notes xmlns:a="http://schemas.openxmlformats.org/drawingml/2006/main" xmlns:r="http://schemas.openxmlformats.org/officeDocument/2006/relationships" xmlns:p="http://schemas.openxmlformats.org/presentationml/2006/main">
+  <p:cSld>
+    <p:spTree>
+      <p:nvGrpSpPr>
+        <p:cNvPr id="1" name=""/>
+        <p:cNvGrpSpPr/>
+        <p:nvPr/>
+      </p:nvGrpSpPr>
+      <p:grpSpPr>
+        <a:xfrm>
+          <a:off x="0" y="0"/>
+          <a:ext cx="0" cy="0"/>
+          <a:chOff x="0" y="0"/>
+          <a:chExt cx="0" cy="0"/>
+        </a:xfrm>
+      </p:grpSpPr>
+      <p:sp>
+        <p:nvSpPr>
+          <p:cNvPr id="2" name="Slide Image Placeholder 1"/>
+          <p:cNvSpPr>
+            <a:spLocks noGrp="1" noRot="1" noChangeAspect="1"/>
+          </p:cNvSpPr>
+          <p:nvPr>
+            <p:ph type="sldImg"/>
+          </p:nvPr>
+        </p:nvSpPr>
+        <p:spPr/>
+      </p:sp>
+      <p:sp>
+        <p:nvSpPr>
+          <p:cNvPr id="3" name="Notes Placeholder 2"/>
+          <p:cNvSpPr>
+            <a:spLocks noGrp="1"/>
+          </p:cNvSpPr>
+          <p:nvPr>
+            <p:ph type="body" idx="1"/>
+          </p:nvPr>
+        </p:nvSpPr>
+        <p:spPr/>
+        <p:txBody>
+          <a:bodyPr/>
+          <a:lstStyle/>
+          <a:p>
+            <a:r>
+              <a:rPr lang="en-US" dirty="0" smtClean="0"/>
+              <a:t>Interval – Rate at which app prefers to receive location updates.</a:t>
+            </a:r>
+          </a:p>
+          <a:p>
+            <a:endParaRPr lang="en-US" dirty="0" smtClean="0"/>
+          </a:p>
+          <a:p>
+            <a:r>
+              <a:rPr lang="en-US" dirty="0" smtClean="0"/>
+              <a:t>Fastest interval – Fastest rate at which app can handle</a:t>
+            </a:r>
+            <a:r>
+              <a:rPr lang="en-US" baseline="0" dirty="0" smtClean="0"/>
+              <a:t> location updates. Other apps also affect rate at which updates are sent.</a:t>
+            </a:r>
+            <a:endParaRPr lang="en-US" dirty="0" smtClean="0"/>
+          </a:p>
+          <a:p>
+            <a:endParaRPr lang="en-US" dirty="0" smtClean="0"/>
+          </a:p>
+          <a:p>
+            <a:r>
+              <a:rPr lang="en-US" dirty="0" smtClean="0"/>
+              <a:t>Priority – Sets priority of request</a:t>
+            </a:r>
+            <a:r>
+              <a:rPr lang="en-US" baseline="0" dirty="0" smtClean="0"/>
+              <a:t> (</a:t>
+            </a:r>
+            <a:r>
+              <a:rPr lang="en-US" baseline="0" dirty="0" err="1" smtClean="0"/>
+              <a:t>Balanced_Power_Accuracy</a:t>
+            </a:r>
+            <a:r>
+              <a:rPr lang="en-US" baseline="0" dirty="0" smtClean="0"/>
+              <a:t>, </a:t>
+            </a:r>
+            <a:r>
+              <a:rPr lang="en-US" baseline="0" dirty="0" err="1" smtClean="0"/>
+              <a:t>High_Accuracy</a:t>
+            </a:r>
+            <a:r>
+              <a:rPr lang="en-US" baseline="0" dirty="0" smtClean="0"/>
+              <a:t>, </a:t>
+            </a:r>
+            <a:r>
+              <a:rPr lang="en-US" baseline="0" dirty="0" err="1" smtClean="0"/>
+              <a:t>Low_Power</a:t>
+            </a:r>
+            <a:r>
+              <a:rPr lang="en-US" baseline="0" dirty="0" smtClean="0"/>
+              <a:t>, </a:t>
+            </a:r>
+            <a:r>
+              <a:rPr lang="en-US" baseline="0" dirty="0" err="1" smtClean="0"/>
+              <a:t>No_Power</a:t>
+            </a:r>
+            <a:r>
+              <a:rPr lang="en-US" baseline="0" dirty="0" smtClean="0"/>
+              <a:t>)</a:t>
+            </a:r>
+          </a:p>
+          <a:p>
+            <a:endParaRPr lang="en-US" baseline="0" dirty="0" smtClean="0"/>
+          </a:p>
+          <a:p>
+            <a:r>
+              <a:rPr lang="en-US" baseline="0" smtClean="0"/>
+              <a:t>R</a:t>
+            </a:r>
+            <a:endParaRPr lang="en-US" dirty="0"/>
+          </a:p>
+        </p:txBody>
+      </p:sp>
+      <p:sp>
+        <p:nvSpPr>
+          <p:cNvPr id="4" name="Slide Number Placeholder 3"/>
+          <p:cNvSpPr>
+            <a:spLocks noGrp="1"/>
+          </p:cNvSpPr>
+          <p:nvPr>
+            <p:ph type="sldNum" sz="quarter" idx="10"/>
+          </p:nvPr>
+        </p:nvSpPr>
+        <p:spPr/>
+        <p:txBody>
+          <a:bodyPr/>
+          <a:lstStyle/>
+          <a:p>
+            <a:fld id="{247906D0-6B40-4E59-8413-F5DCB6176D6F}" type="slidenum">
+              <a:rPr lang="en-US" smtClean="0"/>
+              <a:t>21</a:t>
+            </a:fld>
+            <a:endParaRPr lang="en-US"/>
+          </a:p>
+        </p:txBody>
+      </p:sp>
+    </p:spTree>
+    <p:extLst>
+      <p:ext uri="{BB962C8B-B14F-4D97-AF65-F5344CB8AC3E}">
+        <p14:creationId xmlns:p14="http://schemas.microsoft.com/office/powerpoint/2010/main" val="2850884002"/>
       </p:ext>
     </p:extLst>
   </p:cSld>
@@ -8152,16 +11085,7 @@
           <a:p>
             <a:r>
               <a:rPr lang="en-US" dirty="0" smtClean="0"/>
-              <a:t>Objective 2</a:t>
-            </a:r>
-          </a:p>
-          <a:p>
-            <a:endParaRPr lang="en-US" dirty="0" smtClean="0"/>
-          </a:p>
-          <a:p>
-            <a:r>
-              <a:rPr lang="en-US" dirty="0" smtClean="0"/>
-              <a:t>“Implementation and pseudocode will be discussed during the next objective”</a:t>
+              <a:t>R</a:t>
             </a:r>
             <a:endParaRPr lang="en-US" dirty="0"/>
           </a:p>
@@ -8184,7 +11108,7 @@
           <a:p>
             <a:fld id="{247906D0-6B40-4E59-8413-F5DCB6176D6F}" type="slidenum">
               <a:rPr lang="en-US" smtClean="0"/>
-              <a:t>13</a:t>
+              <a:t>2</a:t>
             </a:fld>
             <a:endParaRPr lang="en-US"/>
           </a:p>
@@ -8193,7 +11117,301 @@
     </p:spTree>
     <p:extLst>
       <p:ext uri="{BB962C8B-B14F-4D97-AF65-F5344CB8AC3E}">
-        <p14:creationId xmlns:p14="http://schemas.microsoft.com/office/powerpoint/2010/main" val="937936376"/>
+        <p14:creationId xmlns:p14="http://schemas.microsoft.com/office/powerpoint/2010/main" val="1662247664"/>
+      </p:ext>
+    </p:extLst>
+  </p:cSld>
+  <p:clrMapOvr>
+    <a:masterClrMapping/>
+  </p:clrMapOvr>
+</p:notes>
+</file>
+
+<file path=ppt/notesSlides/notesSlide20.xml><?xml version="1.0" encoding="utf-8"?>
+<p:notes xmlns:a="http://schemas.openxmlformats.org/drawingml/2006/main" xmlns:r="http://schemas.openxmlformats.org/officeDocument/2006/relationships" xmlns:p="http://schemas.openxmlformats.org/presentationml/2006/main">
+  <p:cSld>
+    <p:spTree>
+      <p:nvGrpSpPr>
+        <p:cNvPr id="1" name=""/>
+        <p:cNvGrpSpPr/>
+        <p:nvPr/>
+      </p:nvGrpSpPr>
+      <p:grpSpPr>
+        <a:xfrm>
+          <a:off x="0" y="0"/>
+          <a:ext cx="0" cy="0"/>
+          <a:chOff x="0" y="0"/>
+          <a:chExt cx="0" cy="0"/>
+        </a:xfrm>
+      </p:grpSpPr>
+      <p:sp>
+        <p:nvSpPr>
+          <p:cNvPr id="2" name="Slide Image Placeholder 1"/>
+          <p:cNvSpPr>
+            <a:spLocks noGrp="1" noRot="1" noChangeAspect="1"/>
+          </p:cNvSpPr>
+          <p:nvPr>
+            <p:ph type="sldImg"/>
+          </p:nvPr>
+        </p:nvSpPr>
+        <p:spPr/>
+      </p:sp>
+      <p:sp>
+        <p:nvSpPr>
+          <p:cNvPr id="3" name="Notes Placeholder 2"/>
+          <p:cNvSpPr>
+            <a:spLocks noGrp="1"/>
+          </p:cNvSpPr>
+          <p:nvPr>
+            <p:ph type="body" idx="1"/>
+          </p:nvPr>
+        </p:nvSpPr>
+        <p:spPr/>
+        <p:txBody>
+          <a:bodyPr/>
+          <a:lstStyle/>
+          <a:p>
+            <a:r>
+              <a:rPr lang="en-US" dirty="0" smtClean="0"/>
+              <a:t>Objective 4</a:t>
+            </a:r>
+            <a:endParaRPr lang="en-US" dirty="0"/>
+          </a:p>
+        </p:txBody>
+      </p:sp>
+      <p:sp>
+        <p:nvSpPr>
+          <p:cNvPr id="4" name="Slide Number Placeholder 3"/>
+          <p:cNvSpPr>
+            <a:spLocks noGrp="1"/>
+          </p:cNvSpPr>
+          <p:nvPr>
+            <p:ph type="sldNum" sz="quarter" idx="10"/>
+          </p:nvPr>
+        </p:nvSpPr>
+        <p:spPr/>
+        <p:txBody>
+          <a:bodyPr/>
+          <a:lstStyle/>
+          <a:p>
+            <a:fld id="{247906D0-6B40-4E59-8413-F5DCB6176D6F}" type="slidenum">
+              <a:rPr lang="en-US" smtClean="0"/>
+              <a:pPr/>
+              <a:t>24</a:t>
+            </a:fld>
+            <a:endParaRPr lang="en-US"/>
+          </a:p>
+        </p:txBody>
+      </p:sp>
+    </p:spTree>
+    <p:extLst>
+      <p:ext uri="{BB962C8B-B14F-4D97-AF65-F5344CB8AC3E}">
+        <p14:creationId xmlns:p14="http://schemas.microsoft.com/office/powerpoint/2010/main" val="3644702361"/>
+      </p:ext>
+    </p:extLst>
+  </p:cSld>
+  <p:clrMapOvr>
+    <a:masterClrMapping/>
+  </p:clrMapOvr>
+</p:notes>
+</file>
+
+<file path=ppt/notesSlides/notesSlide21.xml><?xml version="1.0" encoding="utf-8"?>
+<p:notes xmlns:a="http://schemas.openxmlformats.org/drawingml/2006/main" xmlns:r="http://schemas.openxmlformats.org/officeDocument/2006/relationships" xmlns:p="http://schemas.openxmlformats.org/presentationml/2006/main">
+  <p:cSld>
+    <p:spTree>
+      <p:nvGrpSpPr>
+        <p:cNvPr id="1" name=""/>
+        <p:cNvGrpSpPr/>
+        <p:nvPr/>
+      </p:nvGrpSpPr>
+      <p:grpSpPr>
+        <a:xfrm>
+          <a:off x="0" y="0"/>
+          <a:ext cx="0" cy="0"/>
+          <a:chOff x="0" y="0"/>
+          <a:chExt cx="0" cy="0"/>
+        </a:xfrm>
+      </p:grpSpPr>
+      <p:sp>
+        <p:nvSpPr>
+          <p:cNvPr id="2" name="Slide Image Placeholder 1"/>
+          <p:cNvSpPr>
+            <a:spLocks noGrp="1" noRot="1" noChangeAspect="1"/>
+          </p:cNvSpPr>
+          <p:nvPr>
+            <p:ph type="sldImg"/>
+          </p:nvPr>
+        </p:nvSpPr>
+        <p:spPr/>
+      </p:sp>
+      <p:sp>
+        <p:nvSpPr>
+          <p:cNvPr id="3" name="Notes Placeholder 2"/>
+          <p:cNvSpPr>
+            <a:spLocks noGrp="1"/>
+          </p:cNvSpPr>
+          <p:nvPr>
+            <p:ph type="body" idx="1"/>
+          </p:nvPr>
+        </p:nvSpPr>
+        <p:spPr/>
+        <p:txBody>
+          <a:bodyPr/>
+          <a:lstStyle/>
+          <a:p>
+            <a:r>
+              <a:rPr lang="en-US" dirty="0" err="1" smtClean="0"/>
+              <a:t>SensorManager</a:t>
+            </a:r>
+            <a:endParaRPr lang="en-US" dirty="0" smtClean="0"/>
+          </a:p>
+          <a:p>
+            <a:r>
+              <a:rPr lang="en-US" dirty="0" smtClean="0"/>
+              <a:t>Google </a:t>
+            </a:r>
+            <a:r>
+              <a:rPr lang="en-US" dirty="0" err="1" smtClean="0"/>
+              <a:t>Api</a:t>
+            </a:r>
+            <a:r>
+              <a:rPr lang="en-US" dirty="0" smtClean="0"/>
+              <a:t> Client</a:t>
+            </a:r>
+          </a:p>
+          <a:p>
+            <a:r>
+              <a:rPr lang="en-US" dirty="0" smtClean="0"/>
+              <a:t>Google</a:t>
+            </a:r>
+            <a:r>
+              <a:rPr lang="en-US" baseline="0" dirty="0" smtClean="0"/>
+              <a:t> Play Location Services</a:t>
+            </a:r>
+            <a:endParaRPr lang="en-US" dirty="0"/>
+          </a:p>
+        </p:txBody>
+      </p:sp>
+      <p:sp>
+        <p:nvSpPr>
+          <p:cNvPr id="4" name="Slide Number Placeholder 3"/>
+          <p:cNvSpPr>
+            <a:spLocks noGrp="1"/>
+          </p:cNvSpPr>
+          <p:nvPr>
+            <p:ph type="sldNum" sz="quarter" idx="10"/>
+          </p:nvPr>
+        </p:nvSpPr>
+        <p:spPr/>
+        <p:txBody>
+          <a:bodyPr/>
+          <a:lstStyle/>
+          <a:p>
+            <a:fld id="{247906D0-6B40-4E59-8413-F5DCB6176D6F}" type="slidenum">
+              <a:rPr lang="en-US" smtClean="0"/>
+              <a:t>33</a:t>
+            </a:fld>
+            <a:endParaRPr lang="en-US"/>
+          </a:p>
+        </p:txBody>
+      </p:sp>
+    </p:spTree>
+    <p:extLst>
+      <p:ext uri="{BB962C8B-B14F-4D97-AF65-F5344CB8AC3E}">
+        <p14:creationId xmlns:p14="http://schemas.microsoft.com/office/powerpoint/2010/main" val="2769558252"/>
+      </p:ext>
+    </p:extLst>
+  </p:cSld>
+  <p:clrMapOvr>
+    <a:masterClrMapping/>
+  </p:clrMapOvr>
+</p:notes>
+</file>
+
+<file path=ppt/notesSlides/notesSlide22.xml><?xml version="1.0" encoding="utf-8"?>
+<p:notes xmlns:a="http://schemas.openxmlformats.org/drawingml/2006/main" xmlns:r="http://schemas.openxmlformats.org/officeDocument/2006/relationships" xmlns:p="http://schemas.openxmlformats.org/presentationml/2006/main">
+  <p:cSld>
+    <p:spTree>
+      <p:nvGrpSpPr>
+        <p:cNvPr id="1" name=""/>
+        <p:cNvGrpSpPr/>
+        <p:nvPr/>
+      </p:nvGrpSpPr>
+      <p:grpSpPr>
+        <a:xfrm>
+          <a:off x="0" y="0"/>
+          <a:ext cx="0" cy="0"/>
+          <a:chOff x="0" y="0"/>
+          <a:chExt cx="0" cy="0"/>
+        </a:xfrm>
+      </p:grpSpPr>
+      <p:sp>
+        <p:nvSpPr>
+          <p:cNvPr id="2" name="Slide Image Placeholder 1"/>
+          <p:cNvSpPr>
+            <a:spLocks noGrp="1" noRot="1" noChangeAspect="1"/>
+          </p:cNvSpPr>
+          <p:nvPr>
+            <p:ph type="sldImg"/>
+          </p:nvPr>
+        </p:nvSpPr>
+        <p:spPr/>
+      </p:sp>
+      <p:sp>
+        <p:nvSpPr>
+          <p:cNvPr id="3" name="Notes Placeholder 2"/>
+          <p:cNvSpPr>
+            <a:spLocks noGrp="1"/>
+          </p:cNvSpPr>
+          <p:nvPr>
+            <p:ph type="body" idx="1"/>
+          </p:nvPr>
+        </p:nvSpPr>
+        <p:spPr/>
+        <p:txBody>
+          <a:bodyPr/>
+          <a:lstStyle/>
+          <a:p>
+            <a:r>
+              <a:rPr lang="en-US" dirty="0" smtClean="0"/>
+              <a:t>Multipart</a:t>
+            </a:r>
+            <a:r>
+              <a:rPr lang="en-US" baseline="0" dirty="0" smtClean="0"/>
+              <a:t> text messages would consume the same amount of currency if they are longer than 160 characters</a:t>
+            </a:r>
+            <a:endParaRPr lang="en-US" dirty="0"/>
+          </a:p>
+        </p:txBody>
+      </p:sp>
+      <p:sp>
+        <p:nvSpPr>
+          <p:cNvPr id="4" name="Slide Number Placeholder 3"/>
+          <p:cNvSpPr>
+            <a:spLocks noGrp="1"/>
+          </p:cNvSpPr>
+          <p:nvPr>
+            <p:ph type="sldNum" sz="quarter" idx="10"/>
+          </p:nvPr>
+        </p:nvSpPr>
+        <p:spPr/>
+        <p:txBody>
+          <a:bodyPr/>
+          <a:lstStyle/>
+          <a:p>
+            <a:fld id="{247906D0-6B40-4E59-8413-F5DCB6176D6F}" type="slidenum">
+              <a:rPr lang="en-US" smtClean="0"/>
+              <a:t>35</a:t>
+            </a:fld>
+            <a:endParaRPr lang="en-US"/>
+          </a:p>
+        </p:txBody>
+      </p:sp>
+    </p:spTree>
+    <p:extLst>
+      <p:ext uri="{BB962C8B-B14F-4D97-AF65-F5344CB8AC3E}">
+        <p14:creationId xmlns:p14="http://schemas.microsoft.com/office/powerpoint/2010/main" val="3130101093"/>
       </p:ext>
     </p:extLst>
   </p:cSld>
@@ -8249,7 +11467,7 @@
           <a:p>
             <a:r>
               <a:rPr lang="en-US" dirty="0" smtClean="0"/>
-              <a:t>Objective 3</a:t>
+              <a:t>C</a:t>
             </a:r>
             <a:endParaRPr lang="en-US" dirty="0"/>
           </a:p>
@@ -8272,7 +11490,7 @@
           <a:p>
             <a:fld id="{247906D0-6B40-4E59-8413-F5DCB6176D6F}" type="slidenum">
               <a:rPr lang="en-US" smtClean="0"/>
-              <a:t>14</a:t>
+              <a:t>3</a:t>
             </a:fld>
             <a:endParaRPr lang="en-US"/>
           </a:p>
@@ -8281,7 +11499,7 @@
     </p:spTree>
     <p:extLst>
       <p:ext uri="{BB962C8B-B14F-4D97-AF65-F5344CB8AC3E}">
-        <p14:creationId xmlns:p14="http://schemas.microsoft.com/office/powerpoint/2010/main" val="3741017987"/>
+        <p14:creationId xmlns:p14="http://schemas.microsoft.com/office/powerpoint/2010/main" val="777992061"/>
       </p:ext>
     </p:extLst>
   </p:cSld>
@@ -8337,15 +11555,7 @@
           <a:p>
             <a:r>
               <a:rPr lang="en-US" dirty="0" smtClean="0"/>
-              <a:t>“We will briefly</a:t>
-            </a:r>
-            <a:r>
-              <a:rPr lang="en-US" baseline="0" dirty="0" smtClean="0"/>
-              <a:t> discuss each of the four modules and show pseudocode samples</a:t>
-            </a:r>
-            <a:r>
-              <a:rPr lang="en-US" dirty="0" smtClean="0"/>
-              <a:t>”</a:t>
+              <a:t>R</a:t>
             </a:r>
             <a:endParaRPr lang="en-US" dirty="0"/>
           </a:p>
@@ -8368,7 +11578,7 @@
           <a:p>
             <a:fld id="{247906D0-6B40-4E59-8413-F5DCB6176D6F}" type="slidenum">
               <a:rPr lang="en-US" smtClean="0"/>
-              <a:t>15</a:t>
+              <a:t>4</a:t>
             </a:fld>
             <a:endParaRPr lang="en-US"/>
           </a:p>
@@ -8377,7 +11587,7 @@
     </p:spTree>
     <p:extLst>
       <p:ext uri="{BB962C8B-B14F-4D97-AF65-F5344CB8AC3E}">
-        <p14:creationId xmlns:p14="http://schemas.microsoft.com/office/powerpoint/2010/main" val="2676664737"/>
+        <p14:creationId xmlns:p14="http://schemas.microsoft.com/office/powerpoint/2010/main" val="2452300851"/>
       </p:ext>
     </p:extLst>
   </p:cSld>
@@ -8431,63 +11641,11 @@
           <a:bodyPr/>
           <a:lstStyle/>
           <a:p>
-            <a:pPr marL="0" indent="0">
-              <a:buFont typeface="Arial" panose="020B0604020202020204" pitchFamily="34" charset="0"/>
-              <a:buNone/>
-            </a:pPr>
             <a:r>
               <a:rPr lang="en-US" dirty="0" smtClean="0"/>
-              <a:t>Blood</a:t>
-            </a:r>
-            <a:r>
-              <a:rPr lang="en-US" baseline="0" dirty="0" smtClean="0"/>
-              <a:t> type – required</a:t>
-            </a:r>
-          </a:p>
-          <a:p>
-            <a:pPr marL="0" indent="0">
-              <a:buFont typeface="Arial" panose="020B0604020202020204" pitchFamily="34" charset="0"/>
-              <a:buNone/>
-            </a:pPr>
-            <a:r>
-              <a:rPr lang="en-US" baseline="0" dirty="0" smtClean="0"/>
-              <a:t>Medications, Conditions, Allergies default to “None”</a:t>
-            </a:r>
-          </a:p>
-          <a:p>
-            <a:pPr marL="0" indent="0">
-              <a:buFont typeface="Arial" panose="020B0604020202020204" pitchFamily="34" charset="0"/>
-              <a:buNone/>
-            </a:pPr>
-            <a:endParaRPr lang="en-US" baseline="0" dirty="0" smtClean="0"/>
-          </a:p>
-          <a:p>
-            <a:pPr marL="0" indent="0">
-              <a:buFont typeface="Arial" panose="020B0604020202020204" pitchFamily="34" charset="0"/>
-              <a:buNone/>
-            </a:pPr>
-            <a:r>
-              <a:rPr lang="en-US" baseline="0" dirty="0" smtClean="0"/>
-              <a:t>Number defaults to “Select a number”</a:t>
-            </a:r>
-          </a:p>
-          <a:p>
-            <a:pPr marL="0" indent="0">
-              <a:buFont typeface="Arial" panose="020B0604020202020204" pitchFamily="34" charset="0"/>
-              <a:buNone/>
-            </a:pPr>
-            <a:endParaRPr lang="en-US" baseline="0" dirty="0" smtClean="0"/>
-          </a:p>
-          <a:p>
-            <a:pPr marL="0" indent="0">
-              <a:buFont typeface="Arial" panose="020B0604020202020204" pitchFamily="34" charset="0"/>
-              <a:buNone/>
-            </a:pPr>
-            <a:r>
-              <a:rPr lang="en-US" baseline="0" dirty="0" smtClean="0"/>
-              <a:t>Personal Message defaults to generic message</a:t>
-            </a:r>
-            <a:endParaRPr lang="en-US" dirty="0" smtClean="0"/>
+              <a:t>C</a:t>
+            </a:r>
+            <a:endParaRPr lang="en-US" dirty="0"/>
           </a:p>
         </p:txBody>
       </p:sp>
@@ -8508,7 +11666,7 @@
           <a:p>
             <a:fld id="{247906D0-6B40-4E59-8413-F5DCB6176D6F}" type="slidenum">
               <a:rPr lang="en-US" smtClean="0"/>
-              <a:t>16</a:t>
+              <a:t>6</a:t>
             </a:fld>
             <a:endParaRPr lang="en-US"/>
           </a:p>
@@ -8517,7 +11675,7 @@
     </p:spTree>
     <p:extLst>
       <p:ext uri="{BB962C8B-B14F-4D97-AF65-F5344CB8AC3E}">
-        <p14:creationId xmlns:p14="http://schemas.microsoft.com/office/powerpoint/2010/main" val="2215694689"/>
+        <p14:creationId xmlns:p14="http://schemas.microsoft.com/office/powerpoint/2010/main" val="2215364008"/>
       </p:ext>
     </p:extLst>
   </p:cSld>
@@ -8571,6 +11729,10 @@
           <a:bodyPr/>
           <a:lstStyle/>
           <a:p>
+            <a:r>
+              <a:rPr lang="en-US" dirty="0" smtClean="0"/>
+              <a:t>R</a:t>
+            </a:r>
             <a:endParaRPr lang="en-US" dirty="0"/>
           </a:p>
         </p:txBody>
@@ -8592,7 +11754,7 @@
           <a:p>
             <a:fld id="{247906D0-6B40-4E59-8413-F5DCB6176D6F}" type="slidenum">
               <a:rPr lang="en-US" smtClean="0"/>
-              <a:t>18</a:t>
+              <a:t>7</a:t>
             </a:fld>
             <a:endParaRPr lang="en-US"/>
           </a:p>
@@ -8601,7 +11763,7 @@
     </p:spTree>
     <p:extLst>
       <p:ext uri="{BB962C8B-B14F-4D97-AF65-F5344CB8AC3E}">
-        <p14:creationId xmlns:p14="http://schemas.microsoft.com/office/powerpoint/2010/main" val="546884224"/>
+        <p14:creationId xmlns:p14="http://schemas.microsoft.com/office/powerpoint/2010/main" val="1598265736"/>
       </p:ext>
     </p:extLst>
   </p:cSld>
@@ -8655,6 +11817,10 @@
           <a:bodyPr/>
           <a:lstStyle/>
           <a:p>
+            <a:r>
+              <a:rPr lang="en-US" dirty="0" smtClean="0"/>
+              <a:t>C</a:t>
+            </a:r>
             <a:endParaRPr lang="en-US" dirty="0"/>
           </a:p>
         </p:txBody>
@@ -8676,7 +11842,7 @@
           <a:p>
             <a:fld id="{247906D0-6B40-4E59-8413-F5DCB6176D6F}" type="slidenum">
               <a:rPr lang="en-US" smtClean="0"/>
-              <a:t>19</a:t>
+              <a:t>8</a:t>
             </a:fld>
             <a:endParaRPr lang="en-US"/>
           </a:p>
@@ -8685,7 +11851,7 @@
     </p:spTree>
     <p:extLst>
       <p:ext uri="{BB962C8B-B14F-4D97-AF65-F5344CB8AC3E}">
-        <p14:creationId xmlns:p14="http://schemas.microsoft.com/office/powerpoint/2010/main" val="2125119530"/>
+        <p14:creationId xmlns:p14="http://schemas.microsoft.com/office/powerpoint/2010/main" val="3861872361"/>
       </p:ext>
     </p:extLst>
   </p:cSld>
@@ -8739,6 +11905,10 @@
           <a:bodyPr/>
           <a:lstStyle/>
           <a:p>
+            <a:r>
+              <a:rPr lang="en-US" dirty="0" smtClean="0"/>
+              <a:t>R</a:t>
+            </a:r>
             <a:endParaRPr lang="en-US" dirty="0"/>
           </a:p>
         </p:txBody>
@@ -8760,7 +11930,7 @@
           <a:p>
             <a:fld id="{247906D0-6B40-4E59-8413-F5DCB6176D6F}" type="slidenum">
               <a:rPr lang="en-US" smtClean="0"/>
-              <a:t>20</a:t>
+              <a:t>9</a:t>
             </a:fld>
             <a:endParaRPr lang="en-US"/>
           </a:p>
@@ -8769,7 +11939,7 @@
     </p:spTree>
     <p:extLst>
       <p:ext uri="{BB962C8B-B14F-4D97-AF65-F5344CB8AC3E}">
-        <p14:creationId xmlns:p14="http://schemas.microsoft.com/office/powerpoint/2010/main" val="1695746861"/>
+        <p14:creationId xmlns:p14="http://schemas.microsoft.com/office/powerpoint/2010/main" val="1285504943"/>
       </p:ext>
     </p:extLst>
   </p:cSld>
@@ -8825,66 +11995,7 @@
           <a:p>
             <a:r>
               <a:rPr lang="en-US" dirty="0" smtClean="0"/>
-              <a:t>Interval – Rate at which app prefers to receive location updates.</a:t>
-            </a:r>
-          </a:p>
-          <a:p>
-            <a:endParaRPr lang="en-US" dirty="0" smtClean="0"/>
-          </a:p>
-          <a:p>
-            <a:r>
-              <a:rPr lang="en-US" dirty="0" smtClean="0"/>
-              <a:t>Fastest interval – Fastest rate at which app can handle</a:t>
-            </a:r>
-            <a:r>
-              <a:rPr lang="en-US" baseline="0" dirty="0" smtClean="0"/>
-              <a:t> location updates. Other apps also affect rate at which updates are sent.</a:t>
-            </a:r>
-            <a:endParaRPr lang="en-US" dirty="0" smtClean="0"/>
-          </a:p>
-          <a:p>
-            <a:endParaRPr lang="en-US" dirty="0" smtClean="0"/>
-          </a:p>
-          <a:p>
-            <a:r>
-              <a:rPr lang="en-US" dirty="0" smtClean="0"/>
-              <a:t>Priority – Sets priority of request</a:t>
-            </a:r>
-            <a:r>
-              <a:rPr lang="en-US" baseline="0" dirty="0" smtClean="0"/>
-              <a:t> (</a:t>
-            </a:r>
-            <a:r>
-              <a:rPr lang="en-US" baseline="0" dirty="0" err="1" smtClean="0"/>
-              <a:t>Balanced_Power_Accuracy</a:t>
-            </a:r>
-            <a:r>
-              <a:rPr lang="en-US" baseline="0" dirty="0" smtClean="0"/>
-              <a:t>, </a:t>
-            </a:r>
-            <a:r>
-              <a:rPr lang="en-US" baseline="0" dirty="0" err="1" smtClean="0"/>
-              <a:t>High_Accuracy</a:t>
-            </a:r>
-            <a:r>
-              <a:rPr lang="en-US" baseline="0" dirty="0" smtClean="0"/>
-              <a:t>, </a:t>
-            </a:r>
-            <a:r>
-              <a:rPr lang="en-US" baseline="0" dirty="0" err="1" smtClean="0"/>
-              <a:t>Low_Power</a:t>
-            </a:r>
-            <a:r>
-              <a:rPr lang="en-US" baseline="0" dirty="0" smtClean="0"/>
-              <a:t>, </a:t>
-            </a:r>
-            <a:r>
-              <a:rPr lang="en-US" baseline="0" dirty="0" err="1" smtClean="0"/>
-              <a:t>No_Power</a:t>
-            </a:r>
-            <a:r>
-              <a:rPr lang="en-US" baseline="0" dirty="0" smtClean="0"/>
-              <a:t>)</a:t>
+              <a:t>C</a:t>
             </a:r>
             <a:endParaRPr lang="en-US" dirty="0"/>
           </a:p>
@@ -8907,7 +12018,7 @@
           <a:p>
             <a:fld id="{247906D0-6B40-4E59-8413-F5DCB6176D6F}" type="slidenum">
               <a:rPr lang="en-US" smtClean="0"/>
-              <a:t>21</a:t>
+              <a:t>11</a:t>
             </a:fld>
             <a:endParaRPr lang="en-US"/>
           </a:p>
@@ -8916,7 +12027,7 @@
     </p:spTree>
     <p:extLst>
       <p:ext uri="{BB962C8B-B14F-4D97-AF65-F5344CB8AC3E}">
-        <p14:creationId xmlns:p14="http://schemas.microsoft.com/office/powerpoint/2010/main" val="2850884002"/>
+        <p14:creationId xmlns:p14="http://schemas.microsoft.com/office/powerpoint/2010/main" val="4221794574"/>
       </p:ext>
     </p:extLst>
   </p:cSld>
@@ -9127,7 +12238,7 @@
             <a:fld id="{5586B75A-687E-405C-8A0B-8D00578BA2C3}" type="datetimeFigureOut">
               <a:rPr lang="en-US" dirty="0"/>
               <a:pPr/>
-              <a:t>10/4/2015</a:t>
+              <a:t>10/6/2015</a:t>
             </a:fld>
             <a:endParaRPr lang="en-US" dirty="0"/>
           </a:p>
@@ -9313,7 +12424,7 @@
           <a:p>
             <a:fld id="{5F4E5243-F52A-4D37-9694-EB26C6C31910}" type="datetimeFigureOut">
               <a:rPr lang="en-US" dirty="0"/>
-              <a:t>10/4/2015</a:t>
+              <a:t>10/6/2015</a:t>
             </a:fld>
             <a:endParaRPr lang="en-US" dirty="0"/>
           </a:p>
@@ -9488,7 +12599,7 @@
           <a:p>
             <a:fld id="{3A77B6E1-634A-48DC-9E8B-D894023267EF}" type="datetimeFigureOut">
               <a:rPr lang="en-US" dirty="0"/>
-              <a:t>10/4/2015</a:t>
+              <a:t>10/6/2015</a:t>
             </a:fld>
             <a:endParaRPr lang="en-US" dirty="0"/>
           </a:p>
@@ -9653,7 +12764,7 @@
           <a:p>
             <a:fld id="{7B2D3E9E-A95C-48F2-B4BF-A71542E0BE9A}" type="datetimeFigureOut">
               <a:rPr lang="en-US" dirty="0"/>
-              <a:t>10/4/2015</a:t>
+              <a:t>10/6/2015</a:t>
             </a:fld>
             <a:endParaRPr lang="en-US" dirty="0"/>
           </a:p>
@@ -9905,7 +13016,7 @@
             <a:fld id="{5586B75A-687E-405C-8A0B-8D00578BA2C3}" type="datetimeFigureOut">
               <a:rPr lang="en-US" dirty="0"/>
               <a:pPr/>
-              <a:t>10/4/2015</a:t>
+              <a:t>10/6/2015</a:t>
             </a:fld>
             <a:endParaRPr lang="en-US" dirty="0"/>
           </a:p>
@@ -10189,7 +13300,7 @@
           <a:p>
             <a:fld id="{F12952B5-7A2F-4CC8-B7CE-9234E21C2837}" type="datetimeFigureOut">
               <a:rPr lang="en-US" dirty="0"/>
-              <a:t>10/4/2015</a:t>
+              <a:t>10/6/2015</a:t>
             </a:fld>
             <a:endParaRPr lang="en-US" dirty="0"/>
           </a:p>
@@ -10622,7 +13733,7 @@
           <a:p>
             <a:fld id="{CE1DA07A-9201-4B4B-BAF2-015AFA30F520}" type="datetimeFigureOut">
               <a:rPr lang="en-US" dirty="0"/>
-              <a:t>10/4/2015</a:t>
+              <a:t>10/6/2015</a:t>
             </a:fld>
             <a:endParaRPr lang="en-US" dirty="0"/>
           </a:p>
@@ -10735,7 +13846,7 @@
           <a:p>
             <a:fld id="{73D7E00A-486F-4252-8B1D-E32645521F49}" type="datetimeFigureOut">
               <a:rPr lang="en-US" dirty="0"/>
-              <a:t>10/4/2015</a:t>
+              <a:t>10/6/2015</a:t>
             </a:fld>
             <a:endParaRPr lang="en-US" dirty="0"/>
           </a:p>
@@ -10825,7 +13936,7 @@
           <a:p>
             <a:fld id="{8DDF5F92-E675-4B36-9A60-69A962A68675}" type="datetimeFigureOut">
               <a:rPr lang="en-US" dirty="0"/>
-              <a:t>10/4/2015</a:t>
+              <a:t>10/6/2015</a:t>
             </a:fld>
             <a:endParaRPr lang="en-US" dirty="0"/>
           </a:p>
@@ -11176,7 +14287,7 @@
           <a:p>
             <a:fld id="{AF6E2C9B-5FA2-460D-9BE7-B0812FC2A6FF}" type="datetimeFigureOut">
               <a:rPr lang="en-US" dirty="0"/>
-              <a:t>10/4/2015</a:t>
+              <a:t>10/6/2015</a:t>
             </a:fld>
             <a:endParaRPr lang="en-US" dirty="0"/>
           </a:p>
@@ -11489,7 +14600,7 @@
             <a:fld id="{5586B75A-687E-405C-8A0B-8D00578BA2C3}" type="datetimeFigureOut">
               <a:rPr lang="en-US" dirty="0"/>
               <a:pPr/>
-              <a:t>10/4/2015</a:t>
+              <a:t>10/6/2015</a:t>
             </a:fld>
             <a:endParaRPr lang="en-US" dirty="0"/>
           </a:p>
@@ -11719,7 +14830,7 @@
             <a:fld id="{5586B75A-687E-405C-8A0B-8D00578BA2C3}" type="datetimeFigureOut">
               <a:rPr lang="en-US" dirty="0"/>
               <a:pPr/>
-              <a:t>10/4/2015</a:t>
+              <a:t>10/6/2015</a:t>
             </a:fld>
             <a:endParaRPr lang="en-US" dirty="0"/>
           </a:p>
@@ -12315,38 +15426,8 @@
                   </a:schemeClr>
                 </a:solidFill>
               </a:rPr>
-              <a:t>Online </a:t>
-            </a:r>
-            <a:r>
-              <a:rPr lang="en-US" sz="2800" dirty="0" smtClean="0">
-                <a:solidFill>
-                  <a:schemeClr val="tx1">
-                    <a:lumMod val="65000"/>
-                    <a:lumOff val="35000"/>
-                  </a:schemeClr>
-                </a:solidFill>
-              </a:rPr>
-              <a:t>Survey aimed to determine the response and need for the </a:t>
-            </a:r>
-            <a:r>
-              <a:rPr lang="en-US" sz="2800" dirty="0" smtClean="0">
-                <a:solidFill>
-                  <a:schemeClr val="tx1">
-                    <a:lumMod val="65000"/>
-                    <a:lumOff val="35000"/>
-                  </a:schemeClr>
-                </a:solidFill>
-              </a:rPr>
-              <a:t>application</a:t>
-            </a:r>
-            <a:endParaRPr lang="en-US" sz="2800" dirty="0" smtClean="0">
-              <a:solidFill>
-                <a:schemeClr val="tx1">
-                  <a:lumMod val="65000"/>
-                  <a:lumOff val="35000"/>
-                </a:schemeClr>
-              </a:solidFill>
-            </a:endParaRPr>
+              <a:t>Online Survey aimed to determine the response and need for the application</a:t>
+            </a:r>
           </a:p>
         </p:txBody>
       </p:sp>
@@ -12381,15 +15462,7 @@
                   <a:schemeClr val="bg1"/>
                 </a:solidFill>
               </a:rPr>
-              <a:t>49 </a:t>
-            </a:r>
-            <a:r>
-              <a:rPr lang="en-US" dirty="0" smtClean="0">
-                <a:solidFill>
-                  <a:schemeClr val="bg1"/>
-                </a:solidFill>
-              </a:rPr>
-              <a:t>Respondents</a:t>
+              <a:t>49 Respondents</a:t>
             </a:r>
           </a:p>
           <a:p>
@@ -12419,13 +15492,13 @@
   <p:clrMapOvr>
     <a:masterClrMapping/>
   </p:clrMapOvr>
-  <mc:AlternateContent xmlns:mc="http://schemas.openxmlformats.org/markup-compatibility/2006">
-    <mc:Choice xmlns:p14="http://schemas.microsoft.com/office/powerpoint/2010/main" Requires="p14">
+  <mc:AlternateContent xmlns:mc="http://schemas.openxmlformats.org/markup-compatibility/2006" xmlns:p14="http://schemas.microsoft.com/office/powerpoint/2010/main">
+    <mc:Choice Requires="p14">
       <p:transition spd="slow" p14:dur="1300">
         <p14:pan dir="u"/>
       </p:transition>
     </mc:Choice>
-    <mc:Fallback>
+    <mc:Fallback xmlns="">
       <p:transition spd="slow">
         <p:fade/>
       </p:transition>
@@ -13817,11 +16890,7 @@
           <a:p>
             <a:r>
               <a:rPr lang="en-US" dirty="0" smtClean="0"/>
-              <a:t>    User </a:t>
-            </a:r>
-            <a:r>
-              <a:rPr lang="en-US" dirty="0" smtClean="0"/>
-              <a:t>Data Storage</a:t>
+              <a:t>    User Data Storage</a:t>
             </a:r>
             <a:endParaRPr lang="en-US" dirty="0"/>
           </a:p>
@@ -15218,7 +18287,7 @@
                   </a:schemeClr>
                 </a:solidFill>
               </a:rPr>
-              <a:t>If(sum vector is below 0.6 g){</a:t>
+              <a:t>If(sum vector is 0.6 g or below){</a:t>
             </a:r>
           </a:p>
           <a:p>
@@ -15886,11 +18955,7 @@
           <a:p>
             <a:r>
               <a:rPr lang="en-US" dirty="0" smtClean="0"/>
-              <a:t>    Location </a:t>
-            </a:r>
-            <a:r>
-              <a:rPr lang="en-US" dirty="0" smtClean="0"/>
-              <a:t>Tracking</a:t>
+              <a:t>    Location Tracking</a:t>
             </a:r>
             <a:endParaRPr lang="en-US" dirty="0"/>
           </a:p>
@@ -16542,14 +19607,14 @@
             <a:pPr lvl="2"/>
             <a:r>
               <a:rPr lang="en-US" dirty="0" smtClean="0"/>
-              <a:t>Get user medical information;</a:t>
+              <a:t>Get user medical information from Shared Preferences;</a:t>
             </a:r>
           </a:p>
           <a:p>
             <a:pPr lvl="2"/>
             <a:r>
               <a:rPr lang="en-US" dirty="0" smtClean="0"/>
-              <a:t>Get contacts list;</a:t>
+              <a:t>Get contacts list from SQLite DB;</a:t>
             </a:r>
           </a:p>
           <a:p>
@@ -25303,13 +28368,13 @@
   <p:clrMapOvr>
     <a:masterClrMapping/>
   </p:clrMapOvr>
-  <mc:AlternateContent xmlns:mc="http://schemas.openxmlformats.org/markup-compatibility/2006">
-    <mc:Choice xmlns:p14="http://schemas.microsoft.com/office/powerpoint/2010/main" Requires="p14">
+  <mc:AlternateContent xmlns:mc="http://schemas.openxmlformats.org/markup-compatibility/2006" xmlns:p14="http://schemas.microsoft.com/office/powerpoint/2010/main">
+    <mc:Choice Requires="p14">
       <p:transition spd="med" p14:dur="700">
         <p:fade/>
       </p:transition>
     </mc:Choice>
-    <mc:Fallback>
+    <mc:Fallback xmlns="">
       <p:transition spd="med">
         <p:fade/>
       </p:transition>
@@ -25386,15 +28451,7 @@
                   <a:schemeClr val="bg1"/>
                 </a:solidFill>
               </a:rPr>
-              <a:t>Right-orientation </a:t>
-            </a:r>
-            <a:r>
-              <a:rPr lang="en-US" dirty="0" smtClean="0">
-                <a:solidFill>
-                  <a:schemeClr val="bg1"/>
-                </a:solidFill>
-              </a:rPr>
-              <a:t>trial</a:t>
+              <a:t>Right-orientation trial</a:t>
             </a:r>
           </a:p>
           <a:p>
@@ -25464,13 +28521,13 @@
   <p:clrMapOvr>
     <a:masterClrMapping/>
   </p:clrMapOvr>
-  <mc:AlternateContent xmlns:mc="http://schemas.openxmlformats.org/markup-compatibility/2006">
-    <mc:Choice xmlns:p14="http://schemas.microsoft.com/office/powerpoint/2010/main" Requires="p14">
+  <mc:AlternateContent xmlns:mc="http://schemas.openxmlformats.org/markup-compatibility/2006" xmlns:p14="http://schemas.microsoft.com/office/powerpoint/2010/main">
+    <mc:Choice Requires="p14">
       <p:transition spd="slow" p14:dur="1300">
         <p14:pan dir="u"/>
       </p:transition>
     </mc:Choice>
-    <mc:Fallback>
+    <mc:Fallback xmlns="">
       <p:transition spd="slow">
         <p:fade/>
       </p:transition>
@@ -25586,13 +28643,13 @@
   <p:clrMapOvr>
     <a:masterClrMapping/>
   </p:clrMapOvr>
-  <mc:AlternateContent xmlns:mc="http://schemas.openxmlformats.org/markup-compatibility/2006">
-    <mc:Choice xmlns:p14="http://schemas.microsoft.com/office/powerpoint/2010/main" Requires="p14">
+  <mc:AlternateContent xmlns:mc="http://schemas.openxmlformats.org/markup-compatibility/2006" xmlns:p14="http://schemas.microsoft.com/office/powerpoint/2010/main">
+    <mc:Choice Requires="p14">
       <p:transition spd="slow" p14:dur="1300">
         <p14:pan dir="u"/>
       </p:transition>
     </mc:Choice>
-    <mc:Fallback>
+    <mc:Fallback xmlns="">
       <p:transition spd="slow">
         <p:fade/>
       </p:transition>
@@ -25659,14 +28716,14 @@
           <p:nvPr>
             <p:extLst>
               <p:ext uri="{D42A27DB-BD31-4B8C-83A1-F6EECF244321}">
-                <p14:modId xmlns:p14="http://schemas.microsoft.com/office/powerpoint/2010/main" val="2941921473"/>
+                <p14:modId xmlns:p14="http://schemas.microsoft.com/office/powerpoint/2010/main" val="1758633545"/>
               </p:ext>
             </p:extLst>
           </p:nvPr>
         </p:nvGraphicFramePr>
         <p:xfrm>
-          <a:off x="6043611" y="2157731"/>
-          <a:ext cx="4572000" cy="2743200"/>
+          <a:off x="6043610" y="2157731"/>
+          <a:ext cx="4643439" cy="2901948"/>
         </p:xfrm>
         <a:graphic>
           <a:graphicData uri="http://schemas.openxmlformats.org/drawingml/2006/chart">
@@ -25708,13 +28765,13 @@
   <p:clrMapOvr>
     <a:masterClrMapping/>
   </p:clrMapOvr>
-  <mc:AlternateContent xmlns:mc="http://schemas.openxmlformats.org/markup-compatibility/2006">
-    <mc:Choice xmlns:p14="http://schemas.microsoft.com/office/powerpoint/2010/main" Requires="p14">
+  <mc:AlternateContent xmlns:mc="http://schemas.openxmlformats.org/markup-compatibility/2006" xmlns:p14="http://schemas.microsoft.com/office/powerpoint/2010/main">
+    <mc:Choice Requires="p14">
       <p:transition spd="slow" p14:dur="1300">
         <p14:pan dir="u"/>
       </p:transition>
     </mc:Choice>
-    <mc:Fallback>
+    <mc:Fallback xmlns="">
       <p:transition spd="slow">
         <p:fade/>
       </p:transition>
@@ -25759,35 +28816,33 @@
         </p:nvSpPr>
         <p:spPr/>
         <p:txBody>
-          <a:bodyPr>
-            <a:normAutofit/>
-          </a:bodyPr>
+          <a:bodyPr/>
           <a:lstStyle/>
           <a:p>
             <a:r>
-              <a:rPr lang="en-US" sz="4000" dirty="0" smtClean="0"/>
+              <a:rPr lang="en-US" dirty="0" smtClean="0"/>
               <a:t>Survey Results</a:t>
             </a:r>
-            <a:endParaRPr lang="en-US" sz="4000" dirty="0"/>
+            <a:endParaRPr lang="en-US" dirty="0"/>
           </a:p>
         </p:txBody>
       </p:sp>
       <p:graphicFrame>
         <p:nvGraphicFramePr>
-          <p:cNvPr id="3" name="Chart 2"/>
+          <p:cNvPr id="5" name="Chart 4"/>
           <p:cNvGraphicFramePr>
             <a:graphicFrameLocks/>
           </p:cNvGraphicFramePr>
           <p:nvPr>
             <p:extLst>
               <p:ext uri="{D42A27DB-BD31-4B8C-83A1-F6EECF244321}">
-                <p14:modId xmlns:p14="http://schemas.microsoft.com/office/powerpoint/2010/main" val="839312672"/>
+                <p14:modId xmlns:p14="http://schemas.microsoft.com/office/powerpoint/2010/main" val="2627245247"/>
               </p:ext>
             </p:extLst>
           </p:nvPr>
         </p:nvGraphicFramePr>
         <p:xfrm>
-          <a:off x="657224" y="2157731"/>
+          <a:off x="914400" y="2596198"/>
           <a:ext cx="4572000" cy="2743200"/>
         </p:xfrm>
         <a:graphic>
@@ -25798,20 +28853,20 @@
       </p:graphicFrame>
       <p:graphicFrame>
         <p:nvGraphicFramePr>
-          <p:cNvPr id="4" name="Chart 3"/>
+          <p:cNvPr id="9" name="Chart 8"/>
           <p:cNvGraphicFramePr>
             <a:graphicFrameLocks/>
           </p:cNvGraphicFramePr>
           <p:nvPr>
             <p:extLst>
               <p:ext uri="{D42A27DB-BD31-4B8C-83A1-F6EECF244321}">
-                <p14:modId xmlns:p14="http://schemas.microsoft.com/office/powerpoint/2010/main" val="940239726"/>
+                <p14:modId xmlns:p14="http://schemas.microsoft.com/office/powerpoint/2010/main" val="3424612403"/>
               </p:ext>
             </p:extLst>
           </p:nvPr>
         </p:nvGraphicFramePr>
         <p:xfrm>
-          <a:off x="6043611" y="2157731"/>
+          <a:off x="6043611" y="2596198"/>
           <a:ext cx="4572000" cy="2743200"/>
         </p:xfrm>
         <a:graphic>
@@ -25823,20 +28878,20 @@
     </p:spTree>
     <p:extLst>
       <p:ext uri="{BB962C8B-B14F-4D97-AF65-F5344CB8AC3E}">
-        <p14:creationId xmlns:p14="http://schemas.microsoft.com/office/powerpoint/2010/main" val="204220882"/>
+        <p14:creationId xmlns:p14="http://schemas.microsoft.com/office/powerpoint/2010/main" val="1799135822"/>
       </p:ext>
     </p:extLst>
   </p:cSld>
   <p:clrMapOvr>
     <a:masterClrMapping/>
   </p:clrMapOvr>
-  <mc:AlternateContent xmlns:mc="http://schemas.openxmlformats.org/markup-compatibility/2006">
-    <mc:Choice xmlns:p14="http://schemas.microsoft.com/office/powerpoint/2010/main" Requires="p14">
+  <mc:AlternateContent xmlns:mc="http://schemas.openxmlformats.org/markup-compatibility/2006" xmlns:p14="http://schemas.microsoft.com/office/powerpoint/2010/main">
+    <mc:Choice Requires="p14">
       <p:transition spd="slow" p14:dur="1300">
         <p14:pan dir="u"/>
       </p:transition>
     </mc:Choice>
-    <mc:Fallback>
+    <mc:Fallback xmlns="">
       <p:transition spd="slow">
         <p:fade/>
       </p:transition>
@@ -25881,60 +28936,84 @@
         </p:nvSpPr>
         <p:spPr/>
         <p:txBody>
-          <a:bodyPr/>
+          <a:bodyPr>
+            <a:normAutofit/>
+          </a:bodyPr>
           <a:lstStyle/>
           <a:p>
             <a:r>
-              <a:rPr lang="en-US" dirty="0" smtClean="0"/>
-              <a:t>Screen Flow</a:t>
-            </a:r>
-            <a:endParaRPr lang="en-US" dirty="0"/>
+              <a:rPr lang="en-US" sz="4000" dirty="0" smtClean="0"/>
+              <a:t>Survey Results</a:t>
+            </a:r>
+            <a:endParaRPr lang="en-US" sz="4000" dirty="0"/>
           </a:p>
         </p:txBody>
       </p:sp>
-      <p:pic>
-        <p:nvPicPr>
-          <p:cNvPr id="4" name="Content Placeholder 3" descr="09_29_15_c4 Screen Flow.png"/>
-          <p:cNvPicPr>
-            <a:picLocks noGrp="1"/>
-          </p:cNvPicPr>
+      <p:graphicFrame>
+        <p:nvGraphicFramePr>
+          <p:cNvPr id="3" name="Chart 2"/>
+          <p:cNvGraphicFramePr>
+            <a:graphicFrameLocks/>
+          </p:cNvGraphicFramePr>
           <p:nvPr>
-            <p:ph idx="1"/>
+            <p:extLst>
+              <p:ext uri="{D42A27DB-BD31-4B8C-83A1-F6EECF244321}">
+                <p14:modId xmlns:p14="http://schemas.microsoft.com/office/powerpoint/2010/main" val="383326631"/>
+              </p:ext>
+            </p:extLst>
           </p:nvPr>
-        </p:nvPicPr>
-        <p:blipFill>
-          <a:blip r:embed="rId2"/>
-          <a:stretch>
-            <a:fillRect/>
-          </a:stretch>
-        </p:blipFill>
-        <p:spPr>
-          <a:xfrm>
-            <a:off x="2075338" y="2011363"/>
-            <a:ext cx="7955599" cy="3767137"/>
-          </a:xfrm>
-          <a:prstGeom prst="rect">
-            <a:avLst/>
-          </a:prstGeom>
-        </p:spPr>
-      </p:pic>
+        </p:nvGraphicFramePr>
+        <p:xfrm>
+          <a:off x="1080557" y="2360931"/>
+          <a:ext cx="4572000" cy="2743200"/>
+        </p:xfrm>
+        <a:graphic>
+          <a:graphicData uri="http://schemas.openxmlformats.org/drawingml/2006/chart">
+            <c:chart xmlns:c="http://schemas.openxmlformats.org/drawingml/2006/chart" xmlns:r="http://schemas.openxmlformats.org/officeDocument/2006/relationships" r:id="rId2"/>
+          </a:graphicData>
+        </a:graphic>
+      </p:graphicFrame>
+      <p:graphicFrame>
+        <p:nvGraphicFramePr>
+          <p:cNvPr id="4" name="Chart 3"/>
+          <p:cNvGraphicFramePr>
+            <a:graphicFrameLocks/>
+          </p:cNvGraphicFramePr>
+          <p:nvPr>
+            <p:extLst>
+              <p:ext uri="{D42A27DB-BD31-4B8C-83A1-F6EECF244321}">
+                <p14:modId xmlns:p14="http://schemas.microsoft.com/office/powerpoint/2010/main" val="2292086196"/>
+              </p:ext>
+            </p:extLst>
+          </p:nvPr>
+        </p:nvGraphicFramePr>
+        <p:xfrm>
+          <a:off x="6466944" y="2360931"/>
+          <a:ext cx="4572000" cy="2743200"/>
+        </p:xfrm>
+        <a:graphic>
+          <a:graphicData uri="http://schemas.openxmlformats.org/drawingml/2006/chart">
+            <c:chart xmlns:c="http://schemas.openxmlformats.org/drawingml/2006/chart" xmlns:r="http://schemas.openxmlformats.org/officeDocument/2006/relationships" r:id="rId3"/>
+          </a:graphicData>
+        </a:graphic>
+      </p:graphicFrame>
     </p:spTree>
     <p:extLst>
       <p:ext uri="{BB962C8B-B14F-4D97-AF65-F5344CB8AC3E}">
-        <p14:creationId xmlns:p14="http://schemas.microsoft.com/office/powerpoint/2010/main" val="1964599825"/>
+        <p14:creationId xmlns:p14="http://schemas.microsoft.com/office/powerpoint/2010/main" val="204220882"/>
       </p:ext>
     </p:extLst>
   </p:cSld>
   <p:clrMapOvr>
     <a:masterClrMapping/>
   </p:clrMapOvr>
-  <mc:AlternateContent xmlns:mc="http://schemas.openxmlformats.org/markup-compatibility/2006">
-    <mc:Choice xmlns:p14="http://schemas.microsoft.com/office/powerpoint/2010/main" Requires="p14">
-      <p:transition spd="slow" p14:dur="800">
-        <p14:flythrough dir="out"/>
+  <mc:AlternateContent xmlns:mc="http://schemas.openxmlformats.org/markup-compatibility/2006" xmlns:p14="http://schemas.microsoft.com/office/powerpoint/2010/main">
+    <mc:Choice Requires="p14">
+      <p:transition spd="slow" p14:dur="1300">
+        <p14:pan dir="u"/>
       </p:transition>
     </mc:Choice>
-    <mc:Fallback>
+    <mc:Fallback xmlns="">
       <p:transition spd="slow">
         <p:fade/>
       </p:transition>
@@ -26216,12 +29295,12 @@
       </p:grpSpPr>
       <p:sp>
         <p:nvSpPr>
-          <p:cNvPr id="8" name="Title 7"/>
+          <p:cNvPr id="2" name="Title 1"/>
           <p:cNvSpPr>
             <a:spLocks noGrp="1"/>
           </p:cNvSpPr>
           <p:nvPr>
-            <p:ph type="ctrTitle"/>
+            <p:ph type="title"/>
           </p:nvPr>
         </p:nvSpPr>
         <p:spPr/>
@@ -26231,29 +29310,55 @@
           <a:p>
             <a:r>
               <a:rPr lang="en-US" dirty="0" smtClean="0"/>
-              <a:t>Demonstration</a:t>
+              <a:t>Screen Flow</a:t>
             </a:r>
             <a:endParaRPr lang="en-US" dirty="0"/>
           </a:p>
         </p:txBody>
       </p:sp>
+      <p:pic>
+        <p:nvPicPr>
+          <p:cNvPr id="4" name="Content Placeholder 3" descr="09_29_15_c4 Screen Flow.png"/>
+          <p:cNvPicPr>
+            <a:picLocks noGrp="1"/>
+          </p:cNvPicPr>
+          <p:nvPr>
+            <p:ph idx="1"/>
+          </p:nvPr>
+        </p:nvPicPr>
+        <p:blipFill>
+          <a:blip r:embed="rId2"/>
+          <a:stretch>
+            <a:fillRect/>
+          </a:stretch>
+        </p:blipFill>
+        <p:spPr>
+          <a:xfrm>
+            <a:off x="2075338" y="2011363"/>
+            <a:ext cx="7955599" cy="3767137"/>
+          </a:xfrm>
+          <a:prstGeom prst="rect">
+            <a:avLst/>
+          </a:prstGeom>
+        </p:spPr>
+      </p:pic>
     </p:spTree>
     <p:extLst>
       <p:ext uri="{BB962C8B-B14F-4D97-AF65-F5344CB8AC3E}">
-        <p14:creationId xmlns:p14="http://schemas.microsoft.com/office/powerpoint/2010/main" val="1198513787"/>
+        <p14:creationId xmlns:p14="http://schemas.microsoft.com/office/powerpoint/2010/main" val="1964599825"/>
       </p:ext>
     </p:extLst>
   </p:cSld>
   <p:clrMapOvr>
     <a:masterClrMapping/>
   </p:clrMapOvr>
-  <mc:AlternateContent xmlns:mc="http://schemas.openxmlformats.org/markup-compatibility/2006">
-    <mc:Choice xmlns:p14="http://schemas.microsoft.com/office/powerpoint/2010/main" Requires="p14">
+  <mc:AlternateContent xmlns:mc="http://schemas.openxmlformats.org/markup-compatibility/2006" xmlns:p14="http://schemas.microsoft.com/office/powerpoint/2010/main">
+    <mc:Choice Requires="p14">
       <p:transition spd="slow" p14:dur="800">
         <p14:flythrough dir="out"/>
       </p:transition>
     </mc:Choice>
-    <mc:Fallback>
+    <mc:Fallback xmlns="">
       <p:transition spd="slow">
         <p:fade/>
       </p:transition>
@@ -26296,19 +29401,14 @@
             <p:ph type="ctrTitle"/>
           </p:nvPr>
         </p:nvSpPr>
-        <p:spPr>
-          <a:xfrm>
-            <a:off x="603504" y="1752600"/>
-            <a:ext cx="10782300" cy="3352800"/>
-          </a:xfrm>
-        </p:spPr>
+        <p:spPr/>
         <p:txBody>
-          <a:bodyPr anchor="ctr"/>
+          <a:bodyPr/>
           <a:lstStyle/>
           <a:p>
             <a:r>
               <a:rPr lang="en-US" dirty="0" smtClean="0"/>
-              <a:t>Summary of Findings, Conclusions, and Recommendations</a:t>
+              <a:t>Demonstration</a:t>
             </a:r>
             <a:endParaRPr lang="en-US" dirty="0"/>
           </a:p>
@@ -26317,7 +29417,7 @@
     </p:spTree>
     <p:extLst>
       <p:ext uri="{BB962C8B-B14F-4D97-AF65-F5344CB8AC3E}">
-        <p14:creationId xmlns:p14="http://schemas.microsoft.com/office/powerpoint/2010/main" val="1840556163"/>
+        <p14:creationId xmlns:p14="http://schemas.microsoft.com/office/powerpoint/2010/main" val="1198513787"/>
       </p:ext>
     </p:extLst>
   </p:cSld>
@@ -26326,12 +29426,12 @@
   </p:clrMapOvr>
   <mc:AlternateContent xmlns:mc="http://schemas.openxmlformats.org/markup-compatibility/2006" xmlns:p14="http://schemas.microsoft.com/office/powerpoint/2010/main">
     <mc:Choice Requires="p14">
-      <p:transition spd="med" p14:dur="700">
-        <p:fade/>
+      <p:transition spd="slow" p14:dur="800">
+        <p14:flythrough dir="out"/>
       </p:transition>
     </mc:Choice>
     <mc:Fallback xmlns="">
-      <p:transition spd="med">
+      <p:transition spd="slow">
         <p:fade/>
       </p:transition>
     </mc:Fallback>
@@ -26365,17 +29465,22 @@
       </p:grpSpPr>
       <p:sp>
         <p:nvSpPr>
-          <p:cNvPr id="2" name="Title 1"/>
+          <p:cNvPr id="8" name="Title 7"/>
           <p:cNvSpPr>
             <a:spLocks noGrp="1"/>
           </p:cNvSpPr>
           <p:nvPr>
-            <p:ph type="title"/>
+            <p:ph type="ctrTitle"/>
           </p:nvPr>
         </p:nvSpPr>
-        <p:spPr/>
+        <p:spPr>
+          <a:xfrm>
+            <a:off x="603504" y="1752600"/>
+            <a:ext cx="10782300" cy="3352800"/>
+          </a:xfrm>
+        </p:spPr>
         <p:txBody>
-          <a:bodyPr/>
+          <a:bodyPr anchor="ctr"/>
           <a:lstStyle/>
           <a:p>
             <a:r>
@@ -26383,129 +29488,13 @@
               <a:t>Summary of Findings, Conclusions, and Recommendations</a:t>
             </a:r>
             <a:endParaRPr lang="en-US" dirty="0"/>
-          </a:p>
-        </p:txBody>
-      </p:sp>
-      <p:sp>
-        <p:nvSpPr>
-          <p:cNvPr id="3" name="Content Placeholder 2"/>
-          <p:cNvSpPr>
-            <a:spLocks noGrp="1"/>
-          </p:cNvSpPr>
-          <p:nvPr>
-            <p:ph idx="1"/>
-          </p:nvPr>
-        </p:nvSpPr>
-        <p:spPr/>
-        <p:txBody>
-          <a:bodyPr/>
-          <a:lstStyle/>
-          <a:p>
-            <a:r>
-              <a:rPr lang="en-US" dirty="0">
-                <a:solidFill>
-                  <a:schemeClr val="tx1">
-                    <a:lumMod val="65000"/>
-                    <a:lumOff val="35000"/>
-                  </a:schemeClr>
-                </a:solidFill>
-              </a:rPr>
-              <a:t>Utilizing the </a:t>
-            </a:r>
-            <a:r>
-              <a:rPr lang="en-US" dirty="0" err="1">
-                <a:solidFill>
-                  <a:schemeClr val="tx1">
-                    <a:lumMod val="65000"/>
-                    <a:lumOff val="35000"/>
-                  </a:schemeClr>
-                </a:solidFill>
-              </a:rPr>
-              <a:t>Kangas</a:t>
-            </a:r>
-            <a:r>
-              <a:rPr lang="en-US" dirty="0">
-                <a:solidFill>
-                  <a:schemeClr val="tx1">
-                    <a:lumMod val="65000"/>
-                    <a:lumOff val="35000"/>
-                  </a:schemeClr>
-                </a:solidFill>
-              </a:rPr>
-              <a:t> et. al algorithm, smartphones are capable of detecting falls from waist height, calculating if an impact has occurred, and determining if there has been a rapid orientation change</a:t>
-            </a:r>
-            <a:r>
-              <a:rPr lang="en-US" dirty="0" smtClean="0">
-                <a:solidFill>
-                  <a:schemeClr val="tx1">
-                    <a:lumMod val="65000"/>
-                    <a:lumOff val="35000"/>
-                  </a:schemeClr>
-                </a:solidFill>
-              </a:rPr>
-              <a:t>.</a:t>
-            </a:r>
-          </a:p>
-          <a:p>
-            <a:r>
-              <a:rPr lang="en-US" dirty="0">
-                <a:solidFill>
-                  <a:schemeClr val="tx1">
-                    <a:lumMod val="65000"/>
-                    <a:lumOff val="35000"/>
-                  </a:schemeClr>
-                </a:solidFill>
-              </a:rPr>
-              <a:t>T</a:t>
-            </a:r>
-            <a:r>
-              <a:rPr lang="en-US" dirty="0" smtClean="0">
-                <a:solidFill>
-                  <a:schemeClr val="tx1">
-                    <a:lumMod val="65000"/>
-                    <a:lumOff val="35000"/>
-                  </a:schemeClr>
-                </a:solidFill>
-              </a:rPr>
-              <a:t>he </a:t>
-            </a:r>
-            <a:r>
-              <a:rPr lang="en-US" dirty="0">
-                <a:solidFill>
-                  <a:schemeClr val="tx1">
-                    <a:lumMod val="65000"/>
-                    <a:lumOff val="35000"/>
-                  </a:schemeClr>
-                </a:solidFill>
-              </a:rPr>
-              <a:t>Android operating system has features that are more than capable of building such an application. Programmers have access to tools that allow sensor manipulation and location tracking which aids in building a reliable smartphone </a:t>
-            </a:r>
-            <a:r>
-              <a:rPr lang="en-US" dirty="0" smtClean="0">
-                <a:solidFill>
-                  <a:schemeClr val="tx1">
-                    <a:lumMod val="65000"/>
-                    <a:lumOff val="35000"/>
-                  </a:schemeClr>
-                </a:solidFill>
-              </a:rPr>
-              <a:t>application.</a:t>
-            </a:r>
-            <a:endParaRPr lang="en-US" dirty="0">
-              <a:solidFill>
-                <a:schemeClr val="tx1">
-                  <a:lumMod val="65000"/>
-                  <a:lumOff val="35000"/>
-                </a:schemeClr>
-              </a:solidFill>
-            </a:endParaRPr>
           </a:p>
         </p:txBody>
       </p:sp>
     </p:spTree>
     <p:extLst>
       <p:ext uri="{BB962C8B-B14F-4D97-AF65-F5344CB8AC3E}">
-        <p14:creationId xmlns:p14="http://schemas.microsoft.com/office/powerpoint/2010/main" val="3771852734"/>
+        <p14:creationId xmlns:p14="http://schemas.microsoft.com/office/powerpoint/2010/main" val="1840556163"/>
       </p:ext>
     </p:extLst>
   </p:cSld>
@@ -26514,12 +29503,12 @@
   </p:clrMapOvr>
   <mc:AlternateContent xmlns:mc="http://schemas.openxmlformats.org/markup-compatibility/2006" xmlns:p14="http://schemas.microsoft.com/office/powerpoint/2010/main">
     <mc:Choice Requires="p14">
-      <p:transition spd="slow" p14:dur="1300">
-        <p14:pan dir="u"/>
+      <p:transition spd="med" p14:dur="700">
+        <p:fade/>
       </p:transition>
     </mc:Choice>
     <mc:Fallback xmlns="">
-      <p:transition spd="slow">
+      <p:transition spd="med">
         <p:fade/>
       </p:transition>
     </mc:Fallback>
@@ -26568,7 +29557,7 @@
           <a:p>
             <a:r>
               <a:rPr lang="en-US" dirty="0" smtClean="0"/>
-              <a:t>Summary of Findings, Conclusions, and Recommendations (cont.)</a:t>
+              <a:t>Summary of Findings, Conclusions, and Recommendations</a:t>
             </a:r>
             <a:endParaRPr lang="en-US" dirty="0"/>
           </a:p>
@@ -26590,6 +29579,39 @@
           <a:lstStyle/>
           <a:p>
             <a:r>
+              <a:rPr lang="en-US" dirty="0">
+                <a:solidFill>
+                  <a:schemeClr val="tx1">
+                    <a:lumMod val="65000"/>
+                    <a:lumOff val="35000"/>
+                  </a:schemeClr>
+                </a:solidFill>
+              </a:rPr>
+              <a:t>Utilizing the </a:t>
+            </a:r>
+            <a:r>
+              <a:rPr lang="en-US" dirty="0" err="1">
+                <a:solidFill>
+                  <a:schemeClr val="tx1">
+                    <a:lumMod val="65000"/>
+                    <a:lumOff val="35000"/>
+                  </a:schemeClr>
+                </a:solidFill>
+              </a:rPr>
+              <a:t>Kangas</a:t>
+            </a:r>
+            <a:r>
+              <a:rPr lang="en-US" dirty="0">
+                <a:solidFill>
+                  <a:schemeClr val="tx1">
+                    <a:lumMod val="65000"/>
+                    <a:lumOff val="35000"/>
+                  </a:schemeClr>
+                </a:solidFill>
+              </a:rPr>
+              <a:t> et. al algorithm, smartphones are capable of detecting falls from waist height, calculating if an impact has occurred, and determining if there has been a rapid orientation change</a:t>
+            </a:r>
+            <a:r>
               <a:rPr lang="en-US" dirty="0" smtClean="0">
                 <a:solidFill>
                   <a:schemeClr val="tx1">
@@ -26598,8 +29620,10 @@
                   </a:schemeClr>
                 </a:solidFill>
               </a:rPr>
-              <a:t>The </a:t>
-            </a:r>
+              <a:t>.</a:t>
+            </a:r>
+          </a:p>
+          <a:p>
             <a:r>
               <a:rPr lang="en-US" dirty="0">
                 <a:solidFill>
@@ -26609,7 +29633,7 @@
                   </a:schemeClr>
                 </a:solidFill>
               </a:rPr>
-              <a:t>researchers found there was a low upper limit to the values the accelerometer can </a:t>
+              <a:t>T</a:t>
             </a:r>
             <a:r>
               <a:rPr lang="en-US" dirty="0" smtClean="0">
@@ -26620,7 +29644,29 @@
                   </a:schemeClr>
                 </a:solidFill>
               </a:rPr>
-              <a:t>obtain, which resulted in an upper limit for the sum vector (3.464031g)</a:t>
+              <a:t>he </a:t>
+            </a:r>
+            <a:r>
+              <a:rPr lang="en-US" dirty="0">
+                <a:solidFill>
+                  <a:schemeClr val="tx1">
+                    <a:lumMod val="65000"/>
+                    <a:lumOff val="35000"/>
+                  </a:schemeClr>
+                </a:solidFill>
+              </a:rPr>
+              <a:t>Android operating system has features that are more than capable of building such an application. Programmers have access to tools that allow sensor manipulation and location tracking which aids in building a reliable smartphone </a:t>
+            </a:r>
+            <a:r>
+              <a:rPr lang="en-US" dirty="0" smtClean="0">
+                <a:solidFill>
+                  <a:schemeClr val="tx1">
+                    <a:lumMod val="65000"/>
+                    <a:lumOff val="35000"/>
+                  </a:schemeClr>
+                </a:solidFill>
+              </a:rPr>
+              <a:t>application.</a:t>
             </a:r>
             <a:endParaRPr lang="en-US" dirty="0">
               <a:solidFill>
@@ -26631,67 +29677,12 @@
               </a:solidFill>
             </a:endParaRPr>
           </a:p>
-          <a:p>
-            <a:r>
-              <a:rPr lang="en-US" dirty="0" smtClean="0">
-                <a:solidFill>
-                  <a:schemeClr val="tx1">
-                    <a:lumMod val="65000"/>
-                    <a:lumOff val="35000"/>
-                  </a:schemeClr>
-                </a:solidFill>
-              </a:rPr>
-              <a:t>Further </a:t>
-            </a:r>
-            <a:r>
-              <a:rPr lang="en-US" dirty="0">
-                <a:solidFill>
-                  <a:schemeClr val="tx1">
-                    <a:lumMod val="65000"/>
-                    <a:lumOff val="35000"/>
-                  </a:schemeClr>
-                </a:solidFill>
-              </a:rPr>
-              <a:t>testing should be done to see if it is viable for detection of accidents with larger scopes, higher falls, and bigger situations. i.e. real motorcycle accidents </a:t>
-            </a:r>
-            <a:endParaRPr lang="en-US" dirty="0" smtClean="0">
-              <a:solidFill>
-                <a:schemeClr val="tx1">
-                  <a:lumMod val="65000"/>
-                  <a:lumOff val="35000"/>
-                </a:schemeClr>
-              </a:solidFill>
-            </a:endParaRPr>
-          </a:p>
-          <a:p>
-            <a:endParaRPr lang="en-US" dirty="0" smtClean="0">
-              <a:solidFill>
-                <a:schemeClr val="tx1">
-                  <a:lumMod val="65000"/>
-                  <a:lumOff val="35000"/>
-                </a:schemeClr>
-              </a:solidFill>
-            </a:endParaRPr>
-          </a:p>
-          <a:p>
-            <a:r>
-              <a:rPr lang="en-US" dirty="0">
-                <a:solidFill>
-                  <a:schemeClr val="tx1">
-                    <a:lumMod val="65000"/>
-                    <a:lumOff val="35000"/>
-                  </a:schemeClr>
-                </a:solidFill>
-              </a:rPr>
-              <a:t>The researchers also found that location tracking does not require any subscription to a mobile data plan. Initially this was the assumption, however upon development and testing, the location of the application user can in fact be determined with the smartphone’s GPS capabilities or nearby cell towers without spending currency on a data plan. </a:t>
-            </a:r>
-          </a:p>
         </p:txBody>
       </p:sp>
     </p:spTree>
     <p:extLst>
       <p:ext uri="{BB962C8B-B14F-4D97-AF65-F5344CB8AC3E}">
-        <p14:creationId xmlns:p14="http://schemas.microsoft.com/office/powerpoint/2010/main" val="1870283572"/>
+        <p14:creationId xmlns:p14="http://schemas.microsoft.com/office/powerpoint/2010/main" val="3771852734"/>
       </p:ext>
     </p:extLst>
   </p:cSld>
@@ -26784,10 +29775,19 @@
                   </a:schemeClr>
                 </a:solidFill>
               </a:rPr>
-              <a:t>Improved user interface</a:t>
-            </a:r>
-          </a:p>
-          <a:p>
+              <a:t>The </a:t>
+            </a:r>
+            <a:r>
+              <a:rPr lang="en-US" dirty="0">
+                <a:solidFill>
+                  <a:schemeClr val="tx1">
+                    <a:lumMod val="65000"/>
+                    <a:lumOff val="35000"/>
+                  </a:schemeClr>
+                </a:solidFill>
+              </a:rPr>
+              <a:t>researchers found there was a low upper limit to the values the accelerometer can </a:t>
+            </a:r>
             <a:r>
               <a:rPr lang="en-US" dirty="0" smtClean="0">
                 <a:solidFill>
@@ -26797,8 +29797,16 @@
                   </a:schemeClr>
                 </a:solidFill>
               </a:rPr>
-              <a:t>Multipart text messages</a:t>
-            </a:r>
+              <a:t>obtain, which resulted in an upper limit for the sum vector (3.464031g)</a:t>
+            </a:r>
+            <a:endParaRPr lang="en-US" dirty="0">
+              <a:solidFill>
+                <a:schemeClr val="tx1">
+                  <a:lumMod val="65000"/>
+                  <a:lumOff val="35000"/>
+                </a:schemeClr>
+              </a:solidFill>
+            </a:endParaRPr>
           </a:p>
           <a:p>
             <a:r>
@@ -26810,12 +29818,10 @@
                   </a:schemeClr>
                 </a:solidFill>
               </a:rPr>
-              <a:t>Background service</a:t>
-            </a:r>
-          </a:p>
-          <a:p>
-            <a:r>
-              <a:rPr lang="en-US" dirty="0" smtClean="0">
+              <a:t>Further </a:t>
+            </a:r>
+            <a:r>
+              <a:rPr lang="en-US" dirty="0">
                 <a:solidFill>
                   <a:schemeClr val="tx1">
                     <a:lumMod val="65000"/>
@@ -26823,9 +29829,9 @@
                   </a:schemeClr>
                 </a:solidFill>
               </a:rPr>
-              <a:t>Connection to city Emergency Response Units</a:t>
-            </a:r>
-            <a:endParaRPr lang="en-US" dirty="0">
+              <a:t>testing should be done to see if it is viable for detection of accidents with larger scopes, higher falls, and bigger situations. i.e. real motorcycle accidents </a:t>
+            </a:r>
+            <a:endParaRPr lang="en-US" dirty="0" smtClean="0">
               <a:solidFill>
                 <a:schemeClr val="tx1">
                   <a:lumMod val="65000"/>
@@ -26834,12 +29840,35 @@
               </a:solidFill>
             </a:endParaRPr>
           </a:p>
+          <a:p>
+            <a:endParaRPr lang="en-US" dirty="0" smtClean="0">
+              <a:solidFill>
+                <a:schemeClr val="tx1">
+                  <a:lumMod val="65000"/>
+                  <a:lumOff val="35000"/>
+                </a:schemeClr>
+              </a:solidFill>
+            </a:endParaRPr>
+          </a:p>
+          <a:p>
+            <a:r>
+              <a:rPr lang="en-US" dirty="0">
+                <a:solidFill>
+                  <a:schemeClr val="tx1">
+                    <a:lumMod val="65000"/>
+                    <a:lumOff val="35000"/>
+                  </a:schemeClr>
+                </a:solidFill>
+              </a:rPr>
+              <a:t>The researchers also found that location tracking does not require any subscription to a mobile data plan. Initially this was the assumption, however upon development and testing, the location of the application user can in fact be determined with the smartphone’s GPS capabilities or nearby cell towers without spending currency on a data plan. </a:t>
+            </a:r>
+          </a:p>
         </p:txBody>
       </p:sp>
     </p:spTree>
     <p:extLst>
       <p:ext uri="{BB962C8B-B14F-4D97-AF65-F5344CB8AC3E}">
-        <p14:creationId xmlns:p14="http://schemas.microsoft.com/office/powerpoint/2010/main" val="2497890851"/>
+        <p14:creationId xmlns:p14="http://schemas.microsoft.com/office/powerpoint/2010/main" val="1870283572"/>
       </p:ext>
     </p:extLst>
   </p:cSld>
@@ -26887,6 +29916,154 @@
       </p:grpSpPr>
       <p:sp>
         <p:nvSpPr>
+          <p:cNvPr id="2" name="Title 1"/>
+          <p:cNvSpPr>
+            <a:spLocks noGrp="1"/>
+          </p:cNvSpPr>
+          <p:nvPr>
+            <p:ph type="title"/>
+          </p:nvPr>
+        </p:nvSpPr>
+        <p:spPr/>
+        <p:txBody>
+          <a:bodyPr/>
+          <a:lstStyle/>
+          <a:p>
+            <a:r>
+              <a:rPr lang="en-US" dirty="0" smtClean="0"/>
+              <a:t>Summary of Findings, Conclusions, and Recommendations (cont.)</a:t>
+            </a:r>
+            <a:endParaRPr lang="en-US" dirty="0"/>
+          </a:p>
+        </p:txBody>
+      </p:sp>
+      <p:sp>
+        <p:nvSpPr>
+          <p:cNvPr id="3" name="Content Placeholder 2"/>
+          <p:cNvSpPr>
+            <a:spLocks noGrp="1"/>
+          </p:cNvSpPr>
+          <p:nvPr>
+            <p:ph idx="1"/>
+          </p:nvPr>
+        </p:nvSpPr>
+        <p:spPr/>
+        <p:txBody>
+          <a:bodyPr/>
+          <a:lstStyle/>
+          <a:p>
+            <a:r>
+              <a:rPr lang="en-US" dirty="0" smtClean="0">
+                <a:solidFill>
+                  <a:schemeClr val="tx1">
+                    <a:lumMod val="65000"/>
+                    <a:lumOff val="35000"/>
+                  </a:schemeClr>
+                </a:solidFill>
+              </a:rPr>
+              <a:t>Improved user interface</a:t>
+            </a:r>
+          </a:p>
+          <a:p>
+            <a:r>
+              <a:rPr lang="en-US" dirty="0" smtClean="0">
+                <a:solidFill>
+                  <a:schemeClr val="tx1">
+                    <a:lumMod val="65000"/>
+                    <a:lumOff val="35000"/>
+                  </a:schemeClr>
+                </a:solidFill>
+              </a:rPr>
+              <a:t>Multipart text messages</a:t>
+            </a:r>
+          </a:p>
+          <a:p>
+            <a:r>
+              <a:rPr lang="en-US" dirty="0" smtClean="0">
+                <a:solidFill>
+                  <a:schemeClr val="tx1">
+                    <a:lumMod val="65000"/>
+                    <a:lumOff val="35000"/>
+                  </a:schemeClr>
+                </a:solidFill>
+              </a:rPr>
+              <a:t>Background service</a:t>
+            </a:r>
+          </a:p>
+          <a:p>
+            <a:r>
+              <a:rPr lang="en-US" dirty="0" smtClean="0">
+                <a:solidFill>
+                  <a:schemeClr val="tx1">
+                    <a:lumMod val="65000"/>
+                    <a:lumOff val="35000"/>
+                  </a:schemeClr>
+                </a:solidFill>
+              </a:rPr>
+              <a:t>Connect to city Emergency Response Units</a:t>
+            </a:r>
+            <a:endParaRPr lang="en-US" dirty="0">
+              <a:solidFill>
+                <a:schemeClr val="tx1">
+                  <a:lumMod val="65000"/>
+                  <a:lumOff val="35000"/>
+                </a:schemeClr>
+              </a:solidFill>
+            </a:endParaRPr>
+          </a:p>
+        </p:txBody>
+      </p:sp>
+    </p:spTree>
+    <p:extLst>
+      <p:ext uri="{BB962C8B-B14F-4D97-AF65-F5344CB8AC3E}">
+        <p14:creationId xmlns:p14="http://schemas.microsoft.com/office/powerpoint/2010/main" val="2497890851"/>
+      </p:ext>
+    </p:extLst>
+  </p:cSld>
+  <p:clrMapOvr>
+    <a:masterClrMapping/>
+  </p:clrMapOvr>
+  <mc:AlternateContent xmlns:mc="http://schemas.openxmlformats.org/markup-compatibility/2006" xmlns:p14="http://schemas.microsoft.com/office/powerpoint/2010/main">
+    <mc:Choice Requires="p14">
+      <p:transition spd="slow" p14:dur="1300">
+        <p14:pan dir="u"/>
+      </p:transition>
+    </mc:Choice>
+    <mc:Fallback xmlns="">
+      <p:transition spd="slow">
+        <p:fade/>
+      </p:transition>
+    </mc:Fallback>
+  </mc:AlternateContent>
+  <p:timing>
+    <p:tnLst>
+      <p:par>
+        <p:cTn id="1" dur="indefinite" restart="never" nodeType="tmRoot"/>
+      </p:par>
+    </p:tnLst>
+  </p:timing>
+</p:sld>
+</file>
+
+<file path=ppt/slides/slide36.xml><?xml version="1.0" encoding="utf-8"?>
+<p:sld xmlns:a="http://schemas.openxmlformats.org/drawingml/2006/main" xmlns:r="http://schemas.openxmlformats.org/officeDocument/2006/relationships" xmlns:p="http://schemas.openxmlformats.org/presentationml/2006/main">
+  <p:cSld>
+    <p:spTree>
+      <p:nvGrpSpPr>
+        <p:cNvPr id="1" name=""/>
+        <p:cNvGrpSpPr/>
+        <p:nvPr/>
+      </p:nvGrpSpPr>
+      <p:grpSpPr>
+        <a:xfrm>
+          <a:off x="0" y="0"/>
+          <a:ext cx="0" cy="0"/>
+          <a:chOff x="0" y="0"/>
+          <a:chExt cx="0" cy="0"/>
+        </a:xfrm>
+      </p:grpSpPr>
+      <p:sp>
+        <p:nvSpPr>
           <p:cNvPr id="8" name="Title 7"/>
           <p:cNvSpPr>
             <a:spLocks noGrp="1"/>
@@ -26895,7 +30072,12 @@
             <p:ph type="ctrTitle"/>
           </p:nvPr>
         </p:nvSpPr>
-        <p:spPr/>
+        <p:spPr>
+          <a:xfrm>
+            <a:off x="704850" y="1752600"/>
+            <a:ext cx="10782300" cy="3352800"/>
+          </a:xfrm>
+        </p:spPr>
         <p:txBody>
           <a:bodyPr/>
           <a:lstStyle/>
@@ -26903,7 +30085,29 @@
             <a:pPr algn="ctr"/>
             <a:r>
               <a:rPr lang="en-US" dirty="0" smtClean="0"/>
-              <a:t>Thank you</a:t>
+              <a:t>Thank you!</a:t>
+            </a:r>
+            <a:br>
+              <a:rPr lang="en-US" dirty="0" smtClean="0"/>
+            </a:br>
+            <a:r>
+              <a:rPr lang="ja-JP" altLang="en-US" dirty="0"/>
+              <a:t>ありがとうございます</a:t>
+            </a:r>
+            <a:r>
+              <a:rPr lang="en-US" dirty="0"/>
+              <a:t/>
+            </a:r>
+            <a:br>
+              <a:rPr lang="en-US" dirty="0"/>
+            </a:br>
+            <a:r>
+              <a:rPr lang="zh-CN" altLang="en-US" dirty="0"/>
+              <a:t>非常謝</a:t>
+            </a:r>
+            <a:r>
+              <a:rPr lang="zh-CN" altLang="en-US" dirty="0" smtClean="0"/>
+              <a:t>謝</a:t>
             </a:r>
             <a:endParaRPr lang="en-US" dirty="0"/>
           </a:p>
@@ -26919,13 +30123,13 @@
   <p:clrMapOvr>
     <a:masterClrMapping/>
   </p:clrMapOvr>
-  <mc:AlternateContent xmlns:mc="http://schemas.openxmlformats.org/markup-compatibility/2006">
-    <mc:Choice xmlns:p14="http://schemas.microsoft.com/office/powerpoint/2010/main" Requires="p14">
+  <mc:AlternateContent xmlns:mc="http://schemas.openxmlformats.org/markup-compatibility/2006" xmlns:p14="http://schemas.microsoft.com/office/powerpoint/2010/main">
+    <mc:Choice Requires="p14">
       <p:transition spd="slow" p14:dur="2000">
         <p14:flythrough dir="out"/>
       </p:transition>
     </mc:Choice>
-    <mc:Fallback>
+    <mc:Fallback xmlns="">
       <p:transition spd="slow">
         <p:fade/>
       </p:transition>
@@ -27484,13 +30688,13 @@
   <p:clrMapOvr>
     <a:masterClrMapping/>
   </p:clrMapOvr>
-  <mc:AlternateContent xmlns:mc="http://schemas.openxmlformats.org/markup-compatibility/2006">
-    <mc:Choice xmlns:p14="http://schemas.microsoft.com/office/powerpoint/2010/main" Requires="p14">
+  <mc:AlternateContent xmlns:mc="http://schemas.openxmlformats.org/markup-compatibility/2006" xmlns:p14="http://schemas.microsoft.com/office/powerpoint/2010/main">
+    <mc:Choice Requires="p14">
       <p:transition spd="med" p14:dur="700">
         <p:fade/>
       </p:transition>
     </mc:Choice>
-    <mc:Fallback>
+    <mc:Fallback xmlns="">
       <p:transition spd="med">
         <p:fade/>
       </p:transition>
@@ -27557,7 +30761,7 @@
           </p:nvPr>
         </p:nvPicPr>
         <p:blipFill>
-          <a:blip r:embed="rId2">
+          <a:blip r:embed="rId3">
             <a:extLst>
               <a:ext uri="{28A0092B-C50C-407E-A947-70E740481C1C}">
                 <a14:useLocalDpi xmlns:a14="http://schemas.microsoft.com/office/drawing/2010/main" val="0"/>
@@ -27586,7 +30790,7 @@
           <p:nvPr/>
         </p:nvPicPr>
         <p:blipFill>
-          <a:blip r:embed="rId3">
+          <a:blip r:embed="rId4">
             <a:extLst>
               <a:ext uri="{28A0092B-C50C-407E-A947-70E740481C1C}">
                 <a14:useLocalDpi xmlns:a14="http://schemas.microsoft.com/office/drawing/2010/main" val="0"/>
@@ -27616,7 +30820,7 @@
           <p:nvPr/>
         </p:nvPicPr>
         <p:blipFill>
-          <a:blip r:embed="rId4">
+          <a:blip r:embed="rId5">
             <a:extLst>
               <a:ext uri="{28A0092B-C50C-407E-A947-70E740481C1C}">
                 <a14:useLocalDpi xmlns:a14="http://schemas.microsoft.com/office/drawing/2010/main" val="0"/>
@@ -27646,7 +30850,7 @@
           <p:nvPr/>
         </p:nvPicPr>
         <p:blipFill>
-          <a:blip r:embed="rId5">
+          <a:blip r:embed="rId6">
             <a:extLst>
               <a:ext uri="{28A0092B-C50C-407E-A947-70E740481C1C}">
                 <a14:useLocalDpi xmlns:a14="http://schemas.microsoft.com/office/drawing/2010/main" val="0"/>
@@ -27677,13 +30881,13 @@
   <p:clrMapOvr>
     <a:masterClrMapping/>
   </p:clrMapOvr>
-  <mc:AlternateContent xmlns:mc="http://schemas.openxmlformats.org/markup-compatibility/2006">
-    <mc:Choice xmlns:p14="http://schemas.microsoft.com/office/powerpoint/2010/main" Requires="p14">
+  <mc:AlternateContent xmlns:mc="http://schemas.openxmlformats.org/markup-compatibility/2006" xmlns:p14="http://schemas.microsoft.com/office/powerpoint/2010/main">
+    <mc:Choice Requires="p14">
       <p:transition spd="slow" p14:dur="1300">
         <p14:pan dir="u"/>
       </p:transition>
     </mc:Choice>
-    <mc:Fallback>
+    <mc:Fallback xmlns="">
       <p:transition spd="slow">
         <p:fade/>
       </p:transition>
@@ -27771,7 +30975,7 @@
           </p:nvPr>
         </p:nvPicPr>
         <p:blipFill>
-          <a:blip r:embed="rId2">
+          <a:blip r:embed="rId3">
             <a:extLst>
               <a:ext uri="{28A0092B-C50C-407E-A947-70E740481C1C}">
                 <a14:useLocalDpi xmlns:a14="http://schemas.microsoft.com/office/drawing/2010/main" val="0"/>
@@ -27803,13 +31007,13 @@
   <p:clrMapOvr>
     <a:masterClrMapping/>
   </p:clrMapOvr>
-  <mc:AlternateContent xmlns:mc="http://schemas.openxmlformats.org/markup-compatibility/2006">
-    <mc:Choice xmlns:p14="http://schemas.microsoft.com/office/powerpoint/2010/main" Requires="p14">
+  <mc:AlternateContent xmlns:mc="http://schemas.openxmlformats.org/markup-compatibility/2006" xmlns:p14="http://schemas.microsoft.com/office/powerpoint/2010/main">
+    <mc:Choice Requires="p14">
       <p:transition spd="slow" p14:dur="1300">
         <p14:pan dir="u"/>
       </p:transition>
     </mc:Choice>
-    <mc:Fallback>
+    <mc:Fallback xmlns="">
       <p:transition spd="slow">
         <p:fade/>
       </p:transition>
@@ -27876,7 +31080,7 @@
           </p:nvPr>
         </p:nvPicPr>
         <p:blipFill>
-          <a:blip r:embed="rId2">
+          <a:blip r:embed="rId3">
             <a:extLst>
               <a:ext uri="{28A0092B-C50C-407E-A947-70E740481C1C}">
                 <a14:useLocalDpi xmlns:a14="http://schemas.microsoft.com/office/drawing/2010/main" val="0"/>
@@ -27981,7 +31185,7 @@
           <p:nvPr/>
         </p:nvPicPr>
         <p:blipFill>
-          <a:blip r:embed="rId3">
+          <a:blip r:embed="rId4">
             <a:extLst>
               <a:ext uri="{28A0092B-C50C-407E-A947-70E740481C1C}">
                 <a14:useLocalDpi xmlns:a14="http://schemas.microsoft.com/office/drawing/2010/main" val="0"/>
@@ -28011,7 +31215,7 @@
           <p:nvPr/>
         </p:nvPicPr>
         <p:blipFill>
-          <a:blip r:embed="rId4">
+          <a:blip r:embed="rId5">
             <a:extLst>
               <a:ext uri="{28A0092B-C50C-407E-A947-70E740481C1C}">
                 <a14:useLocalDpi xmlns:a14="http://schemas.microsoft.com/office/drawing/2010/main" val="0"/>
@@ -28041,7 +31245,7 @@
           <p:nvPr/>
         </p:nvPicPr>
         <p:blipFill>
-          <a:blip r:embed="rId5">
+          <a:blip r:embed="rId6">
             <a:extLst>
               <a:ext uri="{28A0092B-C50C-407E-A947-70E740481C1C}">
                 <a14:useLocalDpi xmlns:a14="http://schemas.microsoft.com/office/drawing/2010/main" val="0"/>
@@ -28072,13 +31276,13 @@
   <p:clrMapOvr>
     <a:masterClrMapping/>
   </p:clrMapOvr>
-  <mc:AlternateContent xmlns:mc="http://schemas.openxmlformats.org/markup-compatibility/2006">
-    <mc:Choice xmlns:p14="http://schemas.microsoft.com/office/powerpoint/2010/main" Requires="p14">
+  <mc:AlternateContent xmlns:mc="http://schemas.openxmlformats.org/markup-compatibility/2006" xmlns:p14="http://schemas.microsoft.com/office/powerpoint/2010/main">
+    <mc:Choice Requires="p14">
       <p:transition spd="slow" p14:dur="1300">
         <p14:pan dir="u"/>
       </p:transition>
     </mc:Choice>
-    <mc:Fallback>
+    <mc:Fallback xmlns="">
       <p:transition spd="slow">
         <p:fade/>
       </p:transition>
